--- a/Moreh template.pptx
+++ b/Moreh template.pptx
@@ -213,7 +213,7 @@
           <a:p>
             <a:fld id="{B03203E3-7C81-41A5-A697-954FF252F964}" type="datetimeFigureOut">
               <a:rPr lang="en-GB" smtClean="0"/>
-              <a:t>11/07/2024</a:t>
+              <a:t>17/10/2024</a:t>
             </a:fld>
             <a:endParaRPr lang="en-GB"/>
           </a:p>
@@ -391,7 +391,7 @@
           <a:p>
             <a:fld id="{00E54BCB-1937-48CE-9F00-49B381FEB4E9}" type="datetimeFigureOut">
               <a:rPr lang="en-GB" smtClean="0"/>
-              <a:t>11/07/2024</a:t>
+              <a:t>17/10/2024</a:t>
             </a:fld>
             <a:endParaRPr lang="en-GB"/>
           </a:p>
@@ -788,7 +788,7 @@
               <a:lnSpc>
                 <a:spcPct val="85000"/>
               </a:lnSpc>
-              <a:defRPr sz="4800" spc="-50" baseline="0">
+              <a:defRPr sz="4800" b="1" spc="-50" baseline="0">
                 <a:solidFill>
                   <a:schemeClr val="tx1">
                     <a:lumMod val="85000"/>
@@ -896,7 +896,7 @@
           <a:p>
             <a:fld id="{A9096957-E872-4999-834A-EAA93C35A95E}" type="datetime1">
               <a:rPr lang="en-GB" smtClean="0"/>
-              <a:t>11/07/2024</a:t>
+              <a:t>17/10/2024</a:t>
             </a:fld>
             <a:endParaRPr lang="en-GB"/>
           </a:p>
@@ -1485,8 +1485,8 @@
 </file>
 
 <file path=ppt/slideLayouts/slideLayout10.xml><?xml version="1.0" encoding="utf-8"?>
-<p:sldLayout xmlns:a="http://schemas.openxmlformats.org/drawingml/2006/main" xmlns:r="http://schemas.openxmlformats.org/officeDocument/2006/relationships" xmlns:p="http://schemas.openxmlformats.org/presentationml/2006/main" showMasterSp="0" type="blank" preserve="1">
-  <p:cSld name="Blank">
+<p:sldLayout xmlns:a="http://schemas.openxmlformats.org/drawingml/2006/main" xmlns:r="http://schemas.openxmlformats.org/officeDocument/2006/relationships" xmlns:p="http://schemas.openxmlformats.org/presentationml/2006/main" type="twoTxTwoObj" preserve="1">
+  <p:cSld name="Comparison">
     <p:spTree>
       <p:nvGrpSpPr>
         <p:cNvPr id="1" name=""/>
@@ -1503,79 +1503,301 @@
       </p:grpSpPr>
       <p:sp>
         <p:nvSpPr>
-          <p:cNvPr id="5" name="Rectangle 4"/>
-          <p:cNvSpPr/>
-          <p:nvPr/>
+          <p:cNvPr id="10" name="Title 9"/>
+          <p:cNvSpPr>
+            <a:spLocks noGrp="1"/>
+          </p:cNvSpPr>
+          <p:nvPr>
+            <p:ph type="title"/>
+          </p:nvPr>
         </p:nvSpPr>
         <p:spPr>
           <a:xfrm>
-            <a:off x="3175" y="6400800"/>
-            <a:ext cx="12188825" cy="457200"/>
+            <a:off x="1097280" y="286603"/>
+            <a:ext cx="10058400" cy="1450757"/>
           </a:xfrm>
-          <a:prstGeom prst="rect">
-            <a:avLst/>
-          </a:prstGeom>
-          <a:solidFill>
-            <a:schemeClr val="accent2"/>
-          </a:solidFill>
-          <a:ln>
-            <a:noFill/>
-          </a:ln>
         </p:spPr>
-        <p:style>
-          <a:lnRef idx="2">
-            <a:schemeClr val="accent1">
-              <a:shade val="50000"/>
-            </a:schemeClr>
-          </a:lnRef>
-          <a:fillRef idx="1">
-            <a:schemeClr val="accent1"/>
-          </a:fillRef>
-          <a:effectRef idx="0">
-            <a:schemeClr val="accent1"/>
-          </a:effectRef>
-          <a:fontRef idx="minor">
-            <a:schemeClr val="lt1"/>
-          </a:fontRef>
-        </p:style>
+        <p:txBody>
+          <a:bodyPr/>
+          <a:lstStyle/>
+          <a:p>
+            <a:r>
+              <a:rPr lang="en-GB"/>
+              <a:t>Click to edit Master title style</a:t>
+            </a:r>
+            <a:endParaRPr lang="en-US" dirty="0"/>
+          </a:p>
+        </p:txBody>
       </p:sp>
       <p:sp>
         <p:nvSpPr>
-          <p:cNvPr id="6" name="Rectangle 5"/>
-          <p:cNvSpPr/>
-          <p:nvPr/>
+          <p:cNvPr id="3" name="Text Placeholder 2"/>
+          <p:cNvSpPr>
+            <a:spLocks noGrp="1"/>
+          </p:cNvSpPr>
+          <p:nvPr>
+            <p:ph type="body" idx="1"/>
+          </p:nvPr>
         </p:nvSpPr>
         <p:spPr>
           <a:xfrm>
-            <a:off x="15" y="6334316"/>
-            <a:ext cx="12188825" cy="64008"/>
+            <a:off x="1097280" y="1846052"/>
+            <a:ext cx="4937760" cy="736282"/>
           </a:xfrm>
-          <a:prstGeom prst="rect">
-            <a:avLst/>
-          </a:prstGeom>
-          <a:solidFill>
-            <a:schemeClr val="accent1"/>
-          </a:solidFill>
-          <a:ln>
-            <a:noFill/>
-          </a:ln>
         </p:spPr>
-        <p:style>
-          <a:lnRef idx="2">
-            <a:schemeClr val="accent1">
-              <a:shade val="50000"/>
-            </a:schemeClr>
-          </a:lnRef>
-          <a:fillRef idx="1">
-            <a:schemeClr val="accent1"/>
-          </a:fillRef>
-          <a:effectRef idx="0">
-            <a:schemeClr val="accent1"/>
-          </a:effectRef>
-          <a:fontRef idx="minor">
-            <a:schemeClr val="lt1"/>
-          </a:fontRef>
-        </p:style>
+        <p:txBody>
+          <a:bodyPr lIns="91440" rIns="91440" anchor="ctr">
+            <a:normAutofit/>
+          </a:bodyPr>
+          <a:lstStyle>
+            <a:lvl1pPr marL="0" indent="0">
+              <a:buNone/>
+              <a:defRPr sz="2000" b="0" cap="all" baseline="0">
+                <a:solidFill>
+                  <a:schemeClr val="tx2"/>
+                </a:solidFill>
+              </a:defRPr>
+            </a:lvl1pPr>
+            <a:lvl2pPr marL="457200" indent="0">
+              <a:buNone/>
+              <a:defRPr sz="2000" b="1"/>
+            </a:lvl2pPr>
+            <a:lvl3pPr marL="914400" indent="0">
+              <a:buNone/>
+              <a:defRPr sz="1800" b="1"/>
+            </a:lvl3pPr>
+            <a:lvl4pPr marL="1371600" indent="0">
+              <a:buNone/>
+              <a:defRPr sz="1600" b="1"/>
+            </a:lvl4pPr>
+            <a:lvl5pPr marL="1828800" indent="0">
+              <a:buNone/>
+              <a:defRPr sz="1600" b="1"/>
+            </a:lvl5pPr>
+            <a:lvl6pPr marL="2286000" indent="0">
+              <a:buNone/>
+              <a:defRPr sz="1600" b="1"/>
+            </a:lvl6pPr>
+            <a:lvl7pPr marL="2743200" indent="0">
+              <a:buNone/>
+              <a:defRPr sz="1600" b="1"/>
+            </a:lvl7pPr>
+            <a:lvl8pPr marL="3200400" indent="0">
+              <a:buNone/>
+              <a:defRPr sz="1600" b="1"/>
+            </a:lvl8pPr>
+            <a:lvl9pPr marL="3657600" indent="0">
+              <a:buNone/>
+              <a:defRPr sz="1600" b="1"/>
+            </a:lvl9pPr>
+          </a:lstStyle>
+          <a:p>
+            <a:pPr lvl="0"/>
+            <a:r>
+              <a:rPr lang="en-GB"/>
+              <a:t>Click to edit Master text styles</a:t>
+            </a:r>
+          </a:p>
+        </p:txBody>
+      </p:sp>
+      <p:sp>
+        <p:nvSpPr>
+          <p:cNvPr id="4" name="Content Placeholder 3"/>
+          <p:cNvSpPr>
+            <a:spLocks noGrp="1"/>
+          </p:cNvSpPr>
+          <p:nvPr>
+            <p:ph sz="half" idx="2"/>
+          </p:nvPr>
+        </p:nvSpPr>
+        <p:spPr>
+          <a:xfrm>
+            <a:off x="1097280" y="2582334"/>
+            <a:ext cx="4937760" cy="3378200"/>
+          </a:xfrm>
+        </p:spPr>
+        <p:txBody>
+          <a:bodyPr/>
+          <a:lstStyle>
+            <a:lvl2pPr marL="444500" indent="-244475">
+              <a:defRPr/>
+            </a:lvl2pPr>
+            <a:lvl3pPr marL="627063" indent="-242888">
+              <a:defRPr/>
+            </a:lvl3pPr>
+          </a:lstStyle>
+          <a:p>
+            <a:pPr lvl="0"/>
+            <a:r>
+              <a:rPr lang="en-GB" dirty="0"/>
+              <a:t>Click to edit Master text styles</a:t>
+            </a:r>
+          </a:p>
+          <a:p>
+            <a:pPr lvl="1"/>
+            <a:r>
+              <a:rPr lang="en-GB" dirty="0"/>
+              <a:t>Second level</a:t>
+            </a:r>
+          </a:p>
+          <a:p>
+            <a:pPr lvl="2"/>
+            <a:r>
+              <a:rPr lang="en-GB" dirty="0"/>
+              <a:t>Third level</a:t>
+            </a:r>
+          </a:p>
+          <a:p>
+            <a:pPr lvl="3"/>
+            <a:r>
+              <a:rPr lang="en-GB" dirty="0"/>
+              <a:t>Fourth level</a:t>
+            </a:r>
+          </a:p>
+          <a:p>
+            <a:pPr lvl="4"/>
+            <a:r>
+              <a:rPr lang="en-GB" dirty="0"/>
+              <a:t>Fifth level</a:t>
+            </a:r>
+            <a:endParaRPr lang="en-US" dirty="0"/>
+          </a:p>
+        </p:txBody>
+      </p:sp>
+      <p:sp>
+        <p:nvSpPr>
+          <p:cNvPr id="5" name="Text Placeholder 4"/>
+          <p:cNvSpPr>
+            <a:spLocks noGrp="1"/>
+          </p:cNvSpPr>
+          <p:nvPr>
+            <p:ph type="body" sz="quarter" idx="3"/>
+          </p:nvPr>
+        </p:nvSpPr>
+        <p:spPr>
+          <a:xfrm>
+            <a:off x="6217920" y="1846052"/>
+            <a:ext cx="4937760" cy="736282"/>
+          </a:xfrm>
+        </p:spPr>
+        <p:txBody>
+          <a:bodyPr lIns="91440" rIns="91440" anchor="ctr">
+            <a:normAutofit/>
+          </a:bodyPr>
+          <a:lstStyle>
+            <a:lvl1pPr marL="0" indent="0">
+              <a:buNone/>
+              <a:defRPr sz="2000" b="0" cap="all" baseline="0">
+                <a:solidFill>
+                  <a:schemeClr val="tx2"/>
+                </a:solidFill>
+              </a:defRPr>
+            </a:lvl1pPr>
+            <a:lvl2pPr marL="457200" indent="0">
+              <a:buNone/>
+              <a:defRPr sz="2000" b="1"/>
+            </a:lvl2pPr>
+            <a:lvl3pPr marL="914400" indent="0">
+              <a:buNone/>
+              <a:defRPr sz="1800" b="1"/>
+            </a:lvl3pPr>
+            <a:lvl4pPr marL="1371600" indent="0">
+              <a:buNone/>
+              <a:defRPr sz="1600" b="1"/>
+            </a:lvl4pPr>
+            <a:lvl5pPr marL="1828800" indent="0">
+              <a:buNone/>
+              <a:defRPr sz="1600" b="1"/>
+            </a:lvl5pPr>
+            <a:lvl6pPr marL="2286000" indent="0">
+              <a:buNone/>
+              <a:defRPr sz="1600" b="1"/>
+            </a:lvl6pPr>
+            <a:lvl7pPr marL="2743200" indent="0">
+              <a:buNone/>
+              <a:defRPr sz="1600" b="1"/>
+            </a:lvl7pPr>
+            <a:lvl8pPr marL="3200400" indent="0">
+              <a:buNone/>
+              <a:defRPr sz="1600" b="1"/>
+            </a:lvl8pPr>
+            <a:lvl9pPr marL="3657600" indent="0">
+              <a:buNone/>
+              <a:defRPr sz="1600" b="1"/>
+            </a:lvl9pPr>
+          </a:lstStyle>
+          <a:p>
+            <a:pPr lvl="0"/>
+            <a:r>
+              <a:rPr lang="en-GB"/>
+              <a:t>Click to edit Master text styles</a:t>
+            </a:r>
+          </a:p>
+        </p:txBody>
+      </p:sp>
+      <p:sp>
+        <p:nvSpPr>
+          <p:cNvPr id="6" name="Content Placeholder 5"/>
+          <p:cNvSpPr>
+            <a:spLocks noGrp="1"/>
+          </p:cNvSpPr>
+          <p:nvPr>
+            <p:ph sz="quarter" idx="4"/>
+          </p:nvPr>
+        </p:nvSpPr>
+        <p:spPr>
+          <a:xfrm>
+            <a:off x="6217920" y="2582334"/>
+            <a:ext cx="4937760" cy="3378200"/>
+          </a:xfrm>
+        </p:spPr>
+        <p:txBody>
+          <a:bodyPr/>
+          <a:lstStyle>
+            <a:lvl2pPr marL="444500" indent="-244475">
+              <a:defRPr/>
+            </a:lvl2pPr>
+            <a:lvl3pPr marL="627063" indent="-242888">
+              <a:defRPr/>
+            </a:lvl3pPr>
+          </a:lstStyle>
+          <a:p>
+            <a:pPr lvl="0"/>
+            <a:r>
+              <a:rPr lang="en-GB" dirty="0"/>
+              <a:t>Click to edit Master text styles</a:t>
+            </a:r>
+          </a:p>
+          <a:p>
+            <a:pPr lvl="1"/>
+            <a:r>
+              <a:rPr lang="en-GB" dirty="0"/>
+              <a:t>Second level</a:t>
+            </a:r>
+          </a:p>
+          <a:p>
+            <a:pPr lvl="2"/>
+            <a:r>
+              <a:rPr lang="en-GB" dirty="0"/>
+              <a:t>Third level</a:t>
+            </a:r>
+          </a:p>
+          <a:p>
+            <a:pPr lvl="3"/>
+            <a:r>
+              <a:rPr lang="en-GB" dirty="0"/>
+              <a:t>Fourth level</a:t>
+            </a:r>
+          </a:p>
+          <a:p>
+            <a:pPr lvl="4"/>
+            <a:r>
+              <a:rPr lang="en-GB" dirty="0"/>
+              <a:t>Fifth level</a:t>
+            </a:r>
+            <a:endParaRPr lang="en-US" dirty="0"/>
+          </a:p>
+        </p:txBody>
       </p:sp>
       <p:sp>
         <p:nvSpPr>
@@ -1592,9 +1814,9 @@
           <a:bodyPr/>
           <a:lstStyle/>
           <a:p>
-            <a:fld id="{274932BC-C90A-4F3E-8CBF-DAC0F36B3CC6}" type="datetime1">
+            <a:fld id="{B1788611-C2AF-448C-92CB-E54AF547042B}" type="datetime1">
               <a:rPr lang="en-GB" smtClean="0"/>
-              <a:t>11/07/2024</a:t>
+              <a:t>17/10/2024</a:t>
             </a:fld>
             <a:endParaRPr lang="en-GB"/>
           </a:p>
@@ -1613,15 +1835,7 @@
         <p:spPr/>
         <p:txBody>
           <a:bodyPr/>
-          <a:lstStyle>
-            <a:lvl1pPr>
-              <a:defRPr>
-                <a:solidFill>
-                  <a:srgbClr val="FFFFFF"/>
-                </a:solidFill>
-              </a:defRPr>
-            </a:lvl1pPr>
-          </a:lstStyle>
+          <a:lstStyle/>
           <a:p>
             <a:endParaRPr lang="en-GB"/>
           </a:p>
@@ -1653,7 +1867,7 @@
     </p:spTree>
     <p:extLst>
       <p:ext uri="{BB962C8B-B14F-4D97-AF65-F5344CB8AC3E}">
-        <p14:creationId xmlns:p14="http://schemas.microsoft.com/office/powerpoint/2010/main" val="3269464527"/>
+        <p14:creationId xmlns:p14="http://schemas.microsoft.com/office/powerpoint/2010/main" val="1048557662"/>
       </p:ext>
     </p:extLst>
   </p:cSld>
@@ -1664,432 +1878,6 @@
 </file>
 
 <file path=ppt/slideLayouts/slideLayout11.xml><?xml version="1.0" encoding="utf-8"?>
-<p:sldLayout xmlns:a="http://schemas.openxmlformats.org/drawingml/2006/main" xmlns:r="http://schemas.openxmlformats.org/officeDocument/2006/relationships" xmlns:p="http://schemas.openxmlformats.org/presentationml/2006/main" type="vertTx" preserve="1">
-  <p:cSld name="Title and Vertical Text">
-    <p:spTree>
-      <p:nvGrpSpPr>
-        <p:cNvPr id="1" name=""/>
-        <p:cNvGrpSpPr/>
-        <p:nvPr/>
-      </p:nvGrpSpPr>
-      <p:grpSpPr>
-        <a:xfrm>
-          <a:off x="0" y="0"/>
-          <a:ext cx="0" cy="0"/>
-          <a:chOff x="0" y="0"/>
-          <a:chExt cx="0" cy="0"/>
-        </a:xfrm>
-      </p:grpSpPr>
-      <p:sp>
-        <p:nvSpPr>
-          <p:cNvPr id="2" name="Title 1"/>
-          <p:cNvSpPr>
-            <a:spLocks noGrp="1"/>
-          </p:cNvSpPr>
-          <p:nvPr>
-            <p:ph type="title"/>
-          </p:nvPr>
-        </p:nvSpPr>
-        <p:spPr/>
-        <p:txBody>
-          <a:bodyPr/>
-          <a:lstStyle/>
-          <a:p>
-            <a:r>
-              <a:rPr lang="en-GB"/>
-              <a:t>Click to edit Master title style</a:t>
-            </a:r>
-            <a:endParaRPr lang="en-US" dirty="0"/>
-          </a:p>
-        </p:txBody>
-      </p:sp>
-      <p:sp>
-        <p:nvSpPr>
-          <p:cNvPr id="3" name="Vertical Text Placeholder 2"/>
-          <p:cNvSpPr>
-            <a:spLocks noGrp="1"/>
-          </p:cNvSpPr>
-          <p:nvPr>
-            <p:ph type="body" orient="vert" idx="1"/>
-          </p:nvPr>
-        </p:nvSpPr>
-        <p:spPr/>
-        <p:txBody>
-          <a:bodyPr vert="eaVert" lIns="45720" tIns="0" rIns="45720" bIns="0"/>
-          <a:lstStyle/>
-          <a:p>
-            <a:pPr lvl="0"/>
-            <a:r>
-              <a:rPr lang="en-GB"/>
-              <a:t>Click to edit Master text styles</a:t>
-            </a:r>
-          </a:p>
-          <a:p>
-            <a:pPr lvl="1"/>
-            <a:r>
-              <a:rPr lang="en-GB"/>
-              <a:t>Second level</a:t>
-            </a:r>
-          </a:p>
-          <a:p>
-            <a:pPr lvl="2"/>
-            <a:r>
-              <a:rPr lang="en-GB"/>
-              <a:t>Third level</a:t>
-            </a:r>
-          </a:p>
-          <a:p>
-            <a:pPr lvl="3"/>
-            <a:r>
-              <a:rPr lang="en-GB"/>
-              <a:t>Fourth level</a:t>
-            </a:r>
-          </a:p>
-          <a:p>
-            <a:pPr lvl="4"/>
-            <a:r>
-              <a:rPr lang="en-GB"/>
-              <a:t>Fifth level</a:t>
-            </a:r>
-            <a:endParaRPr lang="en-US" dirty="0"/>
-          </a:p>
-        </p:txBody>
-      </p:sp>
-      <p:sp>
-        <p:nvSpPr>
-          <p:cNvPr id="4" name="Date Placeholder 3"/>
-          <p:cNvSpPr>
-            <a:spLocks noGrp="1"/>
-          </p:cNvSpPr>
-          <p:nvPr>
-            <p:ph type="dt" sz="half" idx="10"/>
-          </p:nvPr>
-        </p:nvSpPr>
-        <p:spPr/>
-        <p:txBody>
-          <a:bodyPr/>
-          <a:lstStyle/>
-          <a:p>
-            <a:fld id="{4966FB54-CF9D-462B-9CCB-47FBA7AB4B8F}" type="datetime1">
-              <a:rPr lang="en-GB" smtClean="0"/>
-              <a:t>11/07/2024</a:t>
-            </a:fld>
-            <a:endParaRPr lang="en-GB"/>
-          </a:p>
-        </p:txBody>
-      </p:sp>
-      <p:sp>
-        <p:nvSpPr>
-          <p:cNvPr id="5" name="Footer Placeholder 4"/>
-          <p:cNvSpPr>
-            <a:spLocks noGrp="1"/>
-          </p:cNvSpPr>
-          <p:nvPr>
-            <p:ph type="ftr" sz="quarter" idx="11"/>
-          </p:nvPr>
-        </p:nvSpPr>
-        <p:spPr/>
-        <p:txBody>
-          <a:bodyPr/>
-          <a:lstStyle/>
-          <a:p>
-            <a:endParaRPr lang="en-GB"/>
-          </a:p>
-        </p:txBody>
-      </p:sp>
-      <p:sp>
-        <p:nvSpPr>
-          <p:cNvPr id="6" name="Slide Number Placeholder 5"/>
-          <p:cNvSpPr>
-            <a:spLocks noGrp="1"/>
-          </p:cNvSpPr>
-          <p:nvPr>
-            <p:ph type="sldNum" sz="quarter" idx="12"/>
-          </p:nvPr>
-        </p:nvSpPr>
-        <p:spPr/>
-        <p:txBody>
-          <a:bodyPr/>
-          <a:lstStyle/>
-          <a:p>
-            <a:fld id="{9FAA51BB-2FC0-4DB8-B50E-F52D50E733B6}" type="slidenum">
-              <a:rPr lang="en-GB" smtClean="0"/>
-              <a:t>‹#›</a:t>
-            </a:fld>
-            <a:endParaRPr lang="en-GB"/>
-          </a:p>
-        </p:txBody>
-      </p:sp>
-    </p:spTree>
-    <p:extLst>
-      <p:ext uri="{BB962C8B-B14F-4D97-AF65-F5344CB8AC3E}">
-        <p14:creationId xmlns:p14="http://schemas.microsoft.com/office/powerpoint/2010/main" val="4034479074"/>
-      </p:ext>
-    </p:extLst>
-  </p:cSld>
-  <p:clrMapOvr>
-    <a:masterClrMapping/>
-  </p:clrMapOvr>
-</p:sldLayout>
-</file>
-
-<file path=ppt/slideLayouts/slideLayout12.xml><?xml version="1.0" encoding="utf-8"?>
-<p:sldLayout xmlns:a="http://schemas.openxmlformats.org/drawingml/2006/main" xmlns:r="http://schemas.openxmlformats.org/officeDocument/2006/relationships" xmlns:p="http://schemas.openxmlformats.org/presentationml/2006/main" showMasterSp="0" type="vertTitleAndTx" preserve="1">
-  <p:cSld name="Vertical Title and Text">
-    <p:spTree>
-      <p:nvGrpSpPr>
-        <p:cNvPr id="1" name=""/>
-        <p:cNvGrpSpPr/>
-        <p:nvPr/>
-      </p:nvGrpSpPr>
-      <p:grpSpPr>
-        <a:xfrm>
-          <a:off x="0" y="0"/>
-          <a:ext cx="0" cy="0"/>
-          <a:chOff x="0" y="0"/>
-          <a:chExt cx="0" cy="0"/>
-        </a:xfrm>
-      </p:grpSpPr>
-      <p:sp>
-        <p:nvSpPr>
-          <p:cNvPr id="7" name="Rectangle 6"/>
-          <p:cNvSpPr/>
-          <p:nvPr/>
-        </p:nvSpPr>
-        <p:spPr>
-          <a:xfrm>
-            <a:off x="3175" y="6400800"/>
-            <a:ext cx="12188825" cy="457200"/>
-          </a:xfrm>
-          <a:prstGeom prst="rect">
-            <a:avLst/>
-          </a:prstGeom>
-          <a:solidFill>
-            <a:schemeClr val="accent2"/>
-          </a:solidFill>
-          <a:ln>
-            <a:noFill/>
-          </a:ln>
-        </p:spPr>
-        <p:style>
-          <a:lnRef idx="2">
-            <a:schemeClr val="accent1">
-              <a:shade val="50000"/>
-            </a:schemeClr>
-          </a:lnRef>
-          <a:fillRef idx="1">
-            <a:schemeClr val="accent1"/>
-          </a:fillRef>
-          <a:effectRef idx="0">
-            <a:schemeClr val="accent1"/>
-          </a:effectRef>
-          <a:fontRef idx="minor">
-            <a:schemeClr val="lt1"/>
-          </a:fontRef>
-        </p:style>
-      </p:sp>
-      <p:sp>
-        <p:nvSpPr>
-          <p:cNvPr id="8" name="Rectangle 7"/>
-          <p:cNvSpPr/>
-          <p:nvPr/>
-        </p:nvSpPr>
-        <p:spPr>
-          <a:xfrm>
-            <a:off x="15" y="6334316"/>
-            <a:ext cx="12188825" cy="64008"/>
-          </a:xfrm>
-          <a:prstGeom prst="rect">
-            <a:avLst/>
-          </a:prstGeom>
-          <a:solidFill>
-            <a:schemeClr val="accent1"/>
-          </a:solidFill>
-          <a:ln>
-            <a:noFill/>
-          </a:ln>
-        </p:spPr>
-        <p:style>
-          <a:lnRef idx="2">
-            <a:schemeClr val="accent1">
-              <a:shade val="50000"/>
-            </a:schemeClr>
-          </a:lnRef>
-          <a:fillRef idx="1">
-            <a:schemeClr val="accent1"/>
-          </a:fillRef>
-          <a:effectRef idx="0">
-            <a:schemeClr val="accent1"/>
-          </a:effectRef>
-          <a:fontRef idx="minor">
-            <a:schemeClr val="lt1"/>
-          </a:fontRef>
-        </p:style>
-      </p:sp>
-      <p:sp>
-        <p:nvSpPr>
-          <p:cNvPr id="2" name="Vertical Title 1"/>
-          <p:cNvSpPr>
-            <a:spLocks noGrp="1"/>
-          </p:cNvSpPr>
-          <p:nvPr>
-            <p:ph type="title" orient="vert"/>
-          </p:nvPr>
-        </p:nvSpPr>
-        <p:spPr>
-          <a:xfrm>
-            <a:off x="8724900" y="414778"/>
-            <a:ext cx="2628900" cy="5757421"/>
-          </a:xfrm>
-        </p:spPr>
-        <p:txBody>
-          <a:bodyPr vert="eaVert"/>
-          <a:lstStyle/>
-          <a:p>
-            <a:r>
-              <a:rPr lang="en-GB"/>
-              <a:t>Click to edit Master title style</a:t>
-            </a:r>
-            <a:endParaRPr lang="en-US" dirty="0"/>
-          </a:p>
-        </p:txBody>
-      </p:sp>
-      <p:sp>
-        <p:nvSpPr>
-          <p:cNvPr id="3" name="Vertical Text Placeholder 2"/>
-          <p:cNvSpPr>
-            <a:spLocks noGrp="1"/>
-          </p:cNvSpPr>
-          <p:nvPr>
-            <p:ph type="body" orient="vert" idx="1"/>
-          </p:nvPr>
-        </p:nvSpPr>
-        <p:spPr>
-          <a:xfrm>
-            <a:off x="838200" y="414778"/>
-            <a:ext cx="7734300" cy="5757422"/>
-          </a:xfrm>
-        </p:spPr>
-        <p:txBody>
-          <a:bodyPr vert="eaVert" lIns="45720" tIns="0" rIns="45720" bIns="0"/>
-          <a:lstStyle/>
-          <a:p>
-            <a:pPr lvl="0"/>
-            <a:r>
-              <a:rPr lang="en-GB"/>
-              <a:t>Click to edit Master text styles</a:t>
-            </a:r>
-          </a:p>
-          <a:p>
-            <a:pPr lvl="1"/>
-            <a:r>
-              <a:rPr lang="en-GB"/>
-              <a:t>Second level</a:t>
-            </a:r>
-          </a:p>
-          <a:p>
-            <a:pPr lvl="2"/>
-            <a:r>
-              <a:rPr lang="en-GB"/>
-              <a:t>Third level</a:t>
-            </a:r>
-          </a:p>
-          <a:p>
-            <a:pPr lvl="3"/>
-            <a:r>
-              <a:rPr lang="en-GB"/>
-              <a:t>Fourth level</a:t>
-            </a:r>
-          </a:p>
-          <a:p>
-            <a:pPr lvl="4"/>
-            <a:r>
-              <a:rPr lang="en-GB"/>
-              <a:t>Fifth level</a:t>
-            </a:r>
-            <a:endParaRPr lang="en-US" dirty="0"/>
-          </a:p>
-        </p:txBody>
-      </p:sp>
-      <p:sp>
-        <p:nvSpPr>
-          <p:cNvPr id="4" name="Date Placeholder 3"/>
-          <p:cNvSpPr>
-            <a:spLocks noGrp="1"/>
-          </p:cNvSpPr>
-          <p:nvPr>
-            <p:ph type="dt" sz="half" idx="10"/>
-          </p:nvPr>
-        </p:nvSpPr>
-        <p:spPr/>
-        <p:txBody>
-          <a:bodyPr/>
-          <a:lstStyle/>
-          <a:p>
-            <a:fld id="{78F5830D-AA51-4E08-94D0-7C0E71B3B8CD}" type="datetime1">
-              <a:rPr lang="en-GB" smtClean="0"/>
-              <a:t>11/07/2024</a:t>
-            </a:fld>
-            <a:endParaRPr lang="en-GB"/>
-          </a:p>
-        </p:txBody>
-      </p:sp>
-      <p:sp>
-        <p:nvSpPr>
-          <p:cNvPr id="5" name="Footer Placeholder 4"/>
-          <p:cNvSpPr>
-            <a:spLocks noGrp="1"/>
-          </p:cNvSpPr>
-          <p:nvPr>
-            <p:ph type="ftr" sz="quarter" idx="11"/>
-          </p:nvPr>
-        </p:nvSpPr>
-        <p:spPr/>
-        <p:txBody>
-          <a:bodyPr/>
-          <a:lstStyle/>
-          <a:p>
-            <a:endParaRPr lang="en-GB"/>
-          </a:p>
-        </p:txBody>
-      </p:sp>
-      <p:sp>
-        <p:nvSpPr>
-          <p:cNvPr id="6" name="Slide Number Placeholder 5"/>
-          <p:cNvSpPr>
-            <a:spLocks noGrp="1"/>
-          </p:cNvSpPr>
-          <p:nvPr>
-            <p:ph type="sldNum" sz="quarter" idx="12"/>
-          </p:nvPr>
-        </p:nvSpPr>
-        <p:spPr/>
-        <p:txBody>
-          <a:bodyPr/>
-          <a:lstStyle/>
-          <a:p>
-            <a:fld id="{9FAA51BB-2FC0-4DB8-B50E-F52D50E733B6}" type="slidenum">
-              <a:rPr lang="en-GB" smtClean="0"/>
-              <a:t>‹#›</a:t>
-            </a:fld>
-            <a:endParaRPr lang="en-GB"/>
-          </a:p>
-        </p:txBody>
-      </p:sp>
-    </p:spTree>
-    <p:extLst>
-      <p:ext uri="{BB962C8B-B14F-4D97-AF65-F5344CB8AC3E}">
-        <p14:creationId xmlns:p14="http://schemas.microsoft.com/office/powerpoint/2010/main" val="4060267296"/>
-      </p:ext>
-    </p:extLst>
-  </p:cSld>
-  <p:clrMapOvr>
-    <a:masterClrMapping/>
-  </p:clrMapOvr>
-</p:sldLayout>
-</file>
-
-<file path=ppt/slideLayouts/slideLayout13.xml><?xml version="1.0" encoding="utf-8"?>
 <p:sldLayout xmlns:a="http://schemas.openxmlformats.org/drawingml/2006/main" xmlns:r="http://schemas.openxmlformats.org/officeDocument/2006/relationships" xmlns:p="http://schemas.openxmlformats.org/presentationml/2006/main" preserve="1" userDrawn="1">
   <p:cSld name="1_Custom Layout">
     <p:spTree>
@@ -2177,7 +1965,7 @@
           <a:p>
             <a:fld id="{FB66436D-1153-4A99-864C-6CFC5E747017}" type="datetime1">
               <a:rPr lang="en-GB" smtClean="0"/>
-              <a:t>11/07/2024</a:t>
+              <a:t>17/10/2024</a:t>
             </a:fld>
             <a:endParaRPr lang="en-GB"/>
           </a:p>
@@ -2786,9 +2574,9 @@
 </p:sldLayout>
 </file>
 
-<file path=ppt/slideLayouts/slideLayout2.xml><?xml version="1.0" encoding="utf-8"?>
+<file path=ppt/slideLayouts/slideLayout12.xml><?xml version="1.0" encoding="utf-8"?>
 <p:sldLayout xmlns:a="http://schemas.openxmlformats.org/drawingml/2006/main" xmlns:r="http://schemas.openxmlformats.org/officeDocument/2006/relationships" xmlns:p="http://schemas.openxmlformats.org/presentationml/2006/main" preserve="1" userDrawn="1">
-  <p:cSld name="Custom Layout">
+  <p:cSld name="References">
     <p:spTree>
       <p:nvGrpSpPr>
         <p:cNvPr id="1" name=""/>
@@ -2808,7 +2596,7 @@
           <p:cNvPr id="2" name="Title 1">
             <a:extLst>
               <a:ext uri="{FF2B5EF4-FFF2-40B4-BE49-F238E27FC236}">
-                <a16:creationId xmlns:a16="http://schemas.microsoft.com/office/drawing/2014/main" id="{09CE3F75-4629-998C-D4E2-8B503E840A60}"/>
+                <a16:creationId xmlns:a16="http://schemas.microsoft.com/office/drawing/2014/main" id="{1312ECC6-7BD6-D9D0-DD8F-30FCF10DE4E6}"/>
               </a:ext>
             </a:extLst>
           </p:cNvPr>
@@ -2816,17 +2604,26 @@
             <a:spLocks noGrp="1"/>
           </p:cNvSpPr>
           <p:nvPr>
-            <p:ph type="title"/>
+            <p:ph type="title" hasCustomPrompt="1"/>
           </p:nvPr>
         </p:nvSpPr>
-        <p:spPr/>
+        <p:spPr>
+          <a:xfrm>
+            <a:off x="756745" y="286604"/>
+            <a:ext cx="10398935" cy="584253"/>
+          </a:xfrm>
+        </p:spPr>
         <p:txBody>
           <a:bodyPr/>
-          <a:lstStyle/>
+          <a:lstStyle>
+            <a:lvl1pPr>
+              <a:defRPr b="1"/>
+            </a:lvl1pPr>
+          </a:lstStyle>
           <a:p>
             <a:r>
-              <a:rPr lang="en-GB"/>
-              <a:t>Click to edit Master title style</a:t>
+              <a:rPr lang="en-GB" dirty="0"/>
+              <a:t>References</a:t>
             </a:r>
           </a:p>
         </p:txBody>
@@ -2836,7 +2633,7 @@
           <p:cNvPr id="3" name="Date Placeholder 2">
             <a:extLst>
               <a:ext uri="{FF2B5EF4-FFF2-40B4-BE49-F238E27FC236}">
-                <a16:creationId xmlns:a16="http://schemas.microsoft.com/office/drawing/2014/main" id="{57160149-4935-39AC-F9A6-3A67DF92E54A}"/>
+                <a16:creationId xmlns:a16="http://schemas.microsoft.com/office/drawing/2014/main" id="{B9857D05-3B38-1245-894D-24581A24F27D}"/>
               </a:ext>
             </a:extLst>
           </p:cNvPr>
@@ -2852,11 +2649,11 @@
           <a:bodyPr/>
           <a:lstStyle/>
           <a:p>
-            <a:fld id="{3B3E90F9-E64B-4EC0-8619-D03E9EF38A8A}" type="datetime1">
+            <a:fld id="{F9746024-89CA-4149-B5AA-B057D3F6F349}" type="datetime1">
               <a:rPr lang="en-GB" smtClean="0"/>
-              <a:t>11/07/2024</a:t>
+              <a:t>17/10/2024</a:t>
             </a:fld>
-            <a:endParaRPr lang="en-GB"/>
+            <a:endParaRPr lang="en-GB" dirty="0"/>
           </a:p>
         </p:txBody>
       </p:sp>
@@ -2865,7 +2662,7 @@
           <p:cNvPr id="4" name="Footer Placeholder 3">
             <a:extLst>
               <a:ext uri="{FF2B5EF4-FFF2-40B4-BE49-F238E27FC236}">
-                <a16:creationId xmlns:a16="http://schemas.microsoft.com/office/drawing/2014/main" id="{8DAF1058-E5AB-75EB-3440-399DB9E1D9B9}"/>
+                <a16:creationId xmlns:a16="http://schemas.microsoft.com/office/drawing/2014/main" id="{F3C7BA36-6C3C-C811-3047-B251D5B25444}"/>
               </a:ext>
             </a:extLst>
           </p:cNvPr>
@@ -2881,7 +2678,11 @@
           <a:bodyPr/>
           <a:lstStyle/>
           <a:p>
-            <a:endParaRPr lang="en-GB"/>
+            <a:r>
+              <a:rPr lang="en-GB"/>
+              <a:t>Mobility citizenship in the UK</a:t>
+            </a:r>
+            <a:endParaRPr lang="en-GB" dirty="0"/>
           </a:p>
         </p:txBody>
       </p:sp>
@@ -2890,7 +2691,7 @@
           <p:cNvPr id="5" name="Slide Number Placeholder 4">
             <a:extLst>
               <a:ext uri="{FF2B5EF4-FFF2-40B4-BE49-F238E27FC236}">
-                <a16:creationId xmlns:a16="http://schemas.microsoft.com/office/drawing/2014/main" id="{0A3AAE89-1CB8-B1D2-4FC2-01A5F9359E58}"/>
+                <a16:creationId xmlns:a16="http://schemas.microsoft.com/office/drawing/2014/main" id="{6589F523-D9FC-8E93-1712-1B6E3DE742AF}"/>
               </a:ext>
             </a:extLst>
           </p:cNvPr>
@@ -2908,22 +2709,4665 @@
           <a:p>
             <a:fld id="{9FAA51BB-2FC0-4DB8-B50E-F52D50E733B6}" type="slidenum">
               <a:rPr lang="en-GB" smtClean="0"/>
+              <a:pPr/>
               <a:t>‹#›</a:t>
             </a:fld>
-            <a:endParaRPr lang="en-GB"/>
+            <a:endParaRPr lang="en-GB" dirty="0"/>
+          </a:p>
+        </p:txBody>
+      </p:sp>
+      <p:sp>
+        <p:nvSpPr>
+          <p:cNvPr id="7" name="Text Placeholder 6">
+            <a:extLst>
+              <a:ext uri="{FF2B5EF4-FFF2-40B4-BE49-F238E27FC236}">
+                <a16:creationId xmlns:a16="http://schemas.microsoft.com/office/drawing/2014/main" id="{C9FD4878-448B-C559-6183-304914140DFB}"/>
+              </a:ext>
+            </a:extLst>
+          </p:cNvPr>
+          <p:cNvSpPr>
+            <a:spLocks noGrp="1"/>
+          </p:cNvSpPr>
+          <p:nvPr>
+            <p:ph type="body" sz="quarter" idx="13"/>
+          </p:nvPr>
+        </p:nvSpPr>
+        <p:spPr>
+          <a:xfrm>
+            <a:off x="757238" y="1036321"/>
+            <a:ext cx="10455275" cy="5053330"/>
+          </a:xfrm>
+        </p:spPr>
+        <p:txBody>
+          <a:bodyPr>
+            <a:normAutofit/>
+          </a:bodyPr>
+          <a:lstStyle>
+            <a:lvl1pPr marL="182563" indent="-182563">
+              <a:spcBef>
+                <a:spcPts val="0"/>
+              </a:spcBef>
+              <a:buNone/>
+              <a:defRPr sz="1200"/>
+            </a:lvl1pPr>
+            <a:lvl2pPr marL="201168" indent="0">
+              <a:buNone/>
+              <a:defRPr/>
+            </a:lvl2pPr>
+            <a:lvl3pPr marL="384048" indent="0">
+              <a:buNone/>
+              <a:defRPr/>
+            </a:lvl3pPr>
+            <a:lvl4pPr marL="566928" indent="0">
+              <a:buNone/>
+              <a:defRPr/>
+            </a:lvl4pPr>
+            <a:lvl5pPr marL="749808" indent="0">
+              <a:buFont typeface="Arial" panose="020B0604020202020204" pitchFamily="34" charset="0"/>
+              <a:buNone/>
+              <a:defRPr/>
+            </a:lvl5pPr>
+          </a:lstStyle>
+          <a:p>
+            <a:pPr lvl="0"/>
+            <a:r>
+              <a:rPr lang="en-GB" dirty="0"/>
+              <a:t>Click to edit Master text styles</a:t>
+            </a:r>
           </a:p>
         </p:txBody>
       </p:sp>
     </p:spTree>
     <p:extLst>
       <p:ext uri="{BB962C8B-B14F-4D97-AF65-F5344CB8AC3E}">
-        <p14:creationId xmlns:p14="http://schemas.microsoft.com/office/powerpoint/2010/main" val="2900277239"/>
+        <p14:creationId xmlns:p14="http://schemas.microsoft.com/office/powerpoint/2010/main" val="2443427963"/>
       </p:ext>
     </p:extLst>
   </p:cSld>
   <p:clrMapOvr>
     <a:masterClrMapping/>
   </p:clrMapOvr>
+  <mc:AlternateContent xmlns:mc="http://schemas.openxmlformats.org/markup-compatibility/2006" xmlns:p159="http://schemas.microsoft.com/office/powerpoint/2015/09/main">
+    <mc:Choice Requires="p159">
+      <p:transition spd="slow">
+        <p159:morph option="byObject"/>
+      </p:transition>
+    </mc:Choice>
+    <mc:Fallback xmlns="">
+      <p:transition spd="slow">
+        <p:fade/>
+      </p:transition>
+    </mc:Fallback>
+  </mc:AlternateContent>
+</p:sldLayout>
+</file>
+
+<file path=ppt/slideLayouts/slideLayout13.xml><?xml version="1.0" encoding="utf-8"?>
+<p:sldLayout xmlns:a="http://schemas.openxmlformats.org/drawingml/2006/main" xmlns:r="http://schemas.openxmlformats.org/officeDocument/2006/relationships" xmlns:p="http://schemas.openxmlformats.org/presentationml/2006/main" preserve="1" userDrawn="1">
+  <p:cSld name="2_Custom Layout">
+    <p:spTree>
+      <p:nvGrpSpPr>
+        <p:cNvPr id="1" name=""/>
+        <p:cNvGrpSpPr/>
+        <p:nvPr/>
+      </p:nvGrpSpPr>
+      <p:grpSpPr>
+        <a:xfrm>
+          <a:off x="0" y="0"/>
+          <a:ext cx="0" cy="0"/>
+          <a:chOff x="0" y="0"/>
+          <a:chExt cx="0" cy="0"/>
+        </a:xfrm>
+      </p:grpSpPr>
+      <p:sp>
+        <p:nvSpPr>
+          <p:cNvPr id="3" name="Date Placeholder 2">
+            <a:extLst>
+              <a:ext uri="{FF2B5EF4-FFF2-40B4-BE49-F238E27FC236}">
+                <a16:creationId xmlns:a16="http://schemas.microsoft.com/office/drawing/2014/main" id="{25E28854-50C7-416D-09D3-A8563C8533DC}"/>
+              </a:ext>
+            </a:extLst>
+          </p:cNvPr>
+          <p:cNvSpPr>
+            <a:spLocks noGrp="1"/>
+          </p:cNvSpPr>
+          <p:nvPr>
+            <p:ph type="dt" sz="half" idx="10"/>
+          </p:nvPr>
+        </p:nvSpPr>
+        <p:spPr/>
+        <p:txBody>
+          <a:bodyPr/>
+          <a:lstStyle/>
+          <a:p>
+            <a:fld id="{BB711A39-EAA4-46F0-AB8A-768179A6BE16}" type="datetime1">
+              <a:rPr lang="en-GB" smtClean="0"/>
+              <a:t>17/10/2024</a:t>
+            </a:fld>
+            <a:endParaRPr lang="en-GB" dirty="0"/>
+          </a:p>
+        </p:txBody>
+      </p:sp>
+      <p:sp>
+        <p:nvSpPr>
+          <p:cNvPr id="4" name="Footer Placeholder 3">
+            <a:extLst>
+              <a:ext uri="{FF2B5EF4-FFF2-40B4-BE49-F238E27FC236}">
+                <a16:creationId xmlns:a16="http://schemas.microsoft.com/office/drawing/2014/main" id="{85343B67-CE49-0A0C-7F9C-757FF38AD817}"/>
+              </a:ext>
+            </a:extLst>
+          </p:cNvPr>
+          <p:cNvSpPr>
+            <a:spLocks noGrp="1"/>
+          </p:cNvSpPr>
+          <p:nvPr>
+            <p:ph type="ftr" sz="quarter" idx="11"/>
+          </p:nvPr>
+        </p:nvSpPr>
+        <p:spPr/>
+        <p:txBody>
+          <a:bodyPr/>
+          <a:lstStyle/>
+          <a:p>
+            <a:r>
+              <a:rPr lang="en-GB"/>
+              <a:t>Mobility citizenship in the UK</a:t>
+            </a:r>
+            <a:endParaRPr lang="en-GB" dirty="0"/>
+          </a:p>
+        </p:txBody>
+      </p:sp>
+      <p:sp>
+        <p:nvSpPr>
+          <p:cNvPr id="5" name="Slide Number Placeholder 4">
+            <a:extLst>
+              <a:ext uri="{FF2B5EF4-FFF2-40B4-BE49-F238E27FC236}">
+                <a16:creationId xmlns:a16="http://schemas.microsoft.com/office/drawing/2014/main" id="{28470A5F-B5E2-79CD-FCA0-21992A61F920}"/>
+              </a:ext>
+            </a:extLst>
+          </p:cNvPr>
+          <p:cNvSpPr>
+            <a:spLocks noGrp="1"/>
+          </p:cNvSpPr>
+          <p:nvPr>
+            <p:ph type="sldNum" sz="quarter" idx="12"/>
+          </p:nvPr>
+        </p:nvSpPr>
+        <p:spPr/>
+        <p:txBody>
+          <a:bodyPr/>
+          <a:lstStyle/>
+          <a:p>
+            <a:fld id="{9FAA51BB-2FC0-4DB8-B50E-F52D50E733B6}" type="slidenum">
+              <a:rPr lang="en-GB" smtClean="0"/>
+              <a:pPr/>
+              <a:t>‹#›</a:t>
+            </a:fld>
+            <a:endParaRPr lang="en-GB" dirty="0"/>
+          </a:p>
+        </p:txBody>
+      </p:sp>
+      <p:sp>
+        <p:nvSpPr>
+          <p:cNvPr id="6" name="Title 1">
+            <a:extLst>
+              <a:ext uri="{FF2B5EF4-FFF2-40B4-BE49-F238E27FC236}">
+                <a16:creationId xmlns:a16="http://schemas.microsoft.com/office/drawing/2014/main" id="{904975CB-2B2F-AABC-1BEA-AC019045F8B6}"/>
+              </a:ext>
+            </a:extLst>
+          </p:cNvPr>
+          <p:cNvSpPr>
+            <a:spLocks noGrp="1"/>
+          </p:cNvSpPr>
+          <p:nvPr>
+            <p:ph type="title" hasCustomPrompt="1"/>
+          </p:nvPr>
+        </p:nvSpPr>
+        <p:spPr>
+          <a:xfrm>
+            <a:off x="756745" y="286604"/>
+            <a:ext cx="10398935" cy="911576"/>
+          </a:xfrm>
+        </p:spPr>
+        <p:txBody>
+          <a:bodyPr/>
+          <a:lstStyle>
+            <a:lvl1pPr>
+              <a:defRPr/>
+            </a:lvl1pPr>
+          </a:lstStyle>
+          <a:p>
+            <a:r>
+              <a:rPr lang="en-GB" b="1" dirty="0"/>
+              <a:t>Numbered bullets</a:t>
+            </a:r>
+          </a:p>
+        </p:txBody>
+      </p:sp>
+      <p:pic>
+        <p:nvPicPr>
+          <p:cNvPr id="7" name="Graphic 6" descr="Badge 1 with solid fill">
+            <a:extLst>
+              <a:ext uri="{FF2B5EF4-FFF2-40B4-BE49-F238E27FC236}">
+                <a16:creationId xmlns:a16="http://schemas.microsoft.com/office/drawing/2014/main" id="{EEDCACCF-0446-119C-CB06-6CC1142E7E59}"/>
+              </a:ext>
+            </a:extLst>
+          </p:cNvPr>
+          <p:cNvPicPr>
+            <a:picLocks noChangeAspect="1"/>
+          </p:cNvPicPr>
+          <p:nvPr userDrawn="1"/>
+        </p:nvPicPr>
+        <p:blipFill>
+          <a:blip r:embed="rId2">
+            <a:extLst>
+              <a:ext uri="{96DAC541-7B7A-43D3-8B79-37D633B846F1}">
+                <asvg:svgBlip xmlns:asvg="http://schemas.microsoft.com/office/drawing/2016/SVG/main" r:embed="rId3"/>
+              </a:ext>
+            </a:extLst>
+          </a:blip>
+          <a:stretch>
+            <a:fillRect/>
+          </a:stretch>
+        </p:blipFill>
+        <p:spPr>
+          <a:xfrm>
+            <a:off x="1399836" y="1872658"/>
+            <a:ext cx="468000" cy="468000"/>
+          </a:xfrm>
+          <a:prstGeom prst="rect">
+            <a:avLst/>
+          </a:prstGeom>
+        </p:spPr>
+      </p:pic>
+      <p:pic>
+        <p:nvPicPr>
+          <p:cNvPr id="8" name="Graphic 7" descr="Badge 10 with solid fill">
+            <a:extLst>
+              <a:ext uri="{FF2B5EF4-FFF2-40B4-BE49-F238E27FC236}">
+                <a16:creationId xmlns:a16="http://schemas.microsoft.com/office/drawing/2014/main" id="{7F8BE7BD-9E19-44BB-2FE3-12ED9FDF94AD}"/>
+              </a:ext>
+            </a:extLst>
+          </p:cNvPr>
+          <p:cNvPicPr>
+            <a:picLocks noChangeAspect="1"/>
+          </p:cNvPicPr>
+          <p:nvPr userDrawn="1"/>
+        </p:nvPicPr>
+        <p:blipFill>
+          <a:blip r:embed="rId4">
+            <a:extLst>
+              <a:ext uri="{96DAC541-7B7A-43D3-8B79-37D633B846F1}">
+                <asvg:svgBlip xmlns:asvg="http://schemas.microsoft.com/office/drawing/2016/SVG/main" r:embed="rId5"/>
+              </a:ext>
+            </a:extLst>
+          </a:blip>
+          <a:stretch>
+            <a:fillRect/>
+          </a:stretch>
+        </p:blipFill>
+        <p:spPr>
+          <a:xfrm>
+            <a:off x="5468331" y="1876667"/>
+            <a:ext cx="468000" cy="468000"/>
+          </a:xfrm>
+          <a:prstGeom prst="rect">
+            <a:avLst/>
+          </a:prstGeom>
+        </p:spPr>
+      </p:pic>
+      <p:pic>
+        <p:nvPicPr>
+          <p:cNvPr id="9" name="Graphic 8" descr="Badge with solid fill">
+            <a:extLst>
+              <a:ext uri="{FF2B5EF4-FFF2-40B4-BE49-F238E27FC236}">
+                <a16:creationId xmlns:a16="http://schemas.microsoft.com/office/drawing/2014/main" id="{F9F887CA-CB36-8ED8-6315-DC7D01B49078}"/>
+              </a:ext>
+            </a:extLst>
+          </p:cNvPr>
+          <p:cNvPicPr>
+            <a:picLocks noChangeAspect="1"/>
+          </p:cNvPicPr>
+          <p:nvPr userDrawn="1"/>
+        </p:nvPicPr>
+        <p:blipFill>
+          <a:blip r:embed="rId6">
+            <a:extLst>
+              <a:ext uri="{96DAC541-7B7A-43D3-8B79-37D633B846F1}">
+                <asvg:svgBlip xmlns:asvg="http://schemas.microsoft.com/office/drawing/2016/SVG/main" r:embed="rId7"/>
+              </a:ext>
+            </a:extLst>
+          </a:blip>
+          <a:stretch>
+            <a:fillRect/>
+          </a:stretch>
+        </p:blipFill>
+        <p:spPr>
+          <a:xfrm>
+            <a:off x="1870601" y="1878489"/>
+            <a:ext cx="468000" cy="468000"/>
+          </a:xfrm>
+          <a:prstGeom prst="rect">
+            <a:avLst/>
+          </a:prstGeom>
+        </p:spPr>
+      </p:pic>
+      <p:pic>
+        <p:nvPicPr>
+          <p:cNvPr id="10" name="Graphic 9" descr="Badge 3 with solid fill">
+            <a:extLst>
+              <a:ext uri="{FF2B5EF4-FFF2-40B4-BE49-F238E27FC236}">
+                <a16:creationId xmlns:a16="http://schemas.microsoft.com/office/drawing/2014/main" id="{825A6F75-9C1C-A95D-D6DA-109E9EBA5201}"/>
+              </a:ext>
+            </a:extLst>
+          </p:cNvPr>
+          <p:cNvPicPr>
+            <a:picLocks noChangeAspect="1"/>
+          </p:cNvPicPr>
+          <p:nvPr userDrawn="1"/>
+        </p:nvPicPr>
+        <p:blipFill>
+          <a:blip r:embed="rId8">
+            <a:extLst>
+              <a:ext uri="{96DAC541-7B7A-43D3-8B79-37D633B846F1}">
+                <asvg:svgBlip xmlns:asvg="http://schemas.microsoft.com/office/drawing/2016/SVG/main" r:embed="rId9"/>
+              </a:ext>
+            </a:extLst>
+          </a:blip>
+          <a:stretch>
+            <a:fillRect/>
+          </a:stretch>
+        </p:blipFill>
+        <p:spPr>
+          <a:xfrm>
+            <a:off x="2337342" y="1872658"/>
+            <a:ext cx="468000" cy="468000"/>
+          </a:xfrm>
+          <a:prstGeom prst="rect">
+            <a:avLst/>
+          </a:prstGeom>
+        </p:spPr>
+      </p:pic>
+      <p:pic>
+        <p:nvPicPr>
+          <p:cNvPr id="11" name="Graphic 10" descr="Badge 4 with solid fill">
+            <a:extLst>
+              <a:ext uri="{FF2B5EF4-FFF2-40B4-BE49-F238E27FC236}">
+                <a16:creationId xmlns:a16="http://schemas.microsoft.com/office/drawing/2014/main" id="{60351B4A-6BB3-B9DA-023E-187EE4E1634A}"/>
+              </a:ext>
+            </a:extLst>
+          </p:cNvPr>
+          <p:cNvPicPr>
+            <a:picLocks noChangeAspect="1"/>
+          </p:cNvPicPr>
+          <p:nvPr userDrawn="1"/>
+        </p:nvPicPr>
+        <p:blipFill>
+          <a:blip r:embed="rId10">
+            <a:extLst>
+              <a:ext uri="{96DAC541-7B7A-43D3-8B79-37D633B846F1}">
+                <asvg:svgBlip xmlns:asvg="http://schemas.microsoft.com/office/drawing/2016/SVG/main" r:embed="rId11"/>
+              </a:ext>
+            </a:extLst>
+          </a:blip>
+          <a:stretch>
+            <a:fillRect/>
+          </a:stretch>
+        </p:blipFill>
+        <p:spPr>
+          <a:xfrm>
+            <a:off x="2794542" y="1881516"/>
+            <a:ext cx="468000" cy="468000"/>
+          </a:xfrm>
+          <a:prstGeom prst="rect">
+            <a:avLst/>
+          </a:prstGeom>
+        </p:spPr>
+      </p:pic>
+      <p:pic>
+        <p:nvPicPr>
+          <p:cNvPr id="12" name="Graphic 11" descr="Badge 5 with solid fill">
+            <a:extLst>
+              <a:ext uri="{FF2B5EF4-FFF2-40B4-BE49-F238E27FC236}">
+                <a16:creationId xmlns:a16="http://schemas.microsoft.com/office/drawing/2014/main" id="{1A300893-C177-035B-A219-FC6049E2DC7F}"/>
+              </a:ext>
+            </a:extLst>
+          </p:cNvPr>
+          <p:cNvPicPr>
+            <a:picLocks noChangeAspect="1"/>
+          </p:cNvPicPr>
+          <p:nvPr userDrawn="1"/>
+        </p:nvPicPr>
+        <p:blipFill>
+          <a:blip r:embed="rId12">
+            <a:extLst>
+              <a:ext uri="{96DAC541-7B7A-43D3-8B79-37D633B846F1}">
+                <asvg:svgBlip xmlns:asvg="http://schemas.microsoft.com/office/drawing/2016/SVG/main" r:embed="rId13"/>
+              </a:ext>
+            </a:extLst>
+          </a:blip>
+          <a:stretch>
+            <a:fillRect/>
+          </a:stretch>
+        </p:blipFill>
+        <p:spPr>
+          <a:xfrm>
+            <a:off x="3250483" y="1880076"/>
+            <a:ext cx="468000" cy="468000"/>
+          </a:xfrm>
+          <a:prstGeom prst="rect">
+            <a:avLst/>
+          </a:prstGeom>
+        </p:spPr>
+      </p:pic>
+      <p:pic>
+        <p:nvPicPr>
+          <p:cNvPr id="13" name="Graphic 12" descr="Badge 6 with solid fill">
+            <a:extLst>
+              <a:ext uri="{FF2B5EF4-FFF2-40B4-BE49-F238E27FC236}">
+                <a16:creationId xmlns:a16="http://schemas.microsoft.com/office/drawing/2014/main" id="{063091E7-A963-EF50-B2F2-C6CCFD335CF3}"/>
+              </a:ext>
+            </a:extLst>
+          </p:cNvPr>
+          <p:cNvPicPr>
+            <a:picLocks noChangeAspect="1"/>
+          </p:cNvPicPr>
+          <p:nvPr userDrawn="1"/>
+        </p:nvPicPr>
+        <p:blipFill>
+          <a:blip r:embed="rId14">
+            <a:extLst>
+              <a:ext uri="{96DAC541-7B7A-43D3-8B79-37D633B846F1}">
+                <asvg:svgBlip xmlns:asvg="http://schemas.microsoft.com/office/drawing/2016/SVG/main" r:embed="rId15"/>
+              </a:ext>
+            </a:extLst>
+          </a:blip>
+          <a:stretch>
+            <a:fillRect/>
+          </a:stretch>
+        </p:blipFill>
+        <p:spPr>
+          <a:xfrm>
+            <a:off x="3721248" y="1882631"/>
+            <a:ext cx="468000" cy="468000"/>
+          </a:xfrm>
+          <a:prstGeom prst="rect">
+            <a:avLst/>
+          </a:prstGeom>
+        </p:spPr>
+      </p:pic>
+      <p:pic>
+        <p:nvPicPr>
+          <p:cNvPr id="14" name="Graphic 13" descr="Badge 7 with solid fill">
+            <a:extLst>
+              <a:ext uri="{FF2B5EF4-FFF2-40B4-BE49-F238E27FC236}">
+                <a16:creationId xmlns:a16="http://schemas.microsoft.com/office/drawing/2014/main" id="{7412FF20-691E-38CC-D8B3-456AF73DB554}"/>
+              </a:ext>
+            </a:extLst>
+          </p:cNvPr>
+          <p:cNvPicPr>
+            <a:picLocks noChangeAspect="1"/>
+          </p:cNvPicPr>
+          <p:nvPr userDrawn="1"/>
+        </p:nvPicPr>
+        <p:blipFill>
+          <a:blip r:embed="rId16">
+            <a:extLst>
+              <a:ext uri="{96DAC541-7B7A-43D3-8B79-37D633B846F1}">
+                <asvg:svgBlip xmlns:asvg="http://schemas.microsoft.com/office/drawing/2016/SVG/main" r:embed="rId17"/>
+              </a:ext>
+            </a:extLst>
+          </a:blip>
+          <a:stretch>
+            <a:fillRect/>
+          </a:stretch>
+        </p:blipFill>
+        <p:spPr>
+          <a:xfrm>
+            <a:off x="4163624" y="1884307"/>
+            <a:ext cx="468000" cy="468000"/>
+          </a:xfrm>
+          <a:prstGeom prst="rect">
+            <a:avLst/>
+          </a:prstGeom>
+        </p:spPr>
+      </p:pic>
+      <p:pic>
+        <p:nvPicPr>
+          <p:cNvPr id="15" name="Graphic 14" descr="Badge 8 with solid fill">
+            <a:extLst>
+              <a:ext uri="{FF2B5EF4-FFF2-40B4-BE49-F238E27FC236}">
+                <a16:creationId xmlns:a16="http://schemas.microsoft.com/office/drawing/2014/main" id="{F71DD924-767F-6F93-1AF3-D96571DEC0CD}"/>
+              </a:ext>
+            </a:extLst>
+          </p:cNvPr>
+          <p:cNvPicPr>
+            <a:picLocks noChangeAspect="1"/>
+          </p:cNvPicPr>
+          <p:nvPr userDrawn="1"/>
+        </p:nvPicPr>
+        <p:blipFill>
+          <a:blip r:embed="rId18">
+            <a:extLst>
+              <a:ext uri="{96DAC541-7B7A-43D3-8B79-37D633B846F1}">
+                <asvg:svgBlip xmlns:asvg="http://schemas.microsoft.com/office/drawing/2016/SVG/main" r:embed="rId19"/>
+              </a:ext>
+            </a:extLst>
+          </a:blip>
+          <a:stretch>
+            <a:fillRect/>
+          </a:stretch>
+        </p:blipFill>
+        <p:spPr>
+          <a:xfrm>
+            <a:off x="4606000" y="1883485"/>
+            <a:ext cx="468000" cy="468000"/>
+          </a:xfrm>
+          <a:prstGeom prst="rect">
+            <a:avLst/>
+          </a:prstGeom>
+        </p:spPr>
+      </p:pic>
+      <p:pic>
+        <p:nvPicPr>
+          <p:cNvPr id="16" name="Graphic 15" descr="Badge 9 with solid fill">
+            <a:extLst>
+              <a:ext uri="{FF2B5EF4-FFF2-40B4-BE49-F238E27FC236}">
+                <a16:creationId xmlns:a16="http://schemas.microsoft.com/office/drawing/2014/main" id="{05746AA2-07AD-BB3D-8AC7-7E01AE9FFD64}"/>
+              </a:ext>
+            </a:extLst>
+          </p:cNvPr>
+          <p:cNvPicPr>
+            <a:picLocks noChangeAspect="1"/>
+          </p:cNvPicPr>
+          <p:nvPr userDrawn="1"/>
+        </p:nvPicPr>
+        <p:blipFill>
+          <a:blip r:embed="rId20">
+            <a:extLst>
+              <a:ext uri="{96DAC541-7B7A-43D3-8B79-37D633B846F1}">
+                <asvg:svgBlip xmlns:asvg="http://schemas.microsoft.com/office/drawing/2016/SVG/main" r:embed="rId21"/>
+              </a:ext>
+            </a:extLst>
+          </a:blip>
+          <a:stretch>
+            <a:fillRect/>
+          </a:stretch>
+        </p:blipFill>
+        <p:spPr>
+          <a:xfrm>
+            <a:off x="5064706" y="1880076"/>
+            <a:ext cx="468000" cy="468000"/>
+          </a:xfrm>
+          <a:prstGeom prst="rect">
+            <a:avLst/>
+          </a:prstGeom>
+        </p:spPr>
+      </p:pic>
+      <p:pic>
+        <p:nvPicPr>
+          <p:cNvPr id="28" name="Graphic 27" descr="Badge 1 outline">
+            <a:extLst>
+              <a:ext uri="{FF2B5EF4-FFF2-40B4-BE49-F238E27FC236}">
+                <a16:creationId xmlns:a16="http://schemas.microsoft.com/office/drawing/2014/main" id="{377A0617-1C4D-93A7-0816-74355CD27482}"/>
+              </a:ext>
+            </a:extLst>
+          </p:cNvPr>
+          <p:cNvPicPr>
+            <a:picLocks noChangeAspect="1"/>
+          </p:cNvPicPr>
+          <p:nvPr userDrawn="1"/>
+        </p:nvPicPr>
+        <p:blipFill>
+          <a:blip r:embed="rId22">
+            <a:extLst>
+              <a:ext uri="{96DAC541-7B7A-43D3-8B79-37D633B846F1}">
+                <asvg:svgBlip xmlns:asvg="http://schemas.microsoft.com/office/drawing/2016/SVG/main" r:embed="rId23"/>
+              </a:ext>
+            </a:extLst>
+          </a:blip>
+          <a:stretch>
+            <a:fillRect/>
+          </a:stretch>
+        </p:blipFill>
+        <p:spPr>
+          <a:xfrm>
+            <a:off x="1100935" y="2382047"/>
+            <a:ext cx="914400" cy="914400"/>
+          </a:xfrm>
+          <a:prstGeom prst="rect">
+            <a:avLst/>
+          </a:prstGeom>
+        </p:spPr>
+      </p:pic>
+      <p:pic>
+        <p:nvPicPr>
+          <p:cNvPr id="32" name="Graphic 31" descr="Badge outline">
+            <a:extLst>
+              <a:ext uri="{FF2B5EF4-FFF2-40B4-BE49-F238E27FC236}">
+                <a16:creationId xmlns:a16="http://schemas.microsoft.com/office/drawing/2014/main" id="{328E83A1-A5CF-14CE-994B-9FC912A453D5}"/>
+              </a:ext>
+            </a:extLst>
+          </p:cNvPr>
+          <p:cNvPicPr>
+            <a:picLocks noChangeAspect="1"/>
+          </p:cNvPicPr>
+          <p:nvPr userDrawn="1"/>
+        </p:nvPicPr>
+        <p:blipFill>
+          <a:blip r:embed="rId24">
+            <a:extLst>
+              <a:ext uri="{96DAC541-7B7A-43D3-8B79-37D633B846F1}">
+                <asvg:svgBlip xmlns:asvg="http://schemas.microsoft.com/office/drawing/2016/SVG/main" r:embed="rId25"/>
+              </a:ext>
+            </a:extLst>
+          </a:blip>
+          <a:stretch>
+            <a:fillRect/>
+          </a:stretch>
+        </p:blipFill>
+        <p:spPr>
+          <a:xfrm>
+            <a:off x="1917798" y="2368814"/>
+            <a:ext cx="914400" cy="914400"/>
+          </a:xfrm>
+          <a:prstGeom prst="rect">
+            <a:avLst/>
+          </a:prstGeom>
+        </p:spPr>
+      </p:pic>
+      <p:pic>
+        <p:nvPicPr>
+          <p:cNvPr id="34" name="Graphic 33" descr="Badge 3 outline">
+            <a:extLst>
+              <a:ext uri="{FF2B5EF4-FFF2-40B4-BE49-F238E27FC236}">
+                <a16:creationId xmlns:a16="http://schemas.microsoft.com/office/drawing/2014/main" id="{B8DB6A5A-BA59-B575-8EAE-1F62375C4821}"/>
+              </a:ext>
+            </a:extLst>
+          </p:cNvPr>
+          <p:cNvPicPr>
+            <a:picLocks noChangeAspect="1"/>
+          </p:cNvPicPr>
+          <p:nvPr userDrawn="1"/>
+        </p:nvPicPr>
+        <p:blipFill>
+          <a:blip r:embed="rId26">
+            <a:extLst>
+              <a:ext uri="{96DAC541-7B7A-43D3-8B79-37D633B846F1}">
+                <asvg:svgBlip xmlns:asvg="http://schemas.microsoft.com/office/drawing/2016/SVG/main" r:embed="rId27"/>
+              </a:ext>
+            </a:extLst>
+          </a:blip>
+          <a:stretch>
+            <a:fillRect/>
+          </a:stretch>
+        </p:blipFill>
+        <p:spPr>
+          <a:xfrm>
+            <a:off x="2822942" y="2360054"/>
+            <a:ext cx="914400" cy="914400"/>
+          </a:xfrm>
+          <a:prstGeom prst="rect">
+            <a:avLst/>
+          </a:prstGeom>
+        </p:spPr>
+      </p:pic>
+      <p:pic>
+        <p:nvPicPr>
+          <p:cNvPr id="36" name="Graphic 35" descr="Badge 4 outline">
+            <a:extLst>
+              <a:ext uri="{FF2B5EF4-FFF2-40B4-BE49-F238E27FC236}">
+                <a16:creationId xmlns:a16="http://schemas.microsoft.com/office/drawing/2014/main" id="{7D7894F2-405D-D537-E8CD-FFC2FD562CEA}"/>
+              </a:ext>
+            </a:extLst>
+          </p:cNvPr>
+          <p:cNvPicPr>
+            <a:picLocks noChangeAspect="1"/>
+          </p:cNvPicPr>
+          <p:nvPr userDrawn="1"/>
+        </p:nvPicPr>
+        <p:blipFill>
+          <a:blip r:embed="rId28">
+            <a:extLst>
+              <a:ext uri="{96DAC541-7B7A-43D3-8B79-37D633B846F1}">
+                <asvg:svgBlip xmlns:asvg="http://schemas.microsoft.com/office/drawing/2016/SVG/main" r:embed="rId29"/>
+              </a:ext>
+            </a:extLst>
+          </a:blip>
+          <a:stretch>
+            <a:fillRect/>
+          </a:stretch>
+        </p:blipFill>
+        <p:spPr>
+          <a:xfrm>
+            <a:off x="3653533" y="2382047"/>
+            <a:ext cx="914400" cy="914400"/>
+          </a:xfrm>
+          <a:prstGeom prst="rect">
+            <a:avLst/>
+          </a:prstGeom>
+        </p:spPr>
+      </p:pic>
+      <p:pic>
+        <p:nvPicPr>
+          <p:cNvPr id="38" name="Graphic 37" descr="Badge 5 outline">
+            <a:extLst>
+              <a:ext uri="{FF2B5EF4-FFF2-40B4-BE49-F238E27FC236}">
+                <a16:creationId xmlns:a16="http://schemas.microsoft.com/office/drawing/2014/main" id="{CCB95B5E-BCD4-CD6A-8DA0-49EF454DFC6B}"/>
+              </a:ext>
+            </a:extLst>
+          </p:cNvPr>
+          <p:cNvPicPr>
+            <a:picLocks noChangeAspect="1"/>
+          </p:cNvPicPr>
+          <p:nvPr userDrawn="1"/>
+        </p:nvPicPr>
+        <p:blipFill>
+          <a:blip r:embed="rId30">
+            <a:extLst>
+              <a:ext uri="{96DAC541-7B7A-43D3-8B79-37D633B846F1}">
+                <asvg:svgBlip xmlns:asvg="http://schemas.microsoft.com/office/drawing/2016/SVG/main" r:embed="rId31"/>
+              </a:ext>
+            </a:extLst>
+          </a:blip>
+          <a:stretch>
+            <a:fillRect/>
+          </a:stretch>
+        </p:blipFill>
+        <p:spPr>
+          <a:xfrm>
+            <a:off x="4470396" y="2382047"/>
+            <a:ext cx="914400" cy="914400"/>
+          </a:xfrm>
+          <a:prstGeom prst="rect">
+            <a:avLst/>
+          </a:prstGeom>
+        </p:spPr>
+      </p:pic>
+      <p:pic>
+        <p:nvPicPr>
+          <p:cNvPr id="40" name="Graphic 39" descr="Badge 6 outline">
+            <a:extLst>
+              <a:ext uri="{FF2B5EF4-FFF2-40B4-BE49-F238E27FC236}">
+                <a16:creationId xmlns:a16="http://schemas.microsoft.com/office/drawing/2014/main" id="{B2E42FE5-E882-BB0B-DF27-634BED68E17D}"/>
+              </a:ext>
+            </a:extLst>
+          </p:cNvPr>
+          <p:cNvPicPr>
+            <a:picLocks noChangeAspect="1"/>
+          </p:cNvPicPr>
+          <p:nvPr userDrawn="1"/>
+        </p:nvPicPr>
+        <p:blipFill>
+          <a:blip r:embed="rId32">
+            <a:extLst>
+              <a:ext uri="{96DAC541-7B7A-43D3-8B79-37D633B846F1}">
+                <asvg:svgBlip xmlns:asvg="http://schemas.microsoft.com/office/drawing/2016/SVG/main" r:embed="rId33"/>
+              </a:ext>
+            </a:extLst>
+          </a:blip>
+          <a:stretch>
+            <a:fillRect/>
+          </a:stretch>
+        </p:blipFill>
+        <p:spPr>
+          <a:xfrm>
+            <a:off x="5287259" y="2360054"/>
+            <a:ext cx="914400" cy="914400"/>
+          </a:xfrm>
+          <a:prstGeom prst="rect">
+            <a:avLst/>
+          </a:prstGeom>
+        </p:spPr>
+      </p:pic>
+      <p:pic>
+        <p:nvPicPr>
+          <p:cNvPr id="42" name="Graphic 41" descr="Badge 7 outline">
+            <a:extLst>
+              <a:ext uri="{FF2B5EF4-FFF2-40B4-BE49-F238E27FC236}">
+                <a16:creationId xmlns:a16="http://schemas.microsoft.com/office/drawing/2014/main" id="{4F474E09-0F6B-A545-A2FB-528D8342017C}"/>
+              </a:ext>
+            </a:extLst>
+          </p:cNvPr>
+          <p:cNvPicPr>
+            <a:picLocks noChangeAspect="1"/>
+          </p:cNvPicPr>
+          <p:nvPr userDrawn="1"/>
+        </p:nvPicPr>
+        <p:blipFill>
+          <a:blip r:embed="rId34">
+            <a:extLst>
+              <a:ext uri="{96DAC541-7B7A-43D3-8B79-37D633B846F1}">
+                <asvg:svgBlip xmlns:asvg="http://schemas.microsoft.com/office/drawing/2016/SVG/main" r:embed="rId35"/>
+              </a:ext>
+            </a:extLst>
+          </a:blip>
+          <a:stretch>
+            <a:fillRect/>
+          </a:stretch>
+        </p:blipFill>
+        <p:spPr>
+          <a:xfrm>
+            <a:off x="6104122" y="2382047"/>
+            <a:ext cx="914400" cy="914400"/>
+          </a:xfrm>
+          <a:prstGeom prst="rect">
+            <a:avLst/>
+          </a:prstGeom>
+        </p:spPr>
+      </p:pic>
+      <p:pic>
+        <p:nvPicPr>
+          <p:cNvPr id="44" name="Graphic 43" descr="Badge 8 outline">
+            <a:extLst>
+              <a:ext uri="{FF2B5EF4-FFF2-40B4-BE49-F238E27FC236}">
+                <a16:creationId xmlns:a16="http://schemas.microsoft.com/office/drawing/2014/main" id="{E3982124-D3D3-AC60-CDFE-68CC967AC2ED}"/>
+              </a:ext>
+            </a:extLst>
+          </p:cNvPr>
+          <p:cNvPicPr>
+            <a:picLocks noChangeAspect="1"/>
+          </p:cNvPicPr>
+          <p:nvPr userDrawn="1"/>
+        </p:nvPicPr>
+        <p:blipFill>
+          <a:blip r:embed="rId36">
+            <a:extLst>
+              <a:ext uri="{96DAC541-7B7A-43D3-8B79-37D633B846F1}">
+                <asvg:svgBlip xmlns:asvg="http://schemas.microsoft.com/office/drawing/2016/SVG/main" r:embed="rId37"/>
+              </a:ext>
+            </a:extLst>
+          </a:blip>
+          <a:stretch>
+            <a:fillRect/>
+          </a:stretch>
+        </p:blipFill>
+        <p:spPr>
+          <a:xfrm>
+            <a:off x="6880662" y="2368814"/>
+            <a:ext cx="914400" cy="914400"/>
+          </a:xfrm>
+          <a:prstGeom prst="rect">
+            <a:avLst/>
+          </a:prstGeom>
+        </p:spPr>
+      </p:pic>
+      <p:pic>
+        <p:nvPicPr>
+          <p:cNvPr id="46" name="Graphic 45" descr="Badge 9 outline">
+            <a:extLst>
+              <a:ext uri="{FF2B5EF4-FFF2-40B4-BE49-F238E27FC236}">
+                <a16:creationId xmlns:a16="http://schemas.microsoft.com/office/drawing/2014/main" id="{D98F73D0-5CF6-543B-2C7E-39B53C836163}"/>
+              </a:ext>
+            </a:extLst>
+          </p:cNvPr>
+          <p:cNvPicPr>
+            <a:picLocks noChangeAspect="1"/>
+          </p:cNvPicPr>
+          <p:nvPr userDrawn="1"/>
+        </p:nvPicPr>
+        <p:blipFill>
+          <a:blip r:embed="rId38">
+            <a:extLst>
+              <a:ext uri="{96DAC541-7B7A-43D3-8B79-37D633B846F1}">
+                <asvg:svgBlip xmlns:asvg="http://schemas.microsoft.com/office/drawing/2016/SVG/main" r:embed="rId39"/>
+              </a:ext>
+            </a:extLst>
+          </a:blip>
+          <a:stretch>
+            <a:fillRect/>
+          </a:stretch>
+        </p:blipFill>
+        <p:spPr>
+          <a:xfrm>
+            <a:off x="7686300" y="2368814"/>
+            <a:ext cx="914400" cy="914400"/>
+          </a:xfrm>
+          <a:prstGeom prst="rect">
+            <a:avLst/>
+          </a:prstGeom>
+        </p:spPr>
+      </p:pic>
+      <p:pic>
+        <p:nvPicPr>
+          <p:cNvPr id="48" name="Graphic 47" descr="Badge 10 outline">
+            <a:extLst>
+              <a:ext uri="{FF2B5EF4-FFF2-40B4-BE49-F238E27FC236}">
+                <a16:creationId xmlns:a16="http://schemas.microsoft.com/office/drawing/2014/main" id="{9596ECA7-08AD-60AD-126A-2D32F85555E2}"/>
+              </a:ext>
+            </a:extLst>
+          </p:cNvPr>
+          <p:cNvPicPr>
+            <a:picLocks noChangeAspect="1"/>
+          </p:cNvPicPr>
+          <p:nvPr userDrawn="1"/>
+        </p:nvPicPr>
+        <p:blipFill>
+          <a:blip r:embed="rId40">
+            <a:extLst>
+              <a:ext uri="{96DAC541-7B7A-43D3-8B79-37D633B846F1}">
+                <asvg:svgBlip xmlns:asvg="http://schemas.microsoft.com/office/drawing/2016/SVG/main" r:embed="rId41"/>
+              </a:ext>
+            </a:extLst>
+          </a:blip>
+          <a:stretch>
+            <a:fillRect/>
+          </a:stretch>
+        </p:blipFill>
+        <p:spPr>
+          <a:xfrm>
+            <a:off x="8474065" y="2363081"/>
+            <a:ext cx="914400" cy="914400"/>
+          </a:xfrm>
+          <a:prstGeom prst="rect">
+            <a:avLst/>
+          </a:prstGeom>
+        </p:spPr>
+      </p:pic>
+    </p:spTree>
+    <p:extLst>
+      <p:ext uri="{BB962C8B-B14F-4D97-AF65-F5344CB8AC3E}">
+        <p14:creationId xmlns:p14="http://schemas.microsoft.com/office/powerpoint/2010/main" val="4053378473"/>
+      </p:ext>
+    </p:extLst>
+  </p:cSld>
+  <p:clrMapOvr>
+    <a:masterClrMapping/>
+  </p:clrMapOvr>
+  <mc:AlternateContent xmlns:mc="http://schemas.openxmlformats.org/markup-compatibility/2006" xmlns:p159="http://schemas.microsoft.com/office/powerpoint/2015/09/main">
+    <mc:Choice Requires="p159">
+      <p:transition spd="slow">
+        <p159:morph option="byObject"/>
+      </p:transition>
+    </mc:Choice>
+    <mc:Fallback xmlns="">
+      <p:transition spd="slow">
+        <p:fade/>
+      </p:transition>
+    </mc:Fallback>
+  </mc:AlternateContent>
+</p:sldLayout>
+</file>
+
+<file path=ppt/slideLayouts/slideLayout14.xml><?xml version="1.0" encoding="utf-8"?>
+<p:sldLayout xmlns:a="http://schemas.openxmlformats.org/drawingml/2006/main" xmlns:r="http://schemas.openxmlformats.org/officeDocument/2006/relationships" xmlns:p="http://schemas.openxmlformats.org/presentationml/2006/main" preserve="1" userDrawn="1">
+  <p:cSld name="Outline 10">
+    <p:spTree>
+      <p:nvGrpSpPr>
+        <p:cNvPr id="1" name=""/>
+        <p:cNvGrpSpPr/>
+        <p:nvPr/>
+      </p:nvGrpSpPr>
+      <p:grpSpPr>
+        <a:xfrm>
+          <a:off x="0" y="0"/>
+          <a:ext cx="0" cy="0"/>
+          <a:chOff x="0" y="0"/>
+          <a:chExt cx="0" cy="0"/>
+        </a:xfrm>
+      </p:grpSpPr>
+      <p:sp>
+        <p:nvSpPr>
+          <p:cNvPr id="2" name="Title 1">
+            <a:extLst>
+              <a:ext uri="{FF2B5EF4-FFF2-40B4-BE49-F238E27FC236}">
+                <a16:creationId xmlns:a16="http://schemas.microsoft.com/office/drawing/2014/main" id="{2C63FB93-0A54-F0A3-44FD-9D6D98D41620}"/>
+              </a:ext>
+            </a:extLst>
+          </p:cNvPr>
+          <p:cNvSpPr>
+            <a:spLocks noGrp="1"/>
+          </p:cNvSpPr>
+          <p:nvPr>
+            <p:ph type="title" hasCustomPrompt="1"/>
+          </p:nvPr>
+        </p:nvSpPr>
+        <p:spPr>
+          <a:xfrm>
+            <a:off x="1038399" y="689938"/>
+            <a:ext cx="10115202" cy="911576"/>
+          </a:xfrm>
+        </p:spPr>
+        <p:txBody>
+          <a:bodyPr>
+            <a:noAutofit/>
+          </a:bodyPr>
+          <a:lstStyle>
+            <a:lvl1pPr algn="ctr">
+              <a:defRPr sz="7200" b="1">
+                <a:latin typeface="+mn-lt"/>
+              </a:defRPr>
+            </a:lvl1pPr>
+          </a:lstStyle>
+          <a:p>
+            <a:r>
+              <a:rPr lang="en-GB" dirty="0"/>
+              <a:t>Add Outline title</a:t>
+            </a:r>
+          </a:p>
+        </p:txBody>
+      </p:sp>
+      <p:sp>
+        <p:nvSpPr>
+          <p:cNvPr id="3" name="Date Placeholder 2">
+            <a:extLst>
+              <a:ext uri="{FF2B5EF4-FFF2-40B4-BE49-F238E27FC236}">
+                <a16:creationId xmlns:a16="http://schemas.microsoft.com/office/drawing/2014/main" id="{9DFD10C5-6787-77AE-977F-D7E7083D0218}"/>
+              </a:ext>
+            </a:extLst>
+          </p:cNvPr>
+          <p:cNvSpPr>
+            <a:spLocks noGrp="1"/>
+          </p:cNvSpPr>
+          <p:nvPr>
+            <p:ph type="dt" sz="half" idx="10"/>
+          </p:nvPr>
+        </p:nvSpPr>
+        <p:spPr/>
+        <p:txBody>
+          <a:bodyPr/>
+          <a:lstStyle/>
+          <a:p>
+            <a:fld id="{E5B3A28E-25F1-4E96-B0C2-F123D5F42706}" type="datetime1">
+              <a:rPr lang="en-GB" smtClean="0"/>
+              <a:t>17/10/2024</a:t>
+            </a:fld>
+            <a:endParaRPr lang="en-GB" dirty="0"/>
+          </a:p>
+        </p:txBody>
+      </p:sp>
+      <p:sp>
+        <p:nvSpPr>
+          <p:cNvPr id="4" name="Footer Placeholder 3">
+            <a:extLst>
+              <a:ext uri="{FF2B5EF4-FFF2-40B4-BE49-F238E27FC236}">
+                <a16:creationId xmlns:a16="http://schemas.microsoft.com/office/drawing/2014/main" id="{10E36E4D-BDDF-D97C-2EC6-0E974709B129}"/>
+              </a:ext>
+            </a:extLst>
+          </p:cNvPr>
+          <p:cNvSpPr>
+            <a:spLocks noGrp="1"/>
+          </p:cNvSpPr>
+          <p:nvPr>
+            <p:ph type="ftr" sz="quarter" idx="11"/>
+          </p:nvPr>
+        </p:nvSpPr>
+        <p:spPr/>
+        <p:txBody>
+          <a:bodyPr/>
+          <a:lstStyle/>
+          <a:p>
+            <a:r>
+              <a:rPr lang="en-GB"/>
+              <a:t>Mobility citizenship in the UK</a:t>
+            </a:r>
+            <a:endParaRPr lang="en-GB" dirty="0"/>
+          </a:p>
+        </p:txBody>
+      </p:sp>
+      <p:sp>
+        <p:nvSpPr>
+          <p:cNvPr id="5" name="Slide Number Placeholder 4">
+            <a:extLst>
+              <a:ext uri="{FF2B5EF4-FFF2-40B4-BE49-F238E27FC236}">
+                <a16:creationId xmlns:a16="http://schemas.microsoft.com/office/drawing/2014/main" id="{FFD1CEC6-7F83-2BE7-95A9-5DF472D2439E}"/>
+              </a:ext>
+            </a:extLst>
+          </p:cNvPr>
+          <p:cNvSpPr>
+            <a:spLocks noGrp="1"/>
+          </p:cNvSpPr>
+          <p:nvPr>
+            <p:ph type="sldNum" sz="quarter" idx="12"/>
+          </p:nvPr>
+        </p:nvSpPr>
+        <p:spPr/>
+        <p:txBody>
+          <a:bodyPr/>
+          <a:lstStyle/>
+          <a:p>
+            <a:fld id="{9FAA51BB-2FC0-4DB8-B50E-F52D50E733B6}" type="slidenum">
+              <a:rPr lang="en-GB" smtClean="0"/>
+              <a:pPr/>
+              <a:t>‹#›</a:t>
+            </a:fld>
+            <a:endParaRPr lang="en-GB" dirty="0"/>
+          </a:p>
+        </p:txBody>
+      </p:sp>
+      <p:graphicFrame>
+        <p:nvGraphicFramePr>
+          <p:cNvPr id="6" name="Table 5">
+            <a:extLst>
+              <a:ext uri="{FF2B5EF4-FFF2-40B4-BE49-F238E27FC236}">
+                <a16:creationId xmlns:a16="http://schemas.microsoft.com/office/drawing/2014/main" id="{A549E6D0-17C2-32B5-650D-F84097C07BFD}"/>
+              </a:ext>
+            </a:extLst>
+          </p:cNvPr>
+          <p:cNvGraphicFramePr>
+            <a:graphicFrameLocks noGrp="1"/>
+          </p:cNvGraphicFramePr>
+          <p:nvPr userDrawn="1">
+            <p:extLst>
+              <p:ext uri="{D42A27DB-BD31-4B8C-83A1-F6EECF244321}">
+                <p14:modId xmlns:p14="http://schemas.microsoft.com/office/powerpoint/2010/main" val="387501897"/>
+              </p:ext>
+            </p:extLst>
+          </p:nvPr>
+        </p:nvGraphicFramePr>
+        <p:xfrm>
+          <a:off x="726954" y="1971714"/>
+          <a:ext cx="10440000" cy="3284200"/>
+        </p:xfrm>
+        <a:graphic>
+          <a:graphicData uri="http://schemas.openxmlformats.org/drawingml/2006/table">
+            <a:tbl>
+              <a:tblPr>
+                <a:tableStyleId>{5C22544A-7EE6-4342-B048-85BDC9FD1C3A}</a:tableStyleId>
+              </a:tblPr>
+              <a:tblGrid>
+                <a:gridCol w="540000">
+                  <a:extLst>
+                    <a:ext uri="{9D8B030D-6E8A-4147-A177-3AD203B41FA5}">
+                      <a16:colId xmlns:a16="http://schemas.microsoft.com/office/drawing/2014/main" val="547184884"/>
+                    </a:ext>
+                  </a:extLst>
+                </a:gridCol>
+                <a:gridCol w="4680000">
+                  <a:extLst>
+                    <a:ext uri="{9D8B030D-6E8A-4147-A177-3AD203B41FA5}">
+                      <a16:colId xmlns:a16="http://schemas.microsoft.com/office/drawing/2014/main" val="4258649048"/>
+                    </a:ext>
+                  </a:extLst>
+                </a:gridCol>
+                <a:gridCol w="540000">
+                  <a:extLst>
+                    <a:ext uri="{9D8B030D-6E8A-4147-A177-3AD203B41FA5}">
+                      <a16:colId xmlns:a16="http://schemas.microsoft.com/office/drawing/2014/main" val="2861192458"/>
+                    </a:ext>
+                  </a:extLst>
+                </a:gridCol>
+                <a:gridCol w="4680000">
+                  <a:extLst>
+                    <a:ext uri="{9D8B030D-6E8A-4147-A177-3AD203B41FA5}">
+                      <a16:colId xmlns:a16="http://schemas.microsoft.com/office/drawing/2014/main" val="1996446775"/>
+                    </a:ext>
+                  </a:extLst>
+                </a:gridCol>
+              </a:tblGrid>
+              <a:tr h="540000">
+                <a:tc>
+                  <a:txBody>
+                    <a:bodyPr/>
+                    <a:lstStyle/>
+                    <a:p>
+                      <a:endParaRPr lang="en-GB" dirty="0"/>
+                    </a:p>
+                  </a:txBody>
+                  <a:tcPr>
+                    <a:lnL w="12700" cap="flat" cmpd="sng" algn="ctr">
+                      <a:noFill/>
+                      <a:prstDash val="solid"/>
+                      <a:round/>
+                      <a:headEnd type="none" w="med" len="med"/>
+                      <a:tailEnd type="none" w="med" len="med"/>
+                    </a:lnL>
+                    <a:lnR w="12700" cap="flat" cmpd="sng" algn="ctr">
+                      <a:noFill/>
+                      <a:prstDash val="solid"/>
+                      <a:round/>
+                      <a:headEnd type="none" w="med" len="med"/>
+                      <a:tailEnd type="none" w="med" len="med"/>
+                    </a:lnR>
+                    <a:lnT w="12700" cap="flat" cmpd="sng" algn="ctr">
+                      <a:noFill/>
+                      <a:prstDash val="solid"/>
+                      <a:round/>
+                      <a:headEnd type="none" w="med" len="med"/>
+                      <a:tailEnd type="none" w="med" len="med"/>
+                    </a:lnT>
+                    <a:lnB w="12700" cap="flat" cmpd="sng" algn="ctr">
+                      <a:noFill/>
+                      <a:prstDash val="solid"/>
+                      <a:round/>
+                      <a:headEnd type="none" w="med" len="med"/>
+                      <a:tailEnd type="none" w="med" len="med"/>
+                    </a:lnB>
+                    <a:lnTlToBr w="12700" cmpd="sng">
+                      <a:noFill/>
+                      <a:prstDash val="solid"/>
+                    </a:lnTlToBr>
+                    <a:lnBlToTr w="12700" cmpd="sng">
+                      <a:noFill/>
+                      <a:prstDash val="solid"/>
+                    </a:lnBlToTr>
+                    <a:blipFill>
+                      <a:blip r:embed="rId2">
+                        <a:extLst>
+                          <a:ext uri="{96DAC541-7B7A-43D3-8B79-37D633B846F1}">
+                            <asvg:svgBlip xmlns:asvg="http://schemas.microsoft.com/office/drawing/2016/SVG/main" r:embed="rId3"/>
+                          </a:ext>
+                        </a:extLst>
+                      </a:blip>
+                      <a:stretch>
+                        <a:fillRect/>
+                      </a:stretch>
+                    </a:blipFill>
+                  </a:tcPr>
+                </a:tc>
+                <a:tc rowSpan="2">
+                  <a:txBody>
+                    <a:bodyPr/>
+                    <a:lstStyle/>
+                    <a:p>
+                      <a:pPr marL="0" marR="0" lvl="0" indent="0" algn="l" defTabSz="914400" rtl="0" eaLnBrk="1" fontAlgn="auto" latinLnBrk="0" hangingPunct="1">
+                        <a:lnSpc>
+                          <a:spcPct val="100000"/>
+                        </a:lnSpc>
+                        <a:spcBef>
+                          <a:spcPts val="0"/>
+                        </a:spcBef>
+                        <a:spcAft>
+                          <a:spcPts val="0"/>
+                        </a:spcAft>
+                        <a:buClrTx/>
+                        <a:buSzTx/>
+                        <a:buFontTx/>
+                        <a:buNone/>
+                        <a:tabLst/>
+                        <a:defRPr/>
+                      </a:pPr>
+                      <a:r>
+                        <a:rPr lang="en-GB" sz="2200" dirty="0"/>
+                        <a:t>Edit in Master slide view</a:t>
+                      </a:r>
+                    </a:p>
+                  </a:txBody>
+                  <a:tcPr marL="108000" marR="72000" marT="72000" marB="36000">
+                    <a:lnL w="12700" cap="flat" cmpd="sng" algn="ctr">
+                      <a:noFill/>
+                      <a:prstDash val="solid"/>
+                      <a:round/>
+                      <a:headEnd type="none" w="med" len="med"/>
+                      <a:tailEnd type="none" w="med" len="med"/>
+                    </a:lnL>
+                    <a:lnR w="12700" cap="flat" cmpd="sng" algn="ctr">
+                      <a:noFill/>
+                      <a:prstDash val="solid"/>
+                      <a:round/>
+                      <a:headEnd type="none" w="med" len="med"/>
+                      <a:tailEnd type="none" w="med" len="med"/>
+                    </a:lnR>
+                    <a:lnT w="12700" cap="flat" cmpd="sng" algn="ctr">
+                      <a:noFill/>
+                      <a:prstDash val="solid"/>
+                      <a:round/>
+                      <a:headEnd type="none" w="med" len="med"/>
+                      <a:tailEnd type="none" w="med" len="med"/>
+                    </a:lnT>
+                    <a:lnB w="12700" cap="flat" cmpd="sng" algn="ctr">
+                      <a:noFill/>
+                      <a:prstDash val="solid"/>
+                      <a:round/>
+                      <a:headEnd type="none" w="med" len="med"/>
+                      <a:tailEnd type="none" w="med" len="med"/>
+                    </a:lnB>
+                    <a:lnTlToBr w="12700" cmpd="sng">
+                      <a:noFill/>
+                      <a:prstDash val="solid"/>
+                    </a:lnTlToBr>
+                    <a:lnBlToTr w="12700" cmpd="sng">
+                      <a:noFill/>
+                      <a:prstDash val="solid"/>
+                    </a:lnBlToTr>
+                    <a:noFill/>
+                  </a:tcPr>
+                </a:tc>
+                <a:tc>
+                  <a:txBody>
+                    <a:bodyPr/>
+                    <a:lstStyle/>
+                    <a:p>
+                      <a:endParaRPr lang="en-GB" dirty="0"/>
+                    </a:p>
+                  </a:txBody>
+                  <a:tcPr>
+                    <a:lnL w="12700" cap="flat" cmpd="sng" algn="ctr">
+                      <a:noFill/>
+                      <a:prstDash val="solid"/>
+                      <a:round/>
+                      <a:headEnd type="none" w="med" len="med"/>
+                      <a:tailEnd type="none" w="med" len="med"/>
+                    </a:lnL>
+                    <a:lnR w="12700" cap="flat" cmpd="sng" algn="ctr">
+                      <a:noFill/>
+                      <a:prstDash val="solid"/>
+                      <a:round/>
+                      <a:headEnd type="none" w="med" len="med"/>
+                      <a:tailEnd type="none" w="med" len="med"/>
+                    </a:lnR>
+                    <a:lnT w="12700" cap="flat" cmpd="sng" algn="ctr">
+                      <a:noFill/>
+                      <a:prstDash val="solid"/>
+                      <a:round/>
+                      <a:headEnd type="none" w="med" len="med"/>
+                      <a:tailEnd type="none" w="med" len="med"/>
+                    </a:lnT>
+                    <a:lnB w="12700" cap="flat" cmpd="sng" algn="ctr">
+                      <a:noFill/>
+                      <a:prstDash val="solid"/>
+                      <a:round/>
+                      <a:headEnd type="none" w="med" len="med"/>
+                      <a:tailEnd type="none" w="med" len="med"/>
+                    </a:lnB>
+                    <a:lnTlToBr w="12700" cmpd="sng">
+                      <a:noFill/>
+                      <a:prstDash val="solid"/>
+                    </a:lnTlToBr>
+                    <a:lnBlToTr w="12700" cmpd="sng">
+                      <a:noFill/>
+                      <a:prstDash val="solid"/>
+                    </a:lnBlToTr>
+                    <a:blipFill dpi="0" rotWithShape="0">
+                      <a:blip r:embed="rId4">
+                        <a:extLst>
+                          <a:ext uri="{96DAC541-7B7A-43D3-8B79-37D633B846F1}">
+                            <asvg:svgBlip xmlns:asvg="http://schemas.microsoft.com/office/drawing/2016/SVG/main" r:embed="rId5"/>
+                          </a:ext>
+                        </a:extLst>
+                      </a:blip>
+                      <a:srcRect/>
+                      <a:stretch>
+                        <a:fillRect/>
+                      </a:stretch>
+                    </a:blipFill>
+                  </a:tcPr>
+                </a:tc>
+                <a:tc rowSpan="2">
+                  <a:txBody>
+                    <a:bodyPr/>
+                    <a:lstStyle/>
+                    <a:p>
+                      <a:endParaRPr lang="en-GB" sz="2200" dirty="0"/>
+                    </a:p>
+                  </a:txBody>
+                  <a:tcPr marL="108000" marR="36000" marT="72000" marB="36000">
+                    <a:lnL w="12700" cap="flat" cmpd="sng" algn="ctr">
+                      <a:noFill/>
+                      <a:prstDash val="solid"/>
+                      <a:round/>
+                      <a:headEnd type="none" w="med" len="med"/>
+                      <a:tailEnd type="none" w="med" len="med"/>
+                    </a:lnL>
+                    <a:lnR w="12700" cap="flat" cmpd="sng" algn="ctr">
+                      <a:noFill/>
+                      <a:prstDash val="solid"/>
+                      <a:round/>
+                      <a:headEnd type="none" w="med" len="med"/>
+                      <a:tailEnd type="none" w="med" len="med"/>
+                    </a:lnR>
+                    <a:lnT w="12700" cap="flat" cmpd="sng" algn="ctr">
+                      <a:noFill/>
+                      <a:prstDash val="solid"/>
+                      <a:round/>
+                      <a:headEnd type="none" w="med" len="med"/>
+                      <a:tailEnd type="none" w="med" len="med"/>
+                    </a:lnT>
+                    <a:lnB w="12700" cap="flat" cmpd="sng" algn="ctr">
+                      <a:noFill/>
+                      <a:prstDash val="solid"/>
+                      <a:round/>
+                      <a:headEnd type="none" w="med" len="med"/>
+                      <a:tailEnd type="none" w="med" len="med"/>
+                    </a:lnB>
+                    <a:lnTlToBr w="12700" cmpd="sng">
+                      <a:noFill/>
+                      <a:prstDash val="solid"/>
+                    </a:lnTlToBr>
+                    <a:lnBlToTr w="12700" cmpd="sng">
+                      <a:noFill/>
+                      <a:prstDash val="solid"/>
+                    </a:lnBlToTr>
+                    <a:noFill/>
+                  </a:tcPr>
+                </a:tc>
+                <a:extLst>
+                  <a:ext uri="{0D108BD9-81ED-4DB2-BD59-A6C34878D82A}">
+                    <a16:rowId xmlns:a16="http://schemas.microsoft.com/office/drawing/2014/main" val="1048083708"/>
+                  </a:ext>
+                </a:extLst>
+              </a:tr>
+              <a:tr h="0">
+                <a:tc>
+                  <a:txBody>
+                    <a:bodyPr/>
+                    <a:lstStyle/>
+                    <a:p>
+                      <a:endParaRPr lang="en-GB" sz="100" dirty="0"/>
+                    </a:p>
+                  </a:txBody>
+                  <a:tcPr marL="0" marR="0" marT="0" marB="0">
+                    <a:lnL w="12700" cap="flat" cmpd="sng" algn="ctr">
+                      <a:noFill/>
+                      <a:prstDash val="solid"/>
+                      <a:round/>
+                      <a:headEnd type="none" w="med" len="med"/>
+                      <a:tailEnd type="none" w="med" len="med"/>
+                    </a:lnL>
+                    <a:lnR w="12700" cap="flat" cmpd="sng" algn="ctr">
+                      <a:noFill/>
+                      <a:prstDash val="solid"/>
+                      <a:round/>
+                      <a:headEnd type="none" w="med" len="med"/>
+                      <a:tailEnd type="none" w="med" len="med"/>
+                    </a:lnR>
+                    <a:lnT w="12700" cap="flat" cmpd="sng" algn="ctr">
+                      <a:noFill/>
+                      <a:prstDash val="solid"/>
+                      <a:round/>
+                      <a:headEnd type="none" w="med" len="med"/>
+                      <a:tailEnd type="none" w="med" len="med"/>
+                    </a:lnT>
+                    <a:lnB w="12700" cap="flat" cmpd="sng" algn="ctr">
+                      <a:noFill/>
+                      <a:prstDash val="solid"/>
+                      <a:round/>
+                      <a:headEnd type="none" w="med" len="med"/>
+                      <a:tailEnd type="none" w="med" len="med"/>
+                    </a:lnB>
+                    <a:lnTlToBr w="12700" cmpd="sng">
+                      <a:noFill/>
+                      <a:prstDash val="solid"/>
+                    </a:lnTlToBr>
+                    <a:lnBlToTr w="12700" cmpd="sng">
+                      <a:noFill/>
+                      <a:prstDash val="solid"/>
+                    </a:lnBlToTr>
+                    <a:noFill/>
+                  </a:tcPr>
+                </a:tc>
+                <a:tc vMerge="1">
+                  <a:txBody>
+                    <a:bodyPr/>
+                    <a:lstStyle/>
+                    <a:p>
+                      <a:endParaRPr lang="en-GB" dirty="0"/>
+                    </a:p>
+                  </a:txBody>
+                  <a:tcPr>
+                    <a:lnL w="12700" cap="flat" cmpd="sng" algn="ctr">
+                      <a:solidFill>
+                        <a:schemeClr val="tx1"/>
+                      </a:solidFill>
+                      <a:prstDash val="solid"/>
+                      <a:round/>
+                      <a:headEnd type="none" w="med" len="med"/>
+                      <a:tailEnd type="none" w="med" len="med"/>
+                    </a:lnL>
+                    <a:lnR w="12700" cap="flat" cmpd="sng" algn="ctr">
+                      <a:solidFill>
+                        <a:schemeClr val="tx1"/>
+                      </a:solidFill>
+                      <a:prstDash val="solid"/>
+                      <a:round/>
+                      <a:headEnd type="none" w="med" len="med"/>
+                      <a:tailEnd type="none" w="med" len="med"/>
+                    </a:lnR>
+                    <a:lnT w="12700" cap="flat" cmpd="sng" algn="ctr">
+                      <a:solidFill>
+                        <a:schemeClr val="tx1"/>
+                      </a:solidFill>
+                      <a:prstDash val="solid"/>
+                      <a:round/>
+                      <a:headEnd type="none" w="med" len="med"/>
+                      <a:tailEnd type="none" w="med" len="med"/>
+                    </a:lnT>
+                    <a:lnB w="12700" cap="flat" cmpd="sng" algn="ctr">
+                      <a:solidFill>
+                        <a:schemeClr val="tx1"/>
+                      </a:solidFill>
+                      <a:prstDash val="solid"/>
+                      <a:round/>
+                      <a:headEnd type="none" w="med" len="med"/>
+                      <a:tailEnd type="none" w="med" len="med"/>
+                    </a:lnB>
+                    <a:noFill/>
+                  </a:tcPr>
+                </a:tc>
+                <a:tc>
+                  <a:txBody>
+                    <a:bodyPr/>
+                    <a:lstStyle/>
+                    <a:p>
+                      <a:endParaRPr lang="en-GB" sz="100" dirty="0"/>
+                    </a:p>
+                  </a:txBody>
+                  <a:tcPr>
+                    <a:lnL w="12700" cap="flat" cmpd="sng" algn="ctr">
+                      <a:noFill/>
+                      <a:prstDash val="solid"/>
+                      <a:round/>
+                      <a:headEnd type="none" w="med" len="med"/>
+                      <a:tailEnd type="none" w="med" len="med"/>
+                    </a:lnL>
+                    <a:lnR w="12700" cap="flat" cmpd="sng" algn="ctr">
+                      <a:noFill/>
+                      <a:prstDash val="solid"/>
+                      <a:round/>
+                      <a:headEnd type="none" w="med" len="med"/>
+                      <a:tailEnd type="none" w="med" len="med"/>
+                    </a:lnR>
+                    <a:lnT w="12700" cap="flat" cmpd="sng" algn="ctr">
+                      <a:noFill/>
+                      <a:prstDash val="solid"/>
+                      <a:round/>
+                      <a:headEnd type="none" w="med" len="med"/>
+                      <a:tailEnd type="none" w="med" len="med"/>
+                    </a:lnT>
+                    <a:lnB w="12700" cap="flat" cmpd="sng" algn="ctr">
+                      <a:noFill/>
+                      <a:prstDash val="solid"/>
+                      <a:round/>
+                      <a:headEnd type="none" w="med" len="med"/>
+                      <a:tailEnd type="none" w="med" len="med"/>
+                    </a:lnB>
+                    <a:lnTlToBr w="12700" cmpd="sng">
+                      <a:noFill/>
+                      <a:prstDash val="solid"/>
+                    </a:lnTlToBr>
+                    <a:lnBlToTr w="12700" cmpd="sng">
+                      <a:noFill/>
+                      <a:prstDash val="solid"/>
+                    </a:lnBlToTr>
+                    <a:noFill/>
+                  </a:tcPr>
+                </a:tc>
+                <a:tc vMerge="1">
+                  <a:txBody>
+                    <a:bodyPr/>
+                    <a:lstStyle/>
+                    <a:p>
+                      <a:endParaRPr lang="en-GB" dirty="0"/>
+                    </a:p>
+                  </a:txBody>
+                  <a:tcPr>
+                    <a:lnL w="12700" cap="flat" cmpd="sng" algn="ctr">
+                      <a:solidFill>
+                        <a:schemeClr val="tx1"/>
+                      </a:solidFill>
+                      <a:prstDash val="solid"/>
+                      <a:round/>
+                      <a:headEnd type="none" w="med" len="med"/>
+                      <a:tailEnd type="none" w="med" len="med"/>
+                    </a:lnL>
+                    <a:lnR w="12700" cap="flat" cmpd="sng" algn="ctr">
+                      <a:solidFill>
+                        <a:schemeClr val="tx1"/>
+                      </a:solidFill>
+                      <a:prstDash val="solid"/>
+                      <a:round/>
+                      <a:headEnd type="none" w="med" len="med"/>
+                      <a:tailEnd type="none" w="med" len="med"/>
+                    </a:lnR>
+                    <a:lnT w="12700" cap="flat" cmpd="sng" algn="ctr">
+                      <a:solidFill>
+                        <a:schemeClr val="tx1"/>
+                      </a:solidFill>
+                      <a:prstDash val="solid"/>
+                      <a:round/>
+                      <a:headEnd type="none" w="med" len="med"/>
+                      <a:tailEnd type="none" w="med" len="med"/>
+                    </a:lnT>
+                    <a:lnB w="12700" cap="flat" cmpd="sng" algn="ctr">
+                      <a:solidFill>
+                        <a:schemeClr val="tx1"/>
+                      </a:solidFill>
+                      <a:prstDash val="solid"/>
+                      <a:round/>
+                      <a:headEnd type="none" w="med" len="med"/>
+                      <a:tailEnd type="none" w="med" len="med"/>
+                    </a:lnB>
+                    <a:noFill/>
+                  </a:tcPr>
+                </a:tc>
+                <a:extLst>
+                  <a:ext uri="{0D108BD9-81ED-4DB2-BD59-A6C34878D82A}">
+                    <a16:rowId xmlns:a16="http://schemas.microsoft.com/office/drawing/2014/main" val="3793582230"/>
+                  </a:ext>
+                </a:extLst>
+              </a:tr>
+              <a:tr h="540000">
+                <a:tc>
+                  <a:txBody>
+                    <a:bodyPr/>
+                    <a:lstStyle/>
+                    <a:p>
+                      <a:endParaRPr lang="en-GB" dirty="0"/>
+                    </a:p>
+                  </a:txBody>
+                  <a:tcPr>
+                    <a:lnL w="12700" cap="flat" cmpd="sng" algn="ctr">
+                      <a:noFill/>
+                      <a:prstDash val="solid"/>
+                      <a:round/>
+                      <a:headEnd type="none" w="med" len="med"/>
+                      <a:tailEnd type="none" w="med" len="med"/>
+                    </a:lnL>
+                    <a:lnR w="12700" cap="flat" cmpd="sng" algn="ctr">
+                      <a:noFill/>
+                      <a:prstDash val="solid"/>
+                      <a:round/>
+                      <a:headEnd type="none" w="med" len="med"/>
+                      <a:tailEnd type="none" w="med" len="med"/>
+                    </a:lnR>
+                    <a:lnT w="12700" cap="flat" cmpd="sng" algn="ctr">
+                      <a:noFill/>
+                      <a:prstDash val="solid"/>
+                      <a:round/>
+                      <a:headEnd type="none" w="med" len="med"/>
+                      <a:tailEnd type="none" w="med" len="med"/>
+                    </a:lnT>
+                    <a:lnB w="12700" cap="flat" cmpd="sng" algn="ctr">
+                      <a:noFill/>
+                      <a:prstDash val="solid"/>
+                      <a:round/>
+                      <a:headEnd type="none" w="med" len="med"/>
+                      <a:tailEnd type="none" w="med" len="med"/>
+                    </a:lnB>
+                    <a:lnTlToBr w="12700" cmpd="sng">
+                      <a:noFill/>
+                      <a:prstDash val="solid"/>
+                    </a:lnTlToBr>
+                    <a:lnBlToTr w="12700" cmpd="sng">
+                      <a:noFill/>
+                      <a:prstDash val="solid"/>
+                    </a:lnBlToTr>
+                    <a:blipFill>
+                      <a:blip r:embed="rId6">
+                        <a:extLst>
+                          <a:ext uri="{96DAC541-7B7A-43D3-8B79-37D633B846F1}">
+                            <asvg:svgBlip xmlns:asvg="http://schemas.microsoft.com/office/drawing/2016/SVG/main" r:embed="rId7"/>
+                          </a:ext>
+                        </a:extLst>
+                      </a:blip>
+                      <a:stretch>
+                        <a:fillRect/>
+                      </a:stretch>
+                    </a:blipFill>
+                  </a:tcPr>
+                </a:tc>
+                <a:tc rowSpan="2">
+                  <a:txBody>
+                    <a:bodyPr/>
+                    <a:lstStyle/>
+                    <a:p>
+                      <a:endParaRPr lang="en-GB" sz="2200" dirty="0"/>
+                    </a:p>
+                  </a:txBody>
+                  <a:tcPr marL="108000" marR="72000" marT="72000" marB="36000">
+                    <a:lnL w="12700" cap="flat" cmpd="sng" algn="ctr">
+                      <a:noFill/>
+                      <a:prstDash val="solid"/>
+                      <a:round/>
+                      <a:headEnd type="none" w="med" len="med"/>
+                      <a:tailEnd type="none" w="med" len="med"/>
+                    </a:lnL>
+                    <a:lnR w="12700" cap="flat" cmpd="sng" algn="ctr">
+                      <a:noFill/>
+                      <a:prstDash val="solid"/>
+                      <a:round/>
+                      <a:headEnd type="none" w="med" len="med"/>
+                      <a:tailEnd type="none" w="med" len="med"/>
+                    </a:lnR>
+                    <a:lnT w="12700" cap="flat" cmpd="sng" algn="ctr">
+                      <a:noFill/>
+                      <a:prstDash val="solid"/>
+                      <a:round/>
+                      <a:headEnd type="none" w="med" len="med"/>
+                      <a:tailEnd type="none" w="med" len="med"/>
+                    </a:lnT>
+                    <a:lnB w="12700" cap="flat" cmpd="sng" algn="ctr">
+                      <a:noFill/>
+                      <a:prstDash val="solid"/>
+                      <a:round/>
+                      <a:headEnd type="none" w="med" len="med"/>
+                      <a:tailEnd type="none" w="med" len="med"/>
+                    </a:lnB>
+                    <a:lnTlToBr w="12700" cmpd="sng">
+                      <a:noFill/>
+                      <a:prstDash val="solid"/>
+                    </a:lnTlToBr>
+                    <a:lnBlToTr w="12700" cmpd="sng">
+                      <a:noFill/>
+                      <a:prstDash val="solid"/>
+                    </a:lnBlToTr>
+                    <a:noFill/>
+                  </a:tcPr>
+                </a:tc>
+                <a:tc>
+                  <a:txBody>
+                    <a:bodyPr/>
+                    <a:lstStyle/>
+                    <a:p>
+                      <a:endParaRPr lang="en-GB" dirty="0"/>
+                    </a:p>
+                  </a:txBody>
+                  <a:tcPr>
+                    <a:lnL w="12700" cap="flat" cmpd="sng" algn="ctr">
+                      <a:noFill/>
+                      <a:prstDash val="solid"/>
+                      <a:round/>
+                      <a:headEnd type="none" w="med" len="med"/>
+                      <a:tailEnd type="none" w="med" len="med"/>
+                    </a:lnL>
+                    <a:lnR w="12700" cap="flat" cmpd="sng" algn="ctr">
+                      <a:noFill/>
+                      <a:prstDash val="solid"/>
+                      <a:round/>
+                      <a:headEnd type="none" w="med" len="med"/>
+                      <a:tailEnd type="none" w="med" len="med"/>
+                    </a:lnR>
+                    <a:lnT w="12700" cap="flat" cmpd="sng" algn="ctr">
+                      <a:noFill/>
+                      <a:prstDash val="solid"/>
+                      <a:round/>
+                      <a:headEnd type="none" w="med" len="med"/>
+                      <a:tailEnd type="none" w="med" len="med"/>
+                    </a:lnT>
+                    <a:lnB w="12700" cap="flat" cmpd="sng" algn="ctr">
+                      <a:noFill/>
+                      <a:prstDash val="solid"/>
+                      <a:round/>
+                      <a:headEnd type="none" w="med" len="med"/>
+                      <a:tailEnd type="none" w="med" len="med"/>
+                    </a:lnB>
+                    <a:lnTlToBr w="12700" cmpd="sng">
+                      <a:noFill/>
+                      <a:prstDash val="solid"/>
+                    </a:lnTlToBr>
+                    <a:lnBlToTr w="12700" cmpd="sng">
+                      <a:noFill/>
+                      <a:prstDash val="solid"/>
+                    </a:lnBlToTr>
+                    <a:blipFill>
+                      <a:blip r:embed="rId8">
+                        <a:extLst>
+                          <a:ext uri="{96DAC541-7B7A-43D3-8B79-37D633B846F1}">
+                            <asvg:svgBlip xmlns:asvg="http://schemas.microsoft.com/office/drawing/2016/SVG/main" r:embed="rId9"/>
+                          </a:ext>
+                        </a:extLst>
+                      </a:blip>
+                      <a:stretch>
+                        <a:fillRect/>
+                      </a:stretch>
+                    </a:blipFill>
+                  </a:tcPr>
+                </a:tc>
+                <a:tc rowSpan="2">
+                  <a:txBody>
+                    <a:bodyPr/>
+                    <a:lstStyle/>
+                    <a:p>
+                      <a:endParaRPr lang="en-GB" sz="2200" dirty="0"/>
+                    </a:p>
+                  </a:txBody>
+                  <a:tcPr marL="108000" marR="36000" marT="72000" marB="36000">
+                    <a:lnL w="12700" cap="flat" cmpd="sng" algn="ctr">
+                      <a:noFill/>
+                      <a:prstDash val="solid"/>
+                      <a:round/>
+                      <a:headEnd type="none" w="med" len="med"/>
+                      <a:tailEnd type="none" w="med" len="med"/>
+                    </a:lnL>
+                    <a:lnR w="12700" cap="flat" cmpd="sng" algn="ctr">
+                      <a:noFill/>
+                      <a:prstDash val="solid"/>
+                      <a:round/>
+                      <a:headEnd type="none" w="med" len="med"/>
+                      <a:tailEnd type="none" w="med" len="med"/>
+                    </a:lnR>
+                    <a:lnT w="12700" cap="flat" cmpd="sng" algn="ctr">
+                      <a:noFill/>
+                      <a:prstDash val="solid"/>
+                      <a:round/>
+                      <a:headEnd type="none" w="med" len="med"/>
+                      <a:tailEnd type="none" w="med" len="med"/>
+                    </a:lnT>
+                    <a:lnB w="12700" cap="flat" cmpd="sng" algn="ctr">
+                      <a:noFill/>
+                      <a:prstDash val="solid"/>
+                      <a:round/>
+                      <a:headEnd type="none" w="med" len="med"/>
+                      <a:tailEnd type="none" w="med" len="med"/>
+                    </a:lnB>
+                    <a:lnTlToBr w="12700" cmpd="sng">
+                      <a:noFill/>
+                      <a:prstDash val="solid"/>
+                    </a:lnTlToBr>
+                    <a:lnBlToTr w="12700" cmpd="sng">
+                      <a:noFill/>
+                      <a:prstDash val="solid"/>
+                    </a:lnBlToTr>
+                    <a:noFill/>
+                  </a:tcPr>
+                </a:tc>
+                <a:extLst>
+                  <a:ext uri="{0D108BD9-81ED-4DB2-BD59-A6C34878D82A}">
+                    <a16:rowId xmlns:a16="http://schemas.microsoft.com/office/drawing/2014/main" val="3359763730"/>
+                  </a:ext>
+                </a:extLst>
+              </a:tr>
+              <a:tr h="0">
+                <a:tc>
+                  <a:txBody>
+                    <a:bodyPr/>
+                    <a:lstStyle/>
+                    <a:p>
+                      <a:endParaRPr lang="en-GB" sz="100" dirty="0"/>
+                    </a:p>
+                  </a:txBody>
+                  <a:tcPr>
+                    <a:lnL w="12700" cap="flat" cmpd="sng" algn="ctr">
+                      <a:noFill/>
+                      <a:prstDash val="solid"/>
+                      <a:round/>
+                      <a:headEnd type="none" w="med" len="med"/>
+                      <a:tailEnd type="none" w="med" len="med"/>
+                    </a:lnL>
+                    <a:lnR w="12700" cap="flat" cmpd="sng" algn="ctr">
+                      <a:noFill/>
+                      <a:prstDash val="solid"/>
+                      <a:round/>
+                      <a:headEnd type="none" w="med" len="med"/>
+                      <a:tailEnd type="none" w="med" len="med"/>
+                    </a:lnR>
+                    <a:lnT w="12700" cap="flat" cmpd="sng" algn="ctr">
+                      <a:noFill/>
+                      <a:prstDash val="solid"/>
+                      <a:round/>
+                      <a:headEnd type="none" w="med" len="med"/>
+                      <a:tailEnd type="none" w="med" len="med"/>
+                    </a:lnT>
+                    <a:lnB w="12700" cap="flat" cmpd="sng" algn="ctr">
+                      <a:noFill/>
+                      <a:prstDash val="solid"/>
+                      <a:round/>
+                      <a:headEnd type="none" w="med" len="med"/>
+                      <a:tailEnd type="none" w="med" len="med"/>
+                    </a:lnB>
+                    <a:lnTlToBr w="12700" cmpd="sng">
+                      <a:noFill/>
+                      <a:prstDash val="solid"/>
+                    </a:lnTlToBr>
+                    <a:lnBlToTr w="12700" cmpd="sng">
+                      <a:noFill/>
+                      <a:prstDash val="solid"/>
+                    </a:lnBlToTr>
+                    <a:noFill/>
+                  </a:tcPr>
+                </a:tc>
+                <a:tc vMerge="1">
+                  <a:txBody>
+                    <a:bodyPr/>
+                    <a:lstStyle/>
+                    <a:p>
+                      <a:endParaRPr lang="en-GB" dirty="0"/>
+                    </a:p>
+                  </a:txBody>
+                  <a:tcPr>
+                    <a:lnL w="12700" cap="flat" cmpd="sng" algn="ctr">
+                      <a:solidFill>
+                        <a:schemeClr val="tx1"/>
+                      </a:solidFill>
+                      <a:prstDash val="solid"/>
+                      <a:round/>
+                      <a:headEnd type="none" w="med" len="med"/>
+                      <a:tailEnd type="none" w="med" len="med"/>
+                    </a:lnL>
+                    <a:lnR w="12700" cap="flat" cmpd="sng" algn="ctr">
+                      <a:solidFill>
+                        <a:schemeClr val="tx1"/>
+                      </a:solidFill>
+                      <a:prstDash val="solid"/>
+                      <a:round/>
+                      <a:headEnd type="none" w="med" len="med"/>
+                      <a:tailEnd type="none" w="med" len="med"/>
+                    </a:lnR>
+                    <a:lnT w="12700" cap="flat" cmpd="sng" algn="ctr">
+                      <a:solidFill>
+                        <a:schemeClr val="tx1"/>
+                      </a:solidFill>
+                      <a:prstDash val="solid"/>
+                      <a:round/>
+                      <a:headEnd type="none" w="med" len="med"/>
+                      <a:tailEnd type="none" w="med" len="med"/>
+                    </a:lnT>
+                    <a:lnB w="12700" cap="flat" cmpd="sng" algn="ctr">
+                      <a:solidFill>
+                        <a:schemeClr val="tx1"/>
+                      </a:solidFill>
+                      <a:prstDash val="solid"/>
+                      <a:round/>
+                      <a:headEnd type="none" w="med" len="med"/>
+                      <a:tailEnd type="none" w="med" len="med"/>
+                    </a:lnB>
+                    <a:noFill/>
+                  </a:tcPr>
+                </a:tc>
+                <a:tc>
+                  <a:txBody>
+                    <a:bodyPr/>
+                    <a:lstStyle/>
+                    <a:p>
+                      <a:endParaRPr lang="en-GB" sz="100" dirty="0"/>
+                    </a:p>
+                  </a:txBody>
+                  <a:tcPr>
+                    <a:lnL w="12700" cap="flat" cmpd="sng" algn="ctr">
+                      <a:noFill/>
+                      <a:prstDash val="solid"/>
+                      <a:round/>
+                      <a:headEnd type="none" w="med" len="med"/>
+                      <a:tailEnd type="none" w="med" len="med"/>
+                    </a:lnL>
+                    <a:lnR w="12700" cap="flat" cmpd="sng" algn="ctr">
+                      <a:noFill/>
+                      <a:prstDash val="solid"/>
+                      <a:round/>
+                      <a:headEnd type="none" w="med" len="med"/>
+                      <a:tailEnd type="none" w="med" len="med"/>
+                    </a:lnR>
+                    <a:lnT w="12700" cap="flat" cmpd="sng" algn="ctr">
+                      <a:noFill/>
+                      <a:prstDash val="solid"/>
+                      <a:round/>
+                      <a:headEnd type="none" w="med" len="med"/>
+                      <a:tailEnd type="none" w="med" len="med"/>
+                    </a:lnT>
+                    <a:lnB w="12700" cap="flat" cmpd="sng" algn="ctr">
+                      <a:noFill/>
+                      <a:prstDash val="solid"/>
+                      <a:round/>
+                      <a:headEnd type="none" w="med" len="med"/>
+                      <a:tailEnd type="none" w="med" len="med"/>
+                    </a:lnB>
+                    <a:lnTlToBr w="12700" cmpd="sng">
+                      <a:noFill/>
+                      <a:prstDash val="solid"/>
+                    </a:lnTlToBr>
+                    <a:lnBlToTr w="12700" cmpd="sng">
+                      <a:noFill/>
+                      <a:prstDash val="solid"/>
+                    </a:lnBlToTr>
+                    <a:noFill/>
+                  </a:tcPr>
+                </a:tc>
+                <a:tc vMerge="1">
+                  <a:txBody>
+                    <a:bodyPr/>
+                    <a:lstStyle/>
+                    <a:p>
+                      <a:endParaRPr lang="en-GB" dirty="0"/>
+                    </a:p>
+                  </a:txBody>
+                  <a:tcPr>
+                    <a:lnL w="12700" cap="flat" cmpd="sng" algn="ctr">
+                      <a:solidFill>
+                        <a:schemeClr val="tx1"/>
+                      </a:solidFill>
+                      <a:prstDash val="solid"/>
+                      <a:round/>
+                      <a:headEnd type="none" w="med" len="med"/>
+                      <a:tailEnd type="none" w="med" len="med"/>
+                    </a:lnL>
+                    <a:lnR w="12700" cap="flat" cmpd="sng" algn="ctr">
+                      <a:solidFill>
+                        <a:schemeClr val="tx1"/>
+                      </a:solidFill>
+                      <a:prstDash val="solid"/>
+                      <a:round/>
+                      <a:headEnd type="none" w="med" len="med"/>
+                      <a:tailEnd type="none" w="med" len="med"/>
+                    </a:lnR>
+                    <a:lnT w="12700" cap="flat" cmpd="sng" algn="ctr">
+                      <a:solidFill>
+                        <a:schemeClr val="tx1"/>
+                      </a:solidFill>
+                      <a:prstDash val="solid"/>
+                      <a:round/>
+                      <a:headEnd type="none" w="med" len="med"/>
+                      <a:tailEnd type="none" w="med" len="med"/>
+                    </a:lnT>
+                    <a:lnB w="12700" cap="flat" cmpd="sng" algn="ctr">
+                      <a:solidFill>
+                        <a:schemeClr val="tx1"/>
+                      </a:solidFill>
+                      <a:prstDash val="solid"/>
+                      <a:round/>
+                      <a:headEnd type="none" w="med" len="med"/>
+                      <a:tailEnd type="none" w="med" len="med"/>
+                    </a:lnB>
+                    <a:noFill/>
+                  </a:tcPr>
+                </a:tc>
+                <a:extLst>
+                  <a:ext uri="{0D108BD9-81ED-4DB2-BD59-A6C34878D82A}">
+                    <a16:rowId xmlns:a16="http://schemas.microsoft.com/office/drawing/2014/main" val="3518440128"/>
+                  </a:ext>
+                </a:extLst>
+              </a:tr>
+              <a:tr h="540000">
+                <a:tc>
+                  <a:txBody>
+                    <a:bodyPr/>
+                    <a:lstStyle/>
+                    <a:p>
+                      <a:endParaRPr lang="en-GB" dirty="0"/>
+                    </a:p>
+                  </a:txBody>
+                  <a:tcPr>
+                    <a:lnL w="12700" cap="flat" cmpd="sng" algn="ctr">
+                      <a:noFill/>
+                      <a:prstDash val="solid"/>
+                      <a:round/>
+                      <a:headEnd type="none" w="med" len="med"/>
+                      <a:tailEnd type="none" w="med" len="med"/>
+                    </a:lnL>
+                    <a:lnR w="12700" cap="flat" cmpd="sng" algn="ctr">
+                      <a:noFill/>
+                      <a:prstDash val="solid"/>
+                      <a:round/>
+                      <a:headEnd type="none" w="med" len="med"/>
+                      <a:tailEnd type="none" w="med" len="med"/>
+                    </a:lnR>
+                    <a:lnT w="12700" cap="flat" cmpd="sng" algn="ctr">
+                      <a:noFill/>
+                      <a:prstDash val="solid"/>
+                      <a:round/>
+                      <a:headEnd type="none" w="med" len="med"/>
+                      <a:tailEnd type="none" w="med" len="med"/>
+                    </a:lnT>
+                    <a:lnB w="12700" cap="flat" cmpd="sng" algn="ctr">
+                      <a:noFill/>
+                      <a:prstDash val="solid"/>
+                      <a:round/>
+                      <a:headEnd type="none" w="med" len="med"/>
+                      <a:tailEnd type="none" w="med" len="med"/>
+                    </a:lnB>
+                    <a:lnTlToBr w="12700" cmpd="sng">
+                      <a:noFill/>
+                      <a:prstDash val="solid"/>
+                    </a:lnTlToBr>
+                    <a:lnBlToTr w="12700" cmpd="sng">
+                      <a:noFill/>
+                      <a:prstDash val="solid"/>
+                    </a:lnBlToTr>
+                    <a:blipFill>
+                      <a:blip r:embed="rId10">
+                        <a:extLst>
+                          <a:ext uri="{96DAC541-7B7A-43D3-8B79-37D633B846F1}">
+                            <asvg:svgBlip xmlns:asvg="http://schemas.microsoft.com/office/drawing/2016/SVG/main" r:embed="rId11"/>
+                          </a:ext>
+                        </a:extLst>
+                      </a:blip>
+                      <a:stretch>
+                        <a:fillRect/>
+                      </a:stretch>
+                    </a:blipFill>
+                  </a:tcPr>
+                </a:tc>
+                <a:tc rowSpan="2">
+                  <a:txBody>
+                    <a:bodyPr/>
+                    <a:lstStyle/>
+                    <a:p>
+                      <a:endParaRPr lang="en-GB" sz="2200" dirty="0"/>
+                    </a:p>
+                  </a:txBody>
+                  <a:tcPr marL="108000" marR="72000" marT="72000" marB="36000">
+                    <a:lnL w="12700" cap="flat" cmpd="sng" algn="ctr">
+                      <a:noFill/>
+                      <a:prstDash val="solid"/>
+                      <a:round/>
+                      <a:headEnd type="none" w="med" len="med"/>
+                      <a:tailEnd type="none" w="med" len="med"/>
+                    </a:lnL>
+                    <a:lnR w="12700" cap="flat" cmpd="sng" algn="ctr">
+                      <a:noFill/>
+                      <a:prstDash val="solid"/>
+                      <a:round/>
+                      <a:headEnd type="none" w="med" len="med"/>
+                      <a:tailEnd type="none" w="med" len="med"/>
+                    </a:lnR>
+                    <a:lnT w="12700" cap="flat" cmpd="sng" algn="ctr">
+                      <a:noFill/>
+                      <a:prstDash val="solid"/>
+                      <a:round/>
+                      <a:headEnd type="none" w="med" len="med"/>
+                      <a:tailEnd type="none" w="med" len="med"/>
+                    </a:lnT>
+                    <a:lnB w="12700" cap="flat" cmpd="sng" algn="ctr">
+                      <a:noFill/>
+                      <a:prstDash val="solid"/>
+                      <a:round/>
+                      <a:headEnd type="none" w="med" len="med"/>
+                      <a:tailEnd type="none" w="med" len="med"/>
+                    </a:lnB>
+                    <a:lnTlToBr w="12700" cmpd="sng">
+                      <a:noFill/>
+                      <a:prstDash val="solid"/>
+                    </a:lnTlToBr>
+                    <a:lnBlToTr w="12700" cmpd="sng">
+                      <a:noFill/>
+                      <a:prstDash val="solid"/>
+                    </a:lnBlToTr>
+                    <a:noFill/>
+                  </a:tcPr>
+                </a:tc>
+                <a:tc>
+                  <a:txBody>
+                    <a:bodyPr/>
+                    <a:lstStyle/>
+                    <a:p>
+                      <a:endParaRPr lang="en-GB" dirty="0"/>
+                    </a:p>
+                  </a:txBody>
+                  <a:tcPr>
+                    <a:lnL w="12700" cap="flat" cmpd="sng" algn="ctr">
+                      <a:noFill/>
+                      <a:prstDash val="solid"/>
+                      <a:round/>
+                      <a:headEnd type="none" w="med" len="med"/>
+                      <a:tailEnd type="none" w="med" len="med"/>
+                    </a:lnL>
+                    <a:lnR w="12700" cap="flat" cmpd="sng" algn="ctr">
+                      <a:noFill/>
+                      <a:prstDash val="solid"/>
+                      <a:round/>
+                      <a:headEnd type="none" w="med" len="med"/>
+                      <a:tailEnd type="none" w="med" len="med"/>
+                    </a:lnR>
+                    <a:lnT w="12700" cap="flat" cmpd="sng" algn="ctr">
+                      <a:noFill/>
+                      <a:prstDash val="solid"/>
+                      <a:round/>
+                      <a:headEnd type="none" w="med" len="med"/>
+                      <a:tailEnd type="none" w="med" len="med"/>
+                    </a:lnT>
+                    <a:lnB w="12700" cap="flat" cmpd="sng" algn="ctr">
+                      <a:noFill/>
+                      <a:prstDash val="solid"/>
+                      <a:round/>
+                      <a:headEnd type="none" w="med" len="med"/>
+                      <a:tailEnd type="none" w="med" len="med"/>
+                    </a:lnB>
+                    <a:lnTlToBr w="12700" cmpd="sng">
+                      <a:noFill/>
+                      <a:prstDash val="solid"/>
+                    </a:lnTlToBr>
+                    <a:lnBlToTr w="12700" cmpd="sng">
+                      <a:noFill/>
+                      <a:prstDash val="solid"/>
+                    </a:lnBlToTr>
+                    <a:blipFill>
+                      <a:blip r:embed="rId12">
+                        <a:extLst>
+                          <a:ext uri="{96DAC541-7B7A-43D3-8B79-37D633B846F1}">
+                            <asvg:svgBlip xmlns:asvg="http://schemas.microsoft.com/office/drawing/2016/SVG/main" r:embed="rId13"/>
+                          </a:ext>
+                        </a:extLst>
+                      </a:blip>
+                      <a:stretch>
+                        <a:fillRect/>
+                      </a:stretch>
+                    </a:blipFill>
+                  </a:tcPr>
+                </a:tc>
+                <a:tc rowSpan="2">
+                  <a:txBody>
+                    <a:bodyPr/>
+                    <a:lstStyle/>
+                    <a:p>
+                      <a:endParaRPr lang="en-GB" sz="2200" dirty="0"/>
+                    </a:p>
+                  </a:txBody>
+                  <a:tcPr marL="108000" marR="36000" marT="72000" marB="36000">
+                    <a:lnL w="12700" cap="flat" cmpd="sng" algn="ctr">
+                      <a:noFill/>
+                      <a:prstDash val="solid"/>
+                      <a:round/>
+                      <a:headEnd type="none" w="med" len="med"/>
+                      <a:tailEnd type="none" w="med" len="med"/>
+                    </a:lnL>
+                    <a:lnR w="12700" cap="flat" cmpd="sng" algn="ctr">
+                      <a:noFill/>
+                      <a:prstDash val="solid"/>
+                      <a:round/>
+                      <a:headEnd type="none" w="med" len="med"/>
+                      <a:tailEnd type="none" w="med" len="med"/>
+                    </a:lnR>
+                    <a:lnT w="12700" cap="flat" cmpd="sng" algn="ctr">
+                      <a:noFill/>
+                      <a:prstDash val="solid"/>
+                      <a:round/>
+                      <a:headEnd type="none" w="med" len="med"/>
+                      <a:tailEnd type="none" w="med" len="med"/>
+                    </a:lnT>
+                    <a:lnB w="12700" cap="flat" cmpd="sng" algn="ctr">
+                      <a:noFill/>
+                      <a:prstDash val="solid"/>
+                      <a:round/>
+                      <a:headEnd type="none" w="med" len="med"/>
+                      <a:tailEnd type="none" w="med" len="med"/>
+                    </a:lnB>
+                    <a:lnTlToBr w="12700" cmpd="sng">
+                      <a:noFill/>
+                      <a:prstDash val="solid"/>
+                    </a:lnTlToBr>
+                    <a:lnBlToTr w="12700" cmpd="sng">
+                      <a:noFill/>
+                      <a:prstDash val="solid"/>
+                    </a:lnBlToTr>
+                    <a:noFill/>
+                  </a:tcPr>
+                </a:tc>
+                <a:extLst>
+                  <a:ext uri="{0D108BD9-81ED-4DB2-BD59-A6C34878D82A}">
+                    <a16:rowId xmlns:a16="http://schemas.microsoft.com/office/drawing/2014/main" val="2138106067"/>
+                  </a:ext>
+                </a:extLst>
+              </a:tr>
+              <a:tr h="0">
+                <a:tc>
+                  <a:txBody>
+                    <a:bodyPr/>
+                    <a:lstStyle/>
+                    <a:p>
+                      <a:endParaRPr lang="en-GB" sz="100" dirty="0"/>
+                    </a:p>
+                  </a:txBody>
+                  <a:tcPr>
+                    <a:lnL w="12700" cap="flat" cmpd="sng" algn="ctr">
+                      <a:noFill/>
+                      <a:prstDash val="solid"/>
+                      <a:round/>
+                      <a:headEnd type="none" w="med" len="med"/>
+                      <a:tailEnd type="none" w="med" len="med"/>
+                    </a:lnL>
+                    <a:lnR w="12700" cap="flat" cmpd="sng" algn="ctr">
+                      <a:noFill/>
+                      <a:prstDash val="solid"/>
+                      <a:round/>
+                      <a:headEnd type="none" w="med" len="med"/>
+                      <a:tailEnd type="none" w="med" len="med"/>
+                    </a:lnR>
+                    <a:lnT w="12700" cap="flat" cmpd="sng" algn="ctr">
+                      <a:noFill/>
+                      <a:prstDash val="solid"/>
+                      <a:round/>
+                      <a:headEnd type="none" w="med" len="med"/>
+                      <a:tailEnd type="none" w="med" len="med"/>
+                    </a:lnT>
+                    <a:lnB w="12700" cap="flat" cmpd="sng" algn="ctr">
+                      <a:noFill/>
+                      <a:prstDash val="solid"/>
+                      <a:round/>
+                      <a:headEnd type="none" w="med" len="med"/>
+                      <a:tailEnd type="none" w="med" len="med"/>
+                    </a:lnB>
+                    <a:lnTlToBr w="12700" cmpd="sng">
+                      <a:noFill/>
+                      <a:prstDash val="solid"/>
+                    </a:lnTlToBr>
+                    <a:lnBlToTr w="12700" cmpd="sng">
+                      <a:noFill/>
+                      <a:prstDash val="solid"/>
+                    </a:lnBlToTr>
+                    <a:noFill/>
+                  </a:tcPr>
+                </a:tc>
+                <a:tc vMerge="1">
+                  <a:txBody>
+                    <a:bodyPr/>
+                    <a:lstStyle/>
+                    <a:p>
+                      <a:endParaRPr lang="en-GB" dirty="0"/>
+                    </a:p>
+                  </a:txBody>
+                  <a:tcPr>
+                    <a:lnL w="12700" cap="flat" cmpd="sng" algn="ctr">
+                      <a:solidFill>
+                        <a:schemeClr val="tx1"/>
+                      </a:solidFill>
+                      <a:prstDash val="solid"/>
+                      <a:round/>
+                      <a:headEnd type="none" w="med" len="med"/>
+                      <a:tailEnd type="none" w="med" len="med"/>
+                    </a:lnL>
+                    <a:lnR w="12700" cap="flat" cmpd="sng" algn="ctr">
+                      <a:solidFill>
+                        <a:schemeClr val="tx1"/>
+                      </a:solidFill>
+                      <a:prstDash val="solid"/>
+                      <a:round/>
+                      <a:headEnd type="none" w="med" len="med"/>
+                      <a:tailEnd type="none" w="med" len="med"/>
+                    </a:lnR>
+                    <a:lnT w="12700" cap="flat" cmpd="sng" algn="ctr">
+                      <a:solidFill>
+                        <a:schemeClr val="tx1"/>
+                      </a:solidFill>
+                      <a:prstDash val="solid"/>
+                      <a:round/>
+                      <a:headEnd type="none" w="med" len="med"/>
+                      <a:tailEnd type="none" w="med" len="med"/>
+                    </a:lnT>
+                    <a:lnB w="12700" cap="flat" cmpd="sng" algn="ctr">
+                      <a:solidFill>
+                        <a:schemeClr val="tx1"/>
+                      </a:solidFill>
+                      <a:prstDash val="solid"/>
+                      <a:round/>
+                      <a:headEnd type="none" w="med" len="med"/>
+                      <a:tailEnd type="none" w="med" len="med"/>
+                    </a:lnB>
+                    <a:noFill/>
+                  </a:tcPr>
+                </a:tc>
+                <a:tc>
+                  <a:txBody>
+                    <a:bodyPr/>
+                    <a:lstStyle/>
+                    <a:p>
+                      <a:endParaRPr lang="en-GB" sz="100" dirty="0"/>
+                    </a:p>
+                  </a:txBody>
+                  <a:tcPr>
+                    <a:lnL w="12700" cap="flat" cmpd="sng" algn="ctr">
+                      <a:noFill/>
+                      <a:prstDash val="solid"/>
+                      <a:round/>
+                      <a:headEnd type="none" w="med" len="med"/>
+                      <a:tailEnd type="none" w="med" len="med"/>
+                    </a:lnL>
+                    <a:lnR w="12700" cap="flat" cmpd="sng" algn="ctr">
+                      <a:noFill/>
+                      <a:prstDash val="solid"/>
+                      <a:round/>
+                      <a:headEnd type="none" w="med" len="med"/>
+                      <a:tailEnd type="none" w="med" len="med"/>
+                    </a:lnR>
+                    <a:lnT w="12700" cap="flat" cmpd="sng" algn="ctr">
+                      <a:noFill/>
+                      <a:prstDash val="solid"/>
+                      <a:round/>
+                      <a:headEnd type="none" w="med" len="med"/>
+                      <a:tailEnd type="none" w="med" len="med"/>
+                    </a:lnT>
+                    <a:lnB w="12700" cap="flat" cmpd="sng" algn="ctr">
+                      <a:noFill/>
+                      <a:prstDash val="solid"/>
+                      <a:round/>
+                      <a:headEnd type="none" w="med" len="med"/>
+                      <a:tailEnd type="none" w="med" len="med"/>
+                    </a:lnB>
+                    <a:lnTlToBr w="12700" cmpd="sng">
+                      <a:noFill/>
+                      <a:prstDash val="solid"/>
+                    </a:lnTlToBr>
+                    <a:lnBlToTr w="12700" cmpd="sng">
+                      <a:noFill/>
+                      <a:prstDash val="solid"/>
+                    </a:lnBlToTr>
+                    <a:noFill/>
+                  </a:tcPr>
+                </a:tc>
+                <a:tc vMerge="1">
+                  <a:txBody>
+                    <a:bodyPr/>
+                    <a:lstStyle/>
+                    <a:p>
+                      <a:endParaRPr lang="en-GB" dirty="0"/>
+                    </a:p>
+                  </a:txBody>
+                  <a:tcPr>
+                    <a:lnL w="12700" cap="flat" cmpd="sng" algn="ctr">
+                      <a:solidFill>
+                        <a:schemeClr val="tx1"/>
+                      </a:solidFill>
+                      <a:prstDash val="solid"/>
+                      <a:round/>
+                      <a:headEnd type="none" w="med" len="med"/>
+                      <a:tailEnd type="none" w="med" len="med"/>
+                    </a:lnL>
+                    <a:lnR w="12700" cap="flat" cmpd="sng" algn="ctr">
+                      <a:solidFill>
+                        <a:schemeClr val="tx1"/>
+                      </a:solidFill>
+                      <a:prstDash val="solid"/>
+                      <a:round/>
+                      <a:headEnd type="none" w="med" len="med"/>
+                      <a:tailEnd type="none" w="med" len="med"/>
+                    </a:lnR>
+                    <a:lnT w="12700" cap="flat" cmpd="sng" algn="ctr">
+                      <a:solidFill>
+                        <a:schemeClr val="tx1"/>
+                      </a:solidFill>
+                      <a:prstDash val="solid"/>
+                      <a:round/>
+                      <a:headEnd type="none" w="med" len="med"/>
+                      <a:tailEnd type="none" w="med" len="med"/>
+                    </a:lnT>
+                    <a:lnB w="12700" cap="flat" cmpd="sng" algn="ctr">
+                      <a:solidFill>
+                        <a:schemeClr val="tx1"/>
+                      </a:solidFill>
+                      <a:prstDash val="solid"/>
+                      <a:round/>
+                      <a:headEnd type="none" w="med" len="med"/>
+                      <a:tailEnd type="none" w="med" len="med"/>
+                    </a:lnB>
+                    <a:noFill/>
+                  </a:tcPr>
+                </a:tc>
+                <a:extLst>
+                  <a:ext uri="{0D108BD9-81ED-4DB2-BD59-A6C34878D82A}">
+                    <a16:rowId xmlns:a16="http://schemas.microsoft.com/office/drawing/2014/main" val="1337221841"/>
+                  </a:ext>
+                </a:extLst>
+              </a:tr>
+              <a:tr h="540000">
+                <a:tc>
+                  <a:txBody>
+                    <a:bodyPr/>
+                    <a:lstStyle/>
+                    <a:p>
+                      <a:endParaRPr lang="en-GB" dirty="0"/>
+                    </a:p>
+                  </a:txBody>
+                  <a:tcPr>
+                    <a:lnL w="12700" cap="flat" cmpd="sng" algn="ctr">
+                      <a:noFill/>
+                      <a:prstDash val="solid"/>
+                      <a:round/>
+                      <a:headEnd type="none" w="med" len="med"/>
+                      <a:tailEnd type="none" w="med" len="med"/>
+                    </a:lnL>
+                    <a:lnR w="12700" cap="flat" cmpd="sng" algn="ctr">
+                      <a:noFill/>
+                      <a:prstDash val="solid"/>
+                      <a:round/>
+                      <a:headEnd type="none" w="med" len="med"/>
+                      <a:tailEnd type="none" w="med" len="med"/>
+                    </a:lnR>
+                    <a:lnT w="12700" cap="flat" cmpd="sng" algn="ctr">
+                      <a:noFill/>
+                      <a:prstDash val="solid"/>
+                      <a:round/>
+                      <a:headEnd type="none" w="med" len="med"/>
+                      <a:tailEnd type="none" w="med" len="med"/>
+                    </a:lnT>
+                    <a:lnB w="12700" cap="flat" cmpd="sng" algn="ctr">
+                      <a:noFill/>
+                      <a:prstDash val="solid"/>
+                      <a:round/>
+                      <a:headEnd type="none" w="med" len="med"/>
+                      <a:tailEnd type="none" w="med" len="med"/>
+                    </a:lnB>
+                    <a:lnTlToBr w="12700" cmpd="sng">
+                      <a:noFill/>
+                      <a:prstDash val="solid"/>
+                    </a:lnTlToBr>
+                    <a:lnBlToTr w="12700" cmpd="sng">
+                      <a:noFill/>
+                      <a:prstDash val="solid"/>
+                    </a:lnBlToTr>
+                    <a:blipFill>
+                      <a:blip r:embed="rId14">
+                        <a:extLst>
+                          <a:ext uri="{96DAC541-7B7A-43D3-8B79-37D633B846F1}">
+                            <asvg:svgBlip xmlns:asvg="http://schemas.microsoft.com/office/drawing/2016/SVG/main" r:embed="rId15"/>
+                          </a:ext>
+                        </a:extLst>
+                      </a:blip>
+                      <a:stretch>
+                        <a:fillRect/>
+                      </a:stretch>
+                    </a:blipFill>
+                  </a:tcPr>
+                </a:tc>
+                <a:tc rowSpan="2">
+                  <a:txBody>
+                    <a:bodyPr/>
+                    <a:lstStyle/>
+                    <a:p>
+                      <a:endParaRPr lang="en-GB" sz="2200" dirty="0"/>
+                    </a:p>
+                  </a:txBody>
+                  <a:tcPr marL="108000" marR="72000" marT="72000" marB="36000">
+                    <a:lnL w="12700" cap="flat" cmpd="sng" algn="ctr">
+                      <a:noFill/>
+                      <a:prstDash val="solid"/>
+                      <a:round/>
+                      <a:headEnd type="none" w="med" len="med"/>
+                      <a:tailEnd type="none" w="med" len="med"/>
+                    </a:lnL>
+                    <a:lnR w="12700" cap="flat" cmpd="sng" algn="ctr">
+                      <a:noFill/>
+                      <a:prstDash val="solid"/>
+                      <a:round/>
+                      <a:headEnd type="none" w="med" len="med"/>
+                      <a:tailEnd type="none" w="med" len="med"/>
+                    </a:lnR>
+                    <a:lnT w="12700" cap="flat" cmpd="sng" algn="ctr">
+                      <a:noFill/>
+                      <a:prstDash val="solid"/>
+                      <a:round/>
+                      <a:headEnd type="none" w="med" len="med"/>
+                      <a:tailEnd type="none" w="med" len="med"/>
+                    </a:lnT>
+                    <a:lnB w="12700" cap="flat" cmpd="sng" algn="ctr">
+                      <a:noFill/>
+                      <a:prstDash val="solid"/>
+                      <a:round/>
+                      <a:headEnd type="none" w="med" len="med"/>
+                      <a:tailEnd type="none" w="med" len="med"/>
+                    </a:lnB>
+                    <a:lnTlToBr w="12700" cmpd="sng">
+                      <a:noFill/>
+                      <a:prstDash val="solid"/>
+                    </a:lnTlToBr>
+                    <a:lnBlToTr w="12700" cmpd="sng">
+                      <a:noFill/>
+                      <a:prstDash val="solid"/>
+                    </a:lnBlToTr>
+                    <a:noFill/>
+                  </a:tcPr>
+                </a:tc>
+                <a:tc>
+                  <a:txBody>
+                    <a:bodyPr/>
+                    <a:lstStyle/>
+                    <a:p>
+                      <a:endParaRPr lang="en-GB" dirty="0"/>
+                    </a:p>
+                  </a:txBody>
+                  <a:tcPr>
+                    <a:lnL w="12700" cap="flat" cmpd="sng" algn="ctr">
+                      <a:noFill/>
+                      <a:prstDash val="solid"/>
+                      <a:round/>
+                      <a:headEnd type="none" w="med" len="med"/>
+                      <a:tailEnd type="none" w="med" len="med"/>
+                    </a:lnL>
+                    <a:lnR w="12700" cap="flat" cmpd="sng" algn="ctr">
+                      <a:noFill/>
+                      <a:prstDash val="solid"/>
+                      <a:round/>
+                      <a:headEnd type="none" w="med" len="med"/>
+                      <a:tailEnd type="none" w="med" len="med"/>
+                    </a:lnR>
+                    <a:lnT w="12700" cap="flat" cmpd="sng" algn="ctr">
+                      <a:noFill/>
+                      <a:prstDash val="solid"/>
+                      <a:round/>
+                      <a:headEnd type="none" w="med" len="med"/>
+                      <a:tailEnd type="none" w="med" len="med"/>
+                    </a:lnT>
+                    <a:lnB w="12700" cap="flat" cmpd="sng" algn="ctr">
+                      <a:noFill/>
+                      <a:prstDash val="solid"/>
+                      <a:round/>
+                      <a:headEnd type="none" w="med" len="med"/>
+                      <a:tailEnd type="none" w="med" len="med"/>
+                    </a:lnB>
+                    <a:lnTlToBr w="12700" cmpd="sng">
+                      <a:noFill/>
+                      <a:prstDash val="solid"/>
+                    </a:lnTlToBr>
+                    <a:lnBlToTr w="12700" cmpd="sng">
+                      <a:noFill/>
+                      <a:prstDash val="solid"/>
+                    </a:lnBlToTr>
+                    <a:blipFill>
+                      <a:blip r:embed="rId16">
+                        <a:extLst>
+                          <a:ext uri="{96DAC541-7B7A-43D3-8B79-37D633B846F1}">
+                            <asvg:svgBlip xmlns:asvg="http://schemas.microsoft.com/office/drawing/2016/SVG/main" r:embed="rId17"/>
+                          </a:ext>
+                        </a:extLst>
+                      </a:blip>
+                      <a:stretch>
+                        <a:fillRect/>
+                      </a:stretch>
+                    </a:blipFill>
+                  </a:tcPr>
+                </a:tc>
+                <a:tc rowSpan="2">
+                  <a:txBody>
+                    <a:bodyPr/>
+                    <a:lstStyle/>
+                    <a:p>
+                      <a:endParaRPr lang="en-GB" sz="2200" dirty="0"/>
+                    </a:p>
+                  </a:txBody>
+                  <a:tcPr marL="108000" marR="36000" marT="72000" marB="36000">
+                    <a:lnL w="12700" cap="flat" cmpd="sng" algn="ctr">
+                      <a:noFill/>
+                      <a:prstDash val="solid"/>
+                      <a:round/>
+                      <a:headEnd type="none" w="med" len="med"/>
+                      <a:tailEnd type="none" w="med" len="med"/>
+                    </a:lnL>
+                    <a:lnR w="12700" cap="flat" cmpd="sng" algn="ctr">
+                      <a:noFill/>
+                      <a:prstDash val="solid"/>
+                      <a:round/>
+                      <a:headEnd type="none" w="med" len="med"/>
+                      <a:tailEnd type="none" w="med" len="med"/>
+                    </a:lnR>
+                    <a:lnT w="12700" cap="flat" cmpd="sng" algn="ctr">
+                      <a:noFill/>
+                      <a:prstDash val="solid"/>
+                      <a:round/>
+                      <a:headEnd type="none" w="med" len="med"/>
+                      <a:tailEnd type="none" w="med" len="med"/>
+                    </a:lnT>
+                    <a:lnB w="12700" cap="flat" cmpd="sng" algn="ctr">
+                      <a:noFill/>
+                      <a:prstDash val="solid"/>
+                      <a:round/>
+                      <a:headEnd type="none" w="med" len="med"/>
+                      <a:tailEnd type="none" w="med" len="med"/>
+                    </a:lnB>
+                    <a:lnTlToBr w="12700" cmpd="sng">
+                      <a:noFill/>
+                      <a:prstDash val="solid"/>
+                    </a:lnTlToBr>
+                    <a:lnBlToTr w="12700" cmpd="sng">
+                      <a:noFill/>
+                      <a:prstDash val="solid"/>
+                    </a:lnBlToTr>
+                    <a:noFill/>
+                  </a:tcPr>
+                </a:tc>
+                <a:extLst>
+                  <a:ext uri="{0D108BD9-81ED-4DB2-BD59-A6C34878D82A}">
+                    <a16:rowId xmlns:a16="http://schemas.microsoft.com/office/drawing/2014/main" val="761621608"/>
+                  </a:ext>
+                </a:extLst>
+              </a:tr>
+              <a:tr h="0">
+                <a:tc>
+                  <a:txBody>
+                    <a:bodyPr/>
+                    <a:lstStyle/>
+                    <a:p>
+                      <a:endParaRPr lang="en-GB" sz="100" dirty="0"/>
+                    </a:p>
+                  </a:txBody>
+                  <a:tcPr>
+                    <a:lnL w="12700" cap="flat" cmpd="sng" algn="ctr">
+                      <a:noFill/>
+                      <a:prstDash val="solid"/>
+                      <a:round/>
+                      <a:headEnd type="none" w="med" len="med"/>
+                      <a:tailEnd type="none" w="med" len="med"/>
+                    </a:lnL>
+                    <a:lnR w="12700" cap="flat" cmpd="sng" algn="ctr">
+                      <a:noFill/>
+                      <a:prstDash val="solid"/>
+                      <a:round/>
+                      <a:headEnd type="none" w="med" len="med"/>
+                      <a:tailEnd type="none" w="med" len="med"/>
+                    </a:lnR>
+                    <a:lnT w="12700" cap="flat" cmpd="sng" algn="ctr">
+                      <a:noFill/>
+                      <a:prstDash val="solid"/>
+                      <a:round/>
+                      <a:headEnd type="none" w="med" len="med"/>
+                      <a:tailEnd type="none" w="med" len="med"/>
+                    </a:lnT>
+                    <a:lnB w="12700" cap="flat" cmpd="sng" algn="ctr">
+                      <a:noFill/>
+                      <a:prstDash val="solid"/>
+                      <a:round/>
+                      <a:headEnd type="none" w="med" len="med"/>
+                      <a:tailEnd type="none" w="med" len="med"/>
+                    </a:lnB>
+                    <a:lnTlToBr w="12700" cmpd="sng">
+                      <a:noFill/>
+                      <a:prstDash val="solid"/>
+                    </a:lnTlToBr>
+                    <a:lnBlToTr w="12700" cmpd="sng">
+                      <a:noFill/>
+                      <a:prstDash val="solid"/>
+                    </a:lnBlToTr>
+                    <a:noFill/>
+                  </a:tcPr>
+                </a:tc>
+                <a:tc vMerge="1">
+                  <a:txBody>
+                    <a:bodyPr/>
+                    <a:lstStyle/>
+                    <a:p>
+                      <a:endParaRPr lang="en-GB" dirty="0"/>
+                    </a:p>
+                  </a:txBody>
+                  <a:tcPr>
+                    <a:lnL w="12700" cap="flat" cmpd="sng" algn="ctr">
+                      <a:solidFill>
+                        <a:schemeClr val="tx1"/>
+                      </a:solidFill>
+                      <a:prstDash val="solid"/>
+                      <a:round/>
+                      <a:headEnd type="none" w="med" len="med"/>
+                      <a:tailEnd type="none" w="med" len="med"/>
+                    </a:lnL>
+                    <a:lnR w="12700" cap="flat" cmpd="sng" algn="ctr">
+                      <a:solidFill>
+                        <a:schemeClr val="tx1"/>
+                      </a:solidFill>
+                      <a:prstDash val="solid"/>
+                      <a:round/>
+                      <a:headEnd type="none" w="med" len="med"/>
+                      <a:tailEnd type="none" w="med" len="med"/>
+                    </a:lnR>
+                    <a:lnT w="12700" cap="flat" cmpd="sng" algn="ctr">
+                      <a:solidFill>
+                        <a:schemeClr val="tx1"/>
+                      </a:solidFill>
+                      <a:prstDash val="solid"/>
+                      <a:round/>
+                      <a:headEnd type="none" w="med" len="med"/>
+                      <a:tailEnd type="none" w="med" len="med"/>
+                    </a:lnT>
+                    <a:lnB w="12700" cap="flat" cmpd="sng" algn="ctr">
+                      <a:solidFill>
+                        <a:schemeClr val="tx1"/>
+                      </a:solidFill>
+                      <a:prstDash val="solid"/>
+                      <a:round/>
+                      <a:headEnd type="none" w="med" len="med"/>
+                      <a:tailEnd type="none" w="med" len="med"/>
+                    </a:lnB>
+                    <a:noFill/>
+                  </a:tcPr>
+                </a:tc>
+                <a:tc>
+                  <a:txBody>
+                    <a:bodyPr/>
+                    <a:lstStyle/>
+                    <a:p>
+                      <a:endParaRPr lang="en-GB" sz="100" dirty="0"/>
+                    </a:p>
+                  </a:txBody>
+                  <a:tcPr>
+                    <a:lnL w="12700" cap="flat" cmpd="sng" algn="ctr">
+                      <a:noFill/>
+                      <a:prstDash val="solid"/>
+                      <a:round/>
+                      <a:headEnd type="none" w="med" len="med"/>
+                      <a:tailEnd type="none" w="med" len="med"/>
+                    </a:lnL>
+                    <a:lnR w="12700" cap="flat" cmpd="sng" algn="ctr">
+                      <a:noFill/>
+                      <a:prstDash val="solid"/>
+                      <a:round/>
+                      <a:headEnd type="none" w="med" len="med"/>
+                      <a:tailEnd type="none" w="med" len="med"/>
+                    </a:lnR>
+                    <a:lnT w="12700" cap="flat" cmpd="sng" algn="ctr">
+                      <a:noFill/>
+                      <a:prstDash val="solid"/>
+                      <a:round/>
+                      <a:headEnd type="none" w="med" len="med"/>
+                      <a:tailEnd type="none" w="med" len="med"/>
+                    </a:lnT>
+                    <a:lnB w="12700" cap="flat" cmpd="sng" algn="ctr">
+                      <a:noFill/>
+                      <a:prstDash val="solid"/>
+                      <a:round/>
+                      <a:headEnd type="none" w="med" len="med"/>
+                      <a:tailEnd type="none" w="med" len="med"/>
+                    </a:lnB>
+                    <a:lnTlToBr w="12700" cmpd="sng">
+                      <a:noFill/>
+                      <a:prstDash val="solid"/>
+                    </a:lnTlToBr>
+                    <a:lnBlToTr w="12700" cmpd="sng">
+                      <a:noFill/>
+                      <a:prstDash val="solid"/>
+                    </a:lnBlToTr>
+                    <a:noFill/>
+                  </a:tcPr>
+                </a:tc>
+                <a:tc vMerge="1">
+                  <a:txBody>
+                    <a:bodyPr/>
+                    <a:lstStyle/>
+                    <a:p>
+                      <a:endParaRPr lang="en-GB" dirty="0"/>
+                    </a:p>
+                  </a:txBody>
+                  <a:tcPr>
+                    <a:lnL w="12700" cap="flat" cmpd="sng" algn="ctr">
+                      <a:solidFill>
+                        <a:schemeClr val="tx1"/>
+                      </a:solidFill>
+                      <a:prstDash val="solid"/>
+                      <a:round/>
+                      <a:headEnd type="none" w="med" len="med"/>
+                      <a:tailEnd type="none" w="med" len="med"/>
+                    </a:lnL>
+                    <a:lnR w="12700" cap="flat" cmpd="sng" algn="ctr">
+                      <a:solidFill>
+                        <a:schemeClr val="tx1"/>
+                      </a:solidFill>
+                      <a:prstDash val="solid"/>
+                      <a:round/>
+                      <a:headEnd type="none" w="med" len="med"/>
+                      <a:tailEnd type="none" w="med" len="med"/>
+                    </a:lnR>
+                    <a:lnT w="12700" cap="flat" cmpd="sng" algn="ctr">
+                      <a:solidFill>
+                        <a:schemeClr val="tx1"/>
+                      </a:solidFill>
+                      <a:prstDash val="solid"/>
+                      <a:round/>
+                      <a:headEnd type="none" w="med" len="med"/>
+                      <a:tailEnd type="none" w="med" len="med"/>
+                    </a:lnT>
+                    <a:lnB w="12700" cap="flat" cmpd="sng" algn="ctr">
+                      <a:solidFill>
+                        <a:schemeClr val="tx1"/>
+                      </a:solidFill>
+                      <a:prstDash val="solid"/>
+                      <a:round/>
+                      <a:headEnd type="none" w="med" len="med"/>
+                      <a:tailEnd type="none" w="med" len="med"/>
+                    </a:lnB>
+                    <a:noFill/>
+                  </a:tcPr>
+                </a:tc>
+                <a:extLst>
+                  <a:ext uri="{0D108BD9-81ED-4DB2-BD59-A6C34878D82A}">
+                    <a16:rowId xmlns:a16="http://schemas.microsoft.com/office/drawing/2014/main" val="2666066417"/>
+                  </a:ext>
+                </a:extLst>
+              </a:tr>
+              <a:tr h="540000">
+                <a:tc>
+                  <a:txBody>
+                    <a:bodyPr/>
+                    <a:lstStyle/>
+                    <a:p>
+                      <a:endParaRPr lang="en-GB" dirty="0"/>
+                    </a:p>
+                  </a:txBody>
+                  <a:tcPr>
+                    <a:lnL w="12700" cap="flat" cmpd="sng" algn="ctr">
+                      <a:noFill/>
+                      <a:prstDash val="solid"/>
+                      <a:round/>
+                      <a:headEnd type="none" w="med" len="med"/>
+                      <a:tailEnd type="none" w="med" len="med"/>
+                    </a:lnL>
+                    <a:lnR w="12700" cap="flat" cmpd="sng" algn="ctr">
+                      <a:noFill/>
+                      <a:prstDash val="solid"/>
+                      <a:round/>
+                      <a:headEnd type="none" w="med" len="med"/>
+                      <a:tailEnd type="none" w="med" len="med"/>
+                    </a:lnR>
+                    <a:lnT w="12700" cap="flat" cmpd="sng" algn="ctr">
+                      <a:noFill/>
+                      <a:prstDash val="solid"/>
+                      <a:round/>
+                      <a:headEnd type="none" w="med" len="med"/>
+                      <a:tailEnd type="none" w="med" len="med"/>
+                    </a:lnT>
+                    <a:lnB w="12700" cap="flat" cmpd="sng" algn="ctr">
+                      <a:noFill/>
+                      <a:prstDash val="solid"/>
+                      <a:round/>
+                      <a:headEnd type="none" w="med" len="med"/>
+                      <a:tailEnd type="none" w="med" len="med"/>
+                    </a:lnB>
+                    <a:lnTlToBr w="12700" cmpd="sng">
+                      <a:noFill/>
+                      <a:prstDash val="solid"/>
+                    </a:lnTlToBr>
+                    <a:lnBlToTr w="12700" cmpd="sng">
+                      <a:noFill/>
+                      <a:prstDash val="solid"/>
+                    </a:lnBlToTr>
+                    <a:blipFill>
+                      <a:blip r:embed="rId18">
+                        <a:extLst>
+                          <a:ext uri="{96DAC541-7B7A-43D3-8B79-37D633B846F1}">
+                            <asvg:svgBlip xmlns:asvg="http://schemas.microsoft.com/office/drawing/2016/SVG/main" r:embed="rId19"/>
+                          </a:ext>
+                        </a:extLst>
+                      </a:blip>
+                      <a:stretch>
+                        <a:fillRect/>
+                      </a:stretch>
+                    </a:blipFill>
+                  </a:tcPr>
+                </a:tc>
+                <a:tc rowSpan="2">
+                  <a:txBody>
+                    <a:bodyPr/>
+                    <a:lstStyle/>
+                    <a:p>
+                      <a:endParaRPr lang="en-GB" sz="2200" dirty="0"/>
+                    </a:p>
+                  </a:txBody>
+                  <a:tcPr marL="108000" marR="72000" marT="72000" marB="36000">
+                    <a:lnL w="12700" cap="flat" cmpd="sng" algn="ctr">
+                      <a:noFill/>
+                      <a:prstDash val="solid"/>
+                      <a:round/>
+                      <a:headEnd type="none" w="med" len="med"/>
+                      <a:tailEnd type="none" w="med" len="med"/>
+                    </a:lnL>
+                    <a:lnR w="12700" cap="flat" cmpd="sng" algn="ctr">
+                      <a:noFill/>
+                      <a:prstDash val="solid"/>
+                      <a:round/>
+                      <a:headEnd type="none" w="med" len="med"/>
+                      <a:tailEnd type="none" w="med" len="med"/>
+                    </a:lnR>
+                    <a:lnT w="12700" cap="flat" cmpd="sng" algn="ctr">
+                      <a:noFill/>
+                      <a:prstDash val="solid"/>
+                      <a:round/>
+                      <a:headEnd type="none" w="med" len="med"/>
+                      <a:tailEnd type="none" w="med" len="med"/>
+                    </a:lnT>
+                    <a:lnB w="12700" cap="flat" cmpd="sng" algn="ctr">
+                      <a:noFill/>
+                      <a:prstDash val="solid"/>
+                      <a:round/>
+                      <a:headEnd type="none" w="med" len="med"/>
+                      <a:tailEnd type="none" w="med" len="med"/>
+                    </a:lnB>
+                    <a:lnTlToBr w="12700" cmpd="sng">
+                      <a:noFill/>
+                      <a:prstDash val="solid"/>
+                    </a:lnTlToBr>
+                    <a:lnBlToTr w="12700" cmpd="sng">
+                      <a:noFill/>
+                      <a:prstDash val="solid"/>
+                    </a:lnBlToTr>
+                    <a:noFill/>
+                  </a:tcPr>
+                </a:tc>
+                <a:tc>
+                  <a:txBody>
+                    <a:bodyPr/>
+                    <a:lstStyle/>
+                    <a:p>
+                      <a:endParaRPr lang="en-GB" dirty="0"/>
+                    </a:p>
+                  </a:txBody>
+                  <a:tcPr>
+                    <a:lnL w="12700" cap="flat" cmpd="sng" algn="ctr">
+                      <a:noFill/>
+                      <a:prstDash val="solid"/>
+                      <a:round/>
+                      <a:headEnd type="none" w="med" len="med"/>
+                      <a:tailEnd type="none" w="med" len="med"/>
+                    </a:lnL>
+                    <a:lnR w="12700" cap="flat" cmpd="sng" algn="ctr">
+                      <a:noFill/>
+                      <a:prstDash val="solid"/>
+                      <a:round/>
+                      <a:headEnd type="none" w="med" len="med"/>
+                      <a:tailEnd type="none" w="med" len="med"/>
+                    </a:lnR>
+                    <a:lnT w="12700" cap="flat" cmpd="sng" algn="ctr">
+                      <a:noFill/>
+                      <a:prstDash val="solid"/>
+                      <a:round/>
+                      <a:headEnd type="none" w="med" len="med"/>
+                      <a:tailEnd type="none" w="med" len="med"/>
+                    </a:lnT>
+                    <a:lnB w="12700" cap="flat" cmpd="sng" algn="ctr">
+                      <a:noFill/>
+                      <a:prstDash val="solid"/>
+                      <a:round/>
+                      <a:headEnd type="none" w="med" len="med"/>
+                      <a:tailEnd type="none" w="med" len="med"/>
+                    </a:lnB>
+                    <a:lnTlToBr w="12700" cmpd="sng">
+                      <a:noFill/>
+                      <a:prstDash val="solid"/>
+                    </a:lnTlToBr>
+                    <a:lnBlToTr w="12700" cmpd="sng">
+                      <a:noFill/>
+                      <a:prstDash val="solid"/>
+                    </a:lnBlToTr>
+                    <a:blipFill>
+                      <a:blip r:embed="rId20">
+                        <a:extLst>
+                          <a:ext uri="{96DAC541-7B7A-43D3-8B79-37D633B846F1}">
+                            <asvg:svgBlip xmlns:asvg="http://schemas.microsoft.com/office/drawing/2016/SVG/main" r:embed="rId21"/>
+                          </a:ext>
+                        </a:extLst>
+                      </a:blip>
+                      <a:stretch>
+                        <a:fillRect/>
+                      </a:stretch>
+                    </a:blipFill>
+                  </a:tcPr>
+                </a:tc>
+                <a:tc rowSpan="2">
+                  <a:txBody>
+                    <a:bodyPr/>
+                    <a:lstStyle/>
+                    <a:p>
+                      <a:endParaRPr lang="en-GB" sz="2200" dirty="0"/>
+                    </a:p>
+                  </a:txBody>
+                  <a:tcPr marL="108000" marR="36000" marT="72000" marB="36000">
+                    <a:lnL w="12700" cap="flat" cmpd="sng" algn="ctr">
+                      <a:noFill/>
+                      <a:prstDash val="solid"/>
+                      <a:round/>
+                      <a:headEnd type="none" w="med" len="med"/>
+                      <a:tailEnd type="none" w="med" len="med"/>
+                    </a:lnL>
+                    <a:lnR w="12700" cap="flat" cmpd="sng" algn="ctr">
+                      <a:noFill/>
+                      <a:prstDash val="solid"/>
+                      <a:round/>
+                      <a:headEnd type="none" w="med" len="med"/>
+                      <a:tailEnd type="none" w="med" len="med"/>
+                    </a:lnR>
+                    <a:lnT w="12700" cap="flat" cmpd="sng" algn="ctr">
+                      <a:noFill/>
+                      <a:prstDash val="solid"/>
+                      <a:round/>
+                      <a:headEnd type="none" w="med" len="med"/>
+                      <a:tailEnd type="none" w="med" len="med"/>
+                    </a:lnT>
+                    <a:lnB w="12700" cap="flat" cmpd="sng" algn="ctr">
+                      <a:noFill/>
+                      <a:prstDash val="solid"/>
+                      <a:round/>
+                      <a:headEnd type="none" w="med" len="med"/>
+                      <a:tailEnd type="none" w="med" len="med"/>
+                    </a:lnB>
+                    <a:lnTlToBr w="12700" cmpd="sng">
+                      <a:noFill/>
+                      <a:prstDash val="solid"/>
+                    </a:lnTlToBr>
+                    <a:lnBlToTr w="12700" cmpd="sng">
+                      <a:noFill/>
+                      <a:prstDash val="solid"/>
+                    </a:lnBlToTr>
+                    <a:noFill/>
+                  </a:tcPr>
+                </a:tc>
+                <a:extLst>
+                  <a:ext uri="{0D108BD9-81ED-4DB2-BD59-A6C34878D82A}">
+                    <a16:rowId xmlns:a16="http://schemas.microsoft.com/office/drawing/2014/main" val="3169105705"/>
+                  </a:ext>
+                </a:extLst>
+              </a:tr>
+              <a:tr h="0">
+                <a:tc>
+                  <a:txBody>
+                    <a:bodyPr/>
+                    <a:lstStyle/>
+                    <a:p>
+                      <a:endParaRPr lang="en-GB" sz="100" dirty="0"/>
+                    </a:p>
+                  </a:txBody>
+                  <a:tcPr>
+                    <a:lnL w="12700" cap="flat" cmpd="sng" algn="ctr">
+                      <a:noFill/>
+                      <a:prstDash val="solid"/>
+                      <a:round/>
+                      <a:headEnd type="none" w="med" len="med"/>
+                      <a:tailEnd type="none" w="med" len="med"/>
+                    </a:lnL>
+                    <a:lnR w="12700" cap="flat" cmpd="sng" algn="ctr">
+                      <a:noFill/>
+                      <a:prstDash val="solid"/>
+                      <a:round/>
+                      <a:headEnd type="none" w="med" len="med"/>
+                      <a:tailEnd type="none" w="med" len="med"/>
+                    </a:lnR>
+                    <a:lnT w="12700" cap="flat" cmpd="sng" algn="ctr">
+                      <a:noFill/>
+                      <a:prstDash val="solid"/>
+                      <a:round/>
+                      <a:headEnd type="none" w="med" len="med"/>
+                      <a:tailEnd type="none" w="med" len="med"/>
+                    </a:lnT>
+                    <a:lnB w="12700" cap="flat" cmpd="sng" algn="ctr">
+                      <a:noFill/>
+                      <a:prstDash val="solid"/>
+                      <a:round/>
+                      <a:headEnd type="none" w="med" len="med"/>
+                      <a:tailEnd type="none" w="med" len="med"/>
+                    </a:lnB>
+                    <a:lnTlToBr w="12700" cmpd="sng">
+                      <a:noFill/>
+                      <a:prstDash val="solid"/>
+                    </a:lnTlToBr>
+                    <a:lnBlToTr w="12700" cmpd="sng">
+                      <a:noFill/>
+                      <a:prstDash val="solid"/>
+                    </a:lnBlToTr>
+                    <a:noFill/>
+                  </a:tcPr>
+                </a:tc>
+                <a:tc vMerge="1">
+                  <a:txBody>
+                    <a:bodyPr/>
+                    <a:lstStyle/>
+                    <a:p>
+                      <a:endParaRPr lang="en-GB" dirty="0"/>
+                    </a:p>
+                  </a:txBody>
+                  <a:tcPr>
+                    <a:lnL w="12700" cap="flat" cmpd="sng" algn="ctr">
+                      <a:solidFill>
+                        <a:schemeClr val="tx1"/>
+                      </a:solidFill>
+                      <a:prstDash val="solid"/>
+                      <a:round/>
+                      <a:headEnd type="none" w="med" len="med"/>
+                      <a:tailEnd type="none" w="med" len="med"/>
+                    </a:lnL>
+                    <a:lnR w="12700" cap="flat" cmpd="sng" algn="ctr">
+                      <a:solidFill>
+                        <a:schemeClr val="tx1"/>
+                      </a:solidFill>
+                      <a:prstDash val="solid"/>
+                      <a:round/>
+                      <a:headEnd type="none" w="med" len="med"/>
+                      <a:tailEnd type="none" w="med" len="med"/>
+                    </a:lnR>
+                    <a:lnT w="12700" cap="flat" cmpd="sng" algn="ctr">
+                      <a:solidFill>
+                        <a:schemeClr val="tx1"/>
+                      </a:solidFill>
+                      <a:prstDash val="solid"/>
+                      <a:round/>
+                      <a:headEnd type="none" w="med" len="med"/>
+                      <a:tailEnd type="none" w="med" len="med"/>
+                    </a:lnT>
+                    <a:lnB w="12700" cap="flat" cmpd="sng" algn="ctr">
+                      <a:solidFill>
+                        <a:schemeClr val="tx1"/>
+                      </a:solidFill>
+                      <a:prstDash val="solid"/>
+                      <a:round/>
+                      <a:headEnd type="none" w="med" len="med"/>
+                      <a:tailEnd type="none" w="med" len="med"/>
+                    </a:lnB>
+                    <a:noFill/>
+                  </a:tcPr>
+                </a:tc>
+                <a:tc>
+                  <a:txBody>
+                    <a:bodyPr/>
+                    <a:lstStyle/>
+                    <a:p>
+                      <a:endParaRPr lang="en-GB" sz="100" dirty="0"/>
+                    </a:p>
+                  </a:txBody>
+                  <a:tcPr>
+                    <a:lnL w="12700" cap="flat" cmpd="sng" algn="ctr">
+                      <a:noFill/>
+                      <a:prstDash val="solid"/>
+                      <a:round/>
+                      <a:headEnd type="none" w="med" len="med"/>
+                      <a:tailEnd type="none" w="med" len="med"/>
+                    </a:lnL>
+                    <a:lnR w="12700" cap="flat" cmpd="sng" algn="ctr">
+                      <a:noFill/>
+                      <a:prstDash val="solid"/>
+                      <a:round/>
+                      <a:headEnd type="none" w="med" len="med"/>
+                      <a:tailEnd type="none" w="med" len="med"/>
+                    </a:lnR>
+                    <a:lnT w="12700" cap="flat" cmpd="sng" algn="ctr">
+                      <a:noFill/>
+                      <a:prstDash val="solid"/>
+                      <a:round/>
+                      <a:headEnd type="none" w="med" len="med"/>
+                      <a:tailEnd type="none" w="med" len="med"/>
+                    </a:lnT>
+                    <a:lnB w="12700" cap="flat" cmpd="sng" algn="ctr">
+                      <a:noFill/>
+                      <a:prstDash val="solid"/>
+                      <a:round/>
+                      <a:headEnd type="none" w="med" len="med"/>
+                      <a:tailEnd type="none" w="med" len="med"/>
+                    </a:lnB>
+                    <a:lnTlToBr w="12700" cmpd="sng">
+                      <a:noFill/>
+                      <a:prstDash val="solid"/>
+                    </a:lnTlToBr>
+                    <a:lnBlToTr w="12700" cmpd="sng">
+                      <a:noFill/>
+                      <a:prstDash val="solid"/>
+                    </a:lnBlToTr>
+                    <a:noFill/>
+                  </a:tcPr>
+                </a:tc>
+                <a:tc vMerge="1">
+                  <a:txBody>
+                    <a:bodyPr/>
+                    <a:lstStyle/>
+                    <a:p>
+                      <a:endParaRPr lang="en-GB" dirty="0"/>
+                    </a:p>
+                  </a:txBody>
+                  <a:tcPr>
+                    <a:lnL w="12700" cap="flat" cmpd="sng" algn="ctr">
+                      <a:solidFill>
+                        <a:schemeClr val="tx1"/>
+                      </a:solidFill>
+                      <a:prstDash val="solid"/>
+                      <a:round/>
+                      <a:headEnd type="none" w="med" len="med"/>
+                      <a:tailEnd type="none" w="med" len="med"/>
+                    </a:lnL>
+                    <a:lnR w="12700" cap="flat" cmpd="sng" algn="ctr">
+                      <a:solidFill>
+                        <a:schemeClr val="tx1"/>
+                      </a:solidFill>
+                      <a:prstDash val="solid"/>
+                      <a:round/>
+                      <a:headEnd type="none" w="med" len="med"/>
+                      <a:tailEnd type="none" w="med" len="med"/>
+                    </a:lnR>
+                    <a:lnT w="12700" cap="flat" cmpd="sng" algn="ctr">
+                      <a:solidFill>
+                        <a:schemeClr val="tx1"/>
+                      </a:solidFill>
+                      <a:prstDash val="solid"/>
+                      <a:round/>
+                      <a:headEnd type="none" w="med" len="med"/>
+                      <a:tailEnd type="none" w="med" len="med"/>
+                    </a:lnT>
+                    <a:lnB w="12700" cap="flat" cmpd="sng" algn="ctr">
+                      <a:solidFill>
+                        <a:schemeClr val="tx1"/>
+                      </a:solidFill>
+                      <a:prstDash val="solid"/>
+                      <a:round/>
+                      <a:headEnd type="none" w="med" len="med"/>
+                      <a:tailEnd type="none" w="med" len="med"/>
+                    </a:lnB>
+                    <a:noFill/>
+                  </a:tcPr>
+                </a:tc>
+                <a:extLst>
+                  <a:ext uri="{0D108BD9-81ED-4DB2-BD59-A6C34878D82A}">
+                    <a16:rowId xmlns:a16="http://schemas.microsoft.com/office/drawing/2014/main" val="1835673635"/>
+                  </a:ext>
+                </a:extLst>
+              </a:tr>
+            </a:tbl>
+          </a:graphicData>
+        </a:graphic>
+      </p:graphicFrame>
+    </p:spTree>
+    <p:extLst>
+      <p:ext uri="{BB962C8B-B14F-4D97-AF65-F5344CB8AC3E}">
+        <p14:creationId xmlns:p14="http://schemas.microsoft.com/office/powerpoint/2010/main" val="739172711"/>
+      </p:ext>
+    </p:extLst>
+  </p:cSld>
+  <p:clrMapOvr>
+    <a:masterClrMapping/>
+  </p:clrMapOvr>
+  <mc:AlternateContent xmlns:mc="http://schemas.openxmlformats.org/markup-compatibility/2006" xmlns:p159="http://schemas.microsoft.com/office/powerpoint/2015/09/main">
+    <mc:Choice Requires="p159">
+      <p:transition spd="slow">
+        <p159:morph option="byObject"/>
+      </p:transition>
+    </mc:Choice>
+    <mc:Fallback xmlns="">
+      <p:transition spd="slow">
+        <p:fade/>
+      </p:transition>
+    </mc:Fallback>
+  </mc:AlternateContent>
+</p:sldLayout>
+</file>
+
+<file path=ppt/slideLayouts/slideLayout2.xml><?xml version="1.0" encoding="utf-8"?>
+<p:sldLayout xmlns:a="http://schemas.openxmlformats.org/drawingml/2006/main" xmlns:r="http://schemas.openxmlformats.org/officeDocument/2006/relationships" xmlns:p="http://schemas.openxmlformats.org/presentationml/2006/main" preserve="1" userDrawn="1">
+  <p:cSld name="Outline 5">
+    <p:spTree>
+      <p:nvGrpSpPr>
+        <p:cNvPr id="1" name=""/>
+        <p:cNvGrpSpPr/>
+        <p:nvPr/>
+      </p:nvGrpSpPr>
+      <p:grpSpPr>
+        <a:xfrm>
+          <a:off x="0" y="0"/>
+          <a:ext cx="0" cy="0"/>
+          <a:chOff x="0" y="0"/>
+          <a:chExt cx="0" cy="0"/>
+        </a:xfrm>
+      </p:grpSpPr>
+      <p:sp>
+        <p:nvSpPr>
+          <p:cNvPr id="2" name="Title 1">
+            <a:extLst>
+              <a:ext uri="{FF2B5EF4-FFF2-40B4-BE49-F238E27FC236}">
+                <a16:creationId xmlns:a16="http://schemas.microsoft.com/office/drawing/2014/main" id="{2C63FB93-0A54-F0A3-44FD-9D6D98D41620}"/>
+              </a:ext>
+            </a:extLst>
+          </p:cNvPr>
+          <p:cNvSpPr>
+            <a:spLocks noGrp="1"/>
+          </p:cNvSpPr>
+          <p:nvPr>
+            <p:ph type="title" hasCustomPrompt="1"/>
+          </p:nvPr>
+        </p:nvSpPr>
+        <p:spPr>
+          <a:xfrm>
+            <a:off x="1210283" y="606093"/>
+            <a:ext cx="9876849" cy="911576"/>
+          </a:xfrm>
+        </p:spPr>
+        <p:txBody>
+          <a:bodyPr>
+            <a:noAutofit/>
+          </a:bodyPr>
+          <a:lstStyle>
+            <a:lvl1pPr algn="ctr">
+              <a:defRPr sz="7200" b="1">
+                <a:latin typeface="+mn-lt"/>
+              </a:defRPr>
+            </a:lvl1pPr>
+          </a:lstStyle>
+          <a:p>
+            <a:r>
+              <a:rPr lang="en-GB" dirty="0"/>
+              <a:t>Add Outline title</a:t>
+            </a:r>
+          </a:p>
+        </p:txBody>
+      </p:sp>
+      <p:sp>
+        <p:nvSpPr>
+          <p:cNvPr id="3" name="Date Placeholder 2">
+            <a:extLst>
+              <a:ext uri="{FF2B5EF4-FFF2-40B4-BE49-F238E27FC236}">
+                <a16:creationId xmlns:a16="http://schemas.microsoft.com/office/drawing/2014/main" id="{9DFD10C5-6787-77AE-977F-D7E7083D0218}"/>
+              </a:ext>
+            </a:extLst>
+          </p:cNvPr>
+          <p:cNvSpPr>
+            <a:spLocks noGrp="1"/>
+          </p:cNvSpPr>
+          <p:nvPr>
+            <p:ph type="dt" sz="half" idx="10"/>
+          </p:nvPr>
+        </p:nvSpPr>
+        <p:spPr/>
+        <p:txBody>
+          <a:bodyPr/>
+          <a:lstStyle/>
+          <a:p>
+            <a:fld id="{788092F9-6256-4094-B17C-7B35EF85E378}" type="datetime1">
+              <a:rPr lang="en-GB" smtClean="0"/>
+              <a:t>17/10/2024</a:t>
+            </a:fld>
+            <a:endParaRPr lang="en-GB" dirty="0"/>
+          </a:p>
+        </p:txBody>
+      </p:sp>
+      <p:sp>
+        <p:nvSpPr>
+          <p:cNvPr id="4" name="Footer Placeholder 3">
+            <a:extLst>
+              <a:ext uri="{FF2B5EF4-FFF2-40B4-BE49-F238E27FC236}">
+                <a16:creationId xmlns:a16="http://schemas.microsoft.com/office/drawing/2014/main" id="{10E36E4D-BDDF-D97C-2EC6-0E974709B129}"/>
+              </a:ext>
+            </a:extLst>
+          </p:cNvPr>
+          <p:cNvSpPr>
+            <a:spLocks noGrp="1"/>
+          </p:cNvSpPr>
+          <p:nvPr>
+            <p:ph type="ftr" sz="quarter" idx="11"/>
+          </p:nvPr>
+        </p:nvSpPr>
+        <p:spPr/>
+        <p:txBody>
+          <a:bodyPr/>
+          <a:lstStyle/>
+          <a:p>
+            <a:r>
+              <a:rPr lang="en-GB"/>
+              <a:t>Mobility citizenship in the UK</a:t>
+            </a:r>
+            <a:endParaRPr lang="en-GB" dirty="0"/>
+          </a:p>
+        </p:txBody>
+      </p:sp>
+      <p:sp>
+        <p:nvSpPr>
+          <p:cNvPr id="5" name="Slide Number Placeholder 4">
+            <a:extLst>
+              <a:ext uri="{FF2B5EF4-FFF2-40B4-BE49-F238E27FC236}">
+                <a16:creationId xmlns:a16="http://schemas.microsoft.com/office/drawing/2014/main" id="{FFD1CEC6-7F83-2BE7-95A9-5DF472D2439E}"/>
+              </a:ext>
+            </a:extLst>
+          </p:cNvPr>
+          <p:cNvSpPr>
+            <a:spLocks noGrp="1"/>
+          </p:cNvSpPr>
+          <p:nvPr>
+            <p:ph type="sldNum" sz="quarter" idx="12"/>
+          </p:nvPr>
+        </p:nvSpPr>
+        <p:spPr/>
+        <p:txBody>
+          <a:bodyPr/>
+          <a:lstStyle/>
+          <a:p>
+            <a:fld id="{9FAA51BB-2FC0-4DB8-B50E-F52D50E733B6}" type="slidenum">
+              <a:rPr lang="en-GB" smtClean="0"/>
+              <a:pPr/>
+              <a:t>‹#›</a:t>
+            </a:fld>
+            <a:endParaRPr lang="en-GB" dirty="0"/>
+          </a:p>
+        </p:txBody>
+      </p:sp>
+      <p:graphicFrame>
+        <p:nvGraphicFramePr>
+          <p:cNvPr id="10" name="Table 9">
+            <a:extLst>
+              <a:ext uri="{FF2B5EF4-FFF2-40B4-BE49-F238E27FC236}">
+                <a16:creationId xmlns:a16="http://schemas.microsoft.com/office/drawing/2014/main" id="{0B44C630-4CDA-FEAA-2CD8-FEA97D8F0A77}"/>
+              </a:ext>
+            </a:extLst>
+          </p:cNvPr>
+          <p:cNvGraphicFramePr>
+            <a:graphicFrameLocks noGrp="1"/>
+          </p:cNvGraphicFramePr>
+          <p:nvPr userDrawn="1">
+            <p:extLst>
+              <p:ext uri="{D42A27DB-BD31-4B8C-83A1-F6EECF244321}">
+                <p14:modId xmlns:p14="http://schemas.microsoft.com/office/powerpoint/2010/main" val="1560834631"/>
+              </p:ext>
+            </p:extLst>
+          </p:nvPr>
+        </p:nvGraphicFramePr>
+        <p:xfrm>
+          <a:off x="1210282" y="1971714"/>
+          <a:ext cx="9876850" cy="3228760"/>
+        </p:xfrm>
+        <a:graphic>
+          <a:graphicData uri="http://schemas.openxmlformats.org/drawingml/2006/table">
+            <a:tbl>
+              <a:tblPr>
+                <a:tableStyleId>{5C22544A-7EE6-4342-B048-85BDC9FD1C3A}</a:tableStyleId>
+              </a:tblPr>
+              <a:tblGrid>
+                <a:gridCol w="601101">
+                  <a:extLst>
+                    <a:ext uri="{9D8B030D-6E8A-4147-A177-3AD203B41FA5}">
+                      <a16:colId xmlns:a16="http://schemas.microsoft.com/office/drawing/2014/main" val="547184884"/>
+                    </a:ext>
+                  </a:extLst>
+                </a:gridCol>
+                <a:gridCol w="9275749">
+                  <a:extLst>
+                    <a:ext uri="{9D8B030D-6E8A-4147-A177-3AD203B41FA5}">
+                      <a16:colId xmlns:a16="http://schemas.microsoft.com/office/drawing/2014/main" val="4258649048"/>
+                    </a:ext>
+                  </a:extLst>
+                </a:gridCol>
+              </a:tblGrid>
+              <a:tr h="540000">
+                <a:tc>
+                  <a:txBody>
+                    <a:bodyPr/>
+                    <a:lstStyle/>
+                    <a:p>
+                      <a:endParaRPr lang="en-GB" dirty="0"/>
+                    </a:p>
+                  </a:txBody>
+                  <a:tcPr>
+                    <a:lnL w="12700" cap="flat" cmpd="sng" algn="ctr">
+                      <a:noFill/>
+                      <a:prstDash val="solid"/>
+                      <a:round/>
+                      <a:headEnd type="none" w="med" len="med"/>
+                      <a:tailEnd type="none" w="med" len="med"/>
+                    </a:lnL>
+                    <a:lnR w="12700" cap="flat" cmpd="sng" algn="ctr">
+                      <a:noFill/>
+                      <a:prstDash val="solid"/>
+                      <a:round/>
+                      <a:headEnd type="none" w="med" len="med"/>
+                      <a:tailEnd type="none" w="med" len="med"/>
+                    </a:lnR>
+                    <a:lnT w="12700" cap="flat" cmpd="sng" algn="ctr">
+                      <a:noFill/>
+                      <a:prstDash val="solid"/>
+                      <a:round/>
+                      <a:headEnd type="none" w="med" len="med"/>
+                      <a:tailEnd type="none" w="med" len="med"/>
+                    </a:lnT>
+                    <a:lnB w="12700" cap="flat" cmpd="sng" algn="ctr">
+                      <a:noFill/>
+                      <a:prstDash val="solid"/>
+                      <a:round/>
+                      <a:headEnd type="none" w="med" len="med"/>
+                      <a:tailEnd type="none" w="med" len="med"/>
+                    </a:lnB>
+                    <a:lnTlToBr w="12700" cmpd="sng">
+                      <a:noFill/>
+                      <a:prstDash val="solid"/>
+                    </a:lnTlToBr>
+                    <a:lnBlToTr w="12700" cmpd="sng">
+                      <a:noFill/>
+                      <a:prstDash val="solid"/>
+                    </a:lnBlToTr>
+                    <a:blipFill>
+                      <a:blip r:embed="rId2">
+                        <a:extLst>
+                          <a:ext uri="{96DAC541-7B7A-43D3-8B79-37D633B846F1}">
+                            <asvg:svgBlip xmlns:asvg="http://schemas.microsoft.com/office/drawing/2016/SVG/main" r:embed="rId3"/>
+                          </a:ext>
+                        </a:extLst>
+                      </a:blip>
+                      <a:stretch>
+                        <a:fillRect/>
+                      </a:stretch>
+                    </a:blipFill>
+                  </a:tcPr>
+                </a:tc>
+                <a:tc rowSpan="2">
+                  <a:txBody>
+                    <a:bodyPr/>
+                    <a:lstStyle/>
+                    <a:p>
+                      <a:pPr marL="0" marR="0" lvl="0" indent="0" algn="l" defTabSz="914400" rtl="0" eaLnBrk="1" fontAlgn="auto" latinLnBrk="0" hangingPunct="1">
+                        <a:lnSpc>
+                          <a:spcPct val="100000"/>
+                        </a:lnSpc>
+                        <a:spcBef>
+                          <a:spcPts val="0"/>
+                        </a:spcBef>
+                        <a:spcAft>
+                          <a:spcPts val="0"/>
+                        </a:spcAft>
+                        <a:buClrTx/>
+                        <a:buSzTx/>
+                        <a:buFontTx/>
+                        <a:buNone/>
+                        <a:tabLst/>
+                        <a:defRPr/>
+                      </a:pPr>
+                      <a:r>
+                        <a:rPr lang="en-GB" sz="2200" dirty="0"/>
+                        <a:t>Edit in Master slide view</a:t>
+                      </a:r>
+                    </a:p>
+                  </a:txBody>
+                  <a:tcPr marL="108000" marR="72000" marT="72000" marB="36000">
+                    <a:lnL w="12700" cap="flat" cmpd="sng" algn="ctr">
+                      <a:noFill/>
+                      <a:prstDash val="solid"/>
+                      <a:round/>
+                      <a:headEnd type="none" w="med" len="med"/>
+                      <a:tailEnd type="none" w="med" len="med"/>
+                    </a:lnL>
+                    <a:lnR w="12700" cap="flat" cmpd="sng" algn="ctr">
+                      <a:noFill/>
+                      <a:prstDash val="solid"/>
+                      <a:round/>
+                      <a:headEnd type="none" w="med" len="med"/>
+                      <a:tailEnd type="none" w="med" len="med"/>
+                    </a:lnR>
+                    <a:lnT w="12700" cap="flat" cmpd="sng" algn="ctr">
+                      <a:noFill/>
+                      <a:prstDash val="solid"/>
+                      <a:round/>
+                      <a:headEnd type="none" w="med" len="med"/>
+                      <a:tailEnd type="none" w="med" len="med"/>
+                    </a:lnT>
+                    <a:lnB w="12700" cap="flat" cmpd="sng" algn="ctr">
+                      <a:noFill/>
+                      <a:prstDash val="solid"/>
+                      <a:round/>
+                      <a:headEnd type="none" w="med" len="med"/>
+                      <a:tailEnd type="none" w="med" len="med"/>
+                    </a:lnB>
+                    <a:lnTlToBr w="12700" cmpd="sng">
+                      <a:noFill/>
+                      <a:prstDash val="solid"/>
+                    </a:lnTlToBr>
+                    <a:lnBlToTr w="12700" cmpd="sng">
+                      <a:noFill/>
+                      <a:prstDash val="solid"/>
+                    </a:lnBlToTr>
+                    <a:noFill/>
+                  </a:tcPr>
+                </a:tc>
+                <a:extLst>
+                  <a:ext uri="{0D108BD9-81ED-4DB2-BD59-A6C34878D82A}">
+                    <a16:rowId xmlns:a16="http://schemas.microsoft.com/office/drawing/2014/main" val="1048083708"/>
+                  </a:ext>
+                </a:extLst>
+              </a:tr>
+              <a:tr h="0">
+                <a:tc>
+                  <a:txBody>
+                    <a:bodyPr/>
+                    <a:lstStyle/>
+                    <a:p>
+                      <a:endParaRPr lang="en-GB" sz="100" dirty="0"/>
+                    </a:p>
+                  </a:txBody>
+                  <a:tcPr marL="0" marR="0" marT="0" marB="0">
+                    <a:lnL w="12700" cap="flat" cmpd="sng" algn="ctr">
+                      <a:noFill/>
+                      <a:prstDash val="solid"/>
+                      <a:round/>
+                      <a:headEnd type="none" w="med" len="med"/>
+                      <a:tailEnd type="none" w="med" len="med"/>
+                    </a:lnL>
+                    <a:lnR w="12700" cap="flat" cmpd="sng" algn="ctr">
+                      <a:noFill/>
+                      <a:prstDash val="solid"/>
+                      <a:round/>
+                      <a:headEnd type="none" w="med" len="med"/>
+                      <a:tailEnd type="none" w="med" len="med"/>
+                    </a:lnR>
+                    <a:lnT w="12700" cap="flat" cmpd="sng" algn="ctr">
+                      <a:noFill/>
+                      <a:prstDash val="solid"/>
+                      <a:round/>
+                      <a:headEnd type="none" w="med" len="med"/>
+                      <a:tailEnd type="none" w="med" len="med"/>
+                    </a:lnT>
+                    <a:lnB w="12700" cap="flat" cmpd="sng" algn="ctr">
+                      <a:noFill/>
+                      <a:prstDash val="solid"/>
+                      <a:round/>
+                      <a:headEnd type="none" w="med" len="med"/>
+                      <a:tailEnd type="none" w="med" len="med"/>
+                    </a:lnB>
+                    <a:lnTlToBr w="12700" cmpd="sng">
+                      <a:noFill/>
+                      <a:prstDash val="solid"/>
+                    </a:lnTlToBr>
+                    <a:lnBlToTr w="12700" cmpd="sng">
+                      <a:noFill/>
+                      <a:prstDash val="solid"/>
+                    </a:lnBlToTr>
+                    <a:noFill/>
+                  </a:tcPr>
+                </a:tc>
+                <a:tc vMerge="1">
+                  <a:txBody>
+                    <a:bodyPr/>
+                    <a:lstStyle/>
+                    <a:p>
+                      <a:endParaRPr lang="en-GB" dirty="0"/>
+                    </a:p>
+                  </a:txBody>
+                  <a:tcPr>
+                    <a:lnL w="12700" cap="flat" cmpd="sng" algn="ctr">
+                      <a:solidFill>
+                        <a:schemeClr val="tx1"/>
+                      </a:solidFill>
+                      <a:prstDash val="solid"/>
+                      <a:round/>
+                      <a:headEnd type="none" w="med" len="med"/>
+                      <a:tailEnd type="none" w="med" len="med"/>
+                    </a:lnL>
+                    <a:lnR w="12700" cap="flat" cmpd="sng" algn="ctr">
+                      <a:solidFill>
+                        <a:schemeClr val="tx1"/>
+                      </a:solidFill>
+                      <a:prstDash val="solid"/>
+                      <a:round/>
+                      <a:headEnd type="none" w="med" len="med"/>
+                      <a:tailEnd type="none" w="med" len="med"/>
+                    </a:lnR>
+                    <a:lnT w="12700" cap="flat" cmpd="sng" algn="ctr">
+                      <a:solidFill>
+                        <a:schemeClr val="tx1"/>
+                      </a:solidFill>
+                      <a:prstDash val="solid"/>
+                      <a:round/>
+                      <a:headEnd type="none" w="med" len="med"/>
+                      <a:tailEnd type="none" w="med" len="med"/>
+                    </a:lnT>
+                    <a:lnB w="12700" cap="flat" cmpd="sng" algn="ctr">
+                      <a:solidFill>
+                        <a:schemeClr val="tx1"/>
+                      </a:solidFill>
+                      <a:prstDash val="solid"/>
+                      <a:round/>
+                      <a:headEnd type="none" w="med" len="med"/>
+                      <a:tailEnd type="none" w="med" len="med"/>
+                    </a:lnB>
+                    <a:noFill/>
+                  </a:tcPr>
+                </a:tc>
+                <a:extLst>
+                  <a:ext uri="{0D108BD9-81ED-4DB2-BD59-A6C34878D82A}">
+                    <a16:rowId xmlns:a16="http://schemas.microsoft.com/office/drawing/2014/main" val="3793582230"/>
+                  </a:ext>
+                </a:extLst>
+              </a:tr>
+              <a:tr h="540000">
+                <a:tc>
+                  <a:txBody>
+                    <a:bodyPr/>
+                    <a:lstStyle/>
+                    <a:p>
+                      <a:endParaRPr lang="en-GB" dirty="0"/>
+                    </a:p>
+                  </a:txBody>
+                  <a:tcPr>
+                    <a:lnL w="12700" cap="flat" cmpd="sng" algn="ctr">
+                      <a:noFill/>
+                      <a:prstDash val="solid"/>
+                      <a:round/>
+                      <a:headEnd type="none" w="med" len="med"/>
+                      <a:tailEnd type="none" w="med" len="med"/>
+                    </a:lnL>
+                    <a:lnR w="12700" cap="flat" cmpd="sng" algn="ctr">
+                      <a:noFill/>
+                      <a:prstDash val="solid"/>
+                      <a:round/>
+                      <a:headEnd type="none" w="med" len="med"/>
+                      <a:tailEnd type="none" w="med" len="med"/>
+                    </a:lnR>
+                    <a:lnT w="12700" cap="flat" cmpd="sng" algn="ctr">
+                      <a:noFill/>
+                      <a:prstDash val="solid"/>
+                      <a:round/>
+                      <a:headEnd type="none" w="med" len="med"/>
+                      <a:tailEnd type="none" w="med" len="med"/>
+                    </a:lnT>
+                    <a:lnB w="12700" cap="flat" cmpd="sng" algn="ctr">
+                      <a:noFill/>
+                      <a:prstDash val="solid"/>
+                      <a:round/>
+                      <a:headEnd type="none" w="med" len="med"/>
+                      <a:tailEnd type="none" w="med" len="med"/>
+                    </a:lnB>
+                    <a:lnTlToBr w="12700" cmpd="sng">
+                      <a:noFill/>
+                      <a:prstDash val="solid"/>
+                    </a:lnTlToBr>
+                    <a:lnBlToTr w="12700" cmpd="sng">
+                      <a:noFill/>
+                      <a:prstDash val="solid"/>
+                    </a:lnBlToTr>
+                    <a:blipFill>
+                      <a:blip r:embed="rId4">
+                        <a:extLst>
+                          <a:ext uri="{96DAC541-7B7A-43D3-8B79-37D633B846F1}">
+                            <asvg:svgBlip xmlns:asvg="http://schemas.microsoft.com/office/drawing/2016/SVG/main" r:embed="rId5"/>
+                          </a:ext>
+                        </a:extLst>
+                      </a:blip>
+                      <a:stretch>
+                        <a:fillRect/>
+                      </a:stretch>
+                    </a:blipFill>
+                  </a:tcPr>
+                </a:tc>
+                <a:tc rowSpan="2">
+                  <a:txBody>
+                    <a:bodyPr/>
+                    <a:lstStyle/>
+                    <a:p>
+                      <a:endParaRPr lang="en-GB" sz="2200" dirty="0"/>
+                    </a:p>
+                  </a:txBody>
+                  <a:tcPr marL="108000" marR="72000" marT="72000" marB="36000">
+                    <a:lnL w="12700" cap="flat" cmpd="sng" algn="ctr">
+                      <a:noFill/>
+                      <a:prstDash val="solid"/>
+                      <a:round/>
+                      <a:headEnd type="none" w="med" len="med"/>
+                      <a:tailEnd type="none" w="med" len="med"/>
+                    </a:lnL>
+                    <a:lnR w="12700" cap="flat" cmpd="sng" algn="ctr">
+                      <a:noFill/>
+                      <a:prstDash val="solid"/>
+                      <a:round/>
+                      <a:headEnd type="none" w="med" len="med"/>
+                      <a:tailEnd type="none" w="med" len="med"/>
+                    </a:lnR>
+                    <a:lnT w="12700" cap="flat" cmpd="sng" algn="ctr">
+                      <a:noFill/>
+                      <a:prstDash val="solid"/>
+                      <a:round/>
+                      <a:headEnd type="none" w="med" len="med"/>
+                      <a:tailEnd type="none" w="med" len="med"/>
+                    </a:lnT>
+                    <a:lnB w="12700" cap="flat" cmpd="sng" algn="ctr">
+                      <a:noFill/>
+                      <a:prstDash val="solid"/>
+                      <a:round/>
+                      <a:headEnd type="none" w="med" len="med"/>
+                      <a:tailEnd type="none" w="med" len="med"/>
+                    </a:lnB>
+                    <a:lnTlToBr w="12700" cmpd="sng">
+                      <a:noFill/>
+                      <a:prstDash val="solid"/>
+                    </a:lnTlToBr>
+                    <a:lnBlToTr w="12700" cmpd="sng">
+                      <a:noFill/>
+                      <a:prstDash val="solid"/>
+                    </a:lnBlToTr>
+                    <a:noFill/>
+                  </a:tcPr>
+                </a:tc>
+                <a:extLst>
+                  <a:ext uri="{0D108BD9-81ED-4DB2-BD59-A6C34878D82A}">
+                    <a16:rowId xmlns:a16="http://schemas.microsoft.com/office/drawing/2014/main" val="3359763730"/>
+                  </a:ext>
+                </a:extLst>
+              </a:tr>
+              <a:tr h="0">
+                <a:tc>
+                  <a:txBody>
+                    <a:bodyPr/>
+                    <a:lstStyle/>
+                    <a:p>
+                      <a:endParaRPr lang="en-GB" sz="100" dirty="0"/>
+                    </a:p>
+                  </a:txBody>
+                  <a:tcPr>
+                    <a:lnL w="12700" cap="flat" cmpd="sng" algn="ctr">
+                      <a:noFill/>
+                      <a:prstDash val="solid"/>
+                      <a:round/>
+                      <a:headEnd type="none" w="med" len="med"/>
+                      <a:tailEnd type="none" w="med" len="med"/>
+                    </a:lnL>
+                    <a:lnR w="12700" cap="flat" cmpd="sng" algn="ctr">
+                      <a:noFill/>
+                      <a:prstDash val="solid"/>
+                      <a:round/>
+                      <a:headEnd type="none" w="med" len="med"/>
+                      <a:tailEnd type="none" w="med" len="med"/>
+                    </a:lnR>
+                    <a:lnT w="12700" cap="flat" cmpd="sng" algn="ctr">
+                      <a:noFill/>
+                      <a:prstDash val="solid"/>
+                      <a:round/>
+                      <a:headEnd type="none" w="med" len="med"/>
+                      <a:tailEnd type="none" w="med" len="med"/>
+                    </a:lnT>
+                    <a:lnB w="12700" cap="flat" cmpd="sng" algn="ctr">
+                      <a:noFill/>
+                      <a:prstDash val="solid"/>
+                      <a:round/>
+                      <a:headEnd type="none" w="med" len="med"/>
+                      <a:tailEnd type="none" w="med" len="med"/>
+                    </a:lnB>
+                    <a:lnTlToBr w="12700" cmpd="sng">
+                      <a:noFill/>
+                      <a:prstDash val="solid"/>
+                    </a:lnTlToBr>
+                    <a:lnBlToTr w="12700" cmpd="sng">
+                      <a:noFill/>
+                      <a:prstDash val="solid"/>
+                    </a:lnBlToTr>
+                    <a:noFill/>
+                  </a:tcPr>
+                </a:tc>
+                <a:tc vMerge="1">
+                  <a:txBody>
+                    <a:bodyPr/>
+                    <a:lstStyle/>
+                    <a:p>
+                      <a:endParaRPr lang="en-GB" dirty="0"/>
+                    </a:p>
+                  </a:txBody>
+                  <a:tcPr>
+                    <a:lnL w="12700" cap="flat" cmpd="sng" algn="ctr">
+                      <a:solidFill>
+                        <a:schemeClr val="tx1"/>
+                      </a:solidFill>
+                      <a:prstDash val="solid"/>
+                      <a:round/>
+                      <a:headEnd type="none" w="med" len="med"/>
+                      <a:tailEnd type="none" w="med" len="med"/>
+                    </a:lnL>
+                    <a:lnR w="12700" cap="flat" cmpd="sng" algn="ctr">
+                      <a:solidFill>
+                        <a:schemeClr val="tx1"/>
+                      </a:solidFill>
+                      <a:prstDash val="solid"/>
+                      <a:round/>
+                      <a:headEnd type="none" w="med" len="med"/>
+                      <a:tailEnd type="none" w="med" len="med"/>
+                    </a:lnR>
+                    <a:lnT w="12700" cap="flat" cmpd="sng" algn="ctr">
+                      <a:solidFill>
+                        <a:schemeClr val="tx1"/>
+                      </a:solidFill>
+                      <a:prstDash val="solid"/>
+                      <a:round/>
+                      <a:headEnd type="none" w="med" len="med"/>
+                      <a:tailEnd type="none" w="med" len="med"/>
+                    </a:lnT>
+                    <a:lnB w="12700" cap="flat" cmpd="sng" algn="ctr">
+                      <a:solidFill>
+                        <a:schemeClr val="tx1"/>
+                      </a:solidFill>
+                      <a:prstDash val="solid"/>
+                      <a:round/>
+                      <a:headEnd type="none" w="med" len="med"/>
+                      <a:tailEnd type="none" w="med" len="med"/>
+                    </a:lnB>
+                    <a:noFill/>
+                  </a:tcPr>
+                </a:tc>
+                <a:extLst>
+                  <a:ext uri="{0D108BD9-81ED-4DB2-BD59-A6C34878D82A}">
+                    <a16:rowId xmlns:a16="http://schemas.microsoft.com/office/drawing/2014/main" val="3518440128"/>
+                  </a:ext>
+                </a:extLst>
+              </a:tr>
+              <a:tr h="540000">
+                <a:tc>
+                  <a:txBody>
+                    <a:bodyPr/>
+                    <a:lstStyle/>
+                    <a:p>
+                      <a:endParaRPr lang="en-GB" dirty="0"/>
+                    </a:p>
+                  </a:txBody>
+                  <a:tcPr>
+                    <a:lnL w="12700" cap="flat" cmpd="sng" algn="ctr">
+                      <a:noFill/>
+                      <a:prstDash val="solid"/>
+                      <a:round/>
+                      <a:headEnd type="none" w="med" len="med"/>
+                      <a:tailEnd type="none" w="med" len="med"/>
+                    </a:lnL>
+                    <a:lnR w="12700" cap="flat" cmpd="sng" algn="ctr">
+                      <a:noFill/>
+                      <a:prstDash val="solid"/>
+                      <a:round/>
+                      <a:headEnd type="none" w="med" len="med"/>
+                      <a:tailEnd type="none" w="med" len="med"/>
+                    </a:lnR>
+                    <a:lnT w="12700" cap="flat" cmpd="sng" algn="ctr">
+                      <a:noFill/>
+                      <a:prstDash val="solid"/>
+                      <a:round/>
+                      <a:headEnd type="none" w="med" len="med"/>
+                      <a:tailEnd type="none" w="med" len="med"/>
+                    </a:lnT>
+                    <a:lnB w="12700" cap="flat" cmpd="sng" algn="ctr">
+                      <a:noFill/>
+                      <a:prstDash val="solid"/>
+                      <a:round/>
+                      <a:headEnd type="none" w="med" len="med"/>
+                      <a:tailEnd type="none" w="med" len="med"/>
+                    </a:lnB>
+                    <a:lnTlToBr w="12700" cmpd="sng">
+                      <a:noFill/>
+                      <a:prstDash val="solid"/>
+                    </a:lnTlToBr>
+                    <a:lnBlToTr w="12700" cmpd="sng">
+                      <a:noFill/>
+                      <a:prstDash val="solid"/>
+                    </a:lnBlToTr>
+                    <a:blipFill>
+                      <a:blip r:embed="rId6">
+                        <a:extLst>
+                          <a:ext uri="{96DAC541-7B7A-43D3-8B79-37D633B846F1}">
+                            <asvg:svgBlip xmlns:asvg="http://schemas.microsoft.com/office/drawing/2016/SVG/main" r:embed="rId7"/>
+                          </a:ext>
+                        </a:extLst>
+                      </a:blip>
+                      <a:stretch>
+                        <a:fillRect/>
+                      </a:stretch>
+                    </a:blipFill>
+                  </a:tcPr>
+                </a:tc>
+                <a:tc rowSpan="2">
+                  <a:txBody>
+                    <a:bodyPr/>
+                    <a:lstStyle/>
+                    <a:p>
+                      <a:endParaRPr lang="en-GB" sz="2200" dirty="0"/>
+                    </a:p>
+                  </a:txBody>
+                  <a:tcPr marL="108000" marR="72000" marT="72000" marB="36000">
+                    <a:lnL w="12700" cap="flat" cmpd="sng" algn="ctr">
+                      <a:noFill/>
+                      <a:prstDash val="solid"/>
+                      <a:round/>
+                      <a:headEnd type="none" w="med" len="med"/>
+                      <a:tailEnd type="none" w="med" len="med"/>
+                    </a:lnL>
+                    <a:lnR w="12700" cap="flat" cmpd="sng" algn="ctr">
+                      <a:noFill/>
+                      <a:prstDash val="solid"/>
+                      <a:round/>
+                      <a:headEnd type="none" w="med" len="med"/>
+                      <a:tailEnd type="none" w="med" len="med"/>
+                    </a:lnR>
+                    <a:lnT w="12700" cap="flat" cmpd="sng" algn="ctr">
+                      <a:noFill/>
+                      <a:prstDash val="solid"/>
+                      <a:round/>
+                      <a:headEnd type="none" w="med" len="med"/>
+                      <a:tailEnd type="none" w="med" len="med"/>
+                    </a:lnT>
+                    <a:lnB w="12700" cap="flat" cmpd="sng" algn="ctr">
+                      <a:noFill/>
+                      <a:prstDash val="solid"/>
+                      <a:round/>
+                      <a:headEnd type="none" w="med" len="med"/>
+                      <a:tailEnd type="none" w="med" len="med"/>
+                    </a:lnB>
+                    <a:lnTlToBr w="12700" cmpd="sng">
+                      <a:noFill/>
+                      <a:prstDash val="solid"/>
+                    </a:lnTlToBr>
+                    <a:lnBlToTr w="12700" cmpd="sng">
+                      <a:noFill/>
+                      <a:prstDash val="solid"/>
+                    </a:lnBlToTr>
+                    <a:noFill/>
+                  </a:tcPr>
+                </a:tc>
+                <a:extLst>
+                  <a:ext uri="{0D108BD9-81ED-4DB2-BD59-A6C34878D82A}">
+                    <a16:rowId xmlns:a16="http://schemas.microsoft.com/office/drawing/2014/main" val="2138106067"/>
+                  </a:ext>
+                </a:extLst>
+              </a:tr>
+              <a:tr h="0">
+                <a:tc>
+                  <a:txBody>
+                    <a:bodyPr/>
+                    <a:lstStyle/>
+                    <a:p>
+                      <a:endParaRPr lang="en-GB" sz="100" dirty="0"/>
+                    </a:p>
+                  </a:txBody>
+                  <a:tcPr>
+                    <a:lnL w="12700" cap="flat" cmpd="sng" algn="ctr">
+                      <a:noFill/>
+                      <a:prstDash val="solid"/>
+                      <a:round/>
+                      <a:headEnd type="none" w="med" len="med"/>
+                      <a:tailEnd type="none" w="med" len="med"/>
+                    </a:lnL>
+                    <a:lnR w="12700" cap="flat" cmpd="sng" algn="ctr">
+                      <a:noFill/>
+                      <a:prstDash val="solid"/>
+                      <a:round/>
+                      <a:headEnd type="none" w="med" len="med"/>
+                      <a:tailEnd type="none" w="med" len="med"/>
+                    </a:lnR>
+                    <a:lnT w="12700" cap="flat" cmpd="sng" algn="ctr">
+                      <a:noFill/>
+                      <a:prstDash val="solid"/>
+                      <a:round/>
+                      <a:headEnd type="none" w="med" len="med"/>
+                      <a:tailEnd type="none" w="med" len="med"/>
+                    </a:lnT>
+                    <a:lnB w="12700" cap="flat" cmpd="sng" algn="ctr">
+                      <a:noFill/>
+                      <a:prstDash val="solid"/>
+                      <a:round/>
+                      <a:headEnd type="none" w="med" len="med"/>
+                      <a:tailEnd type="none" w="med" len="med"/>
+                    </a:lnB>
+                    <a:lnTlToBr w="12700" cmpd="sng">
+                      <a:noFill/>
+                      <a:prstDash val="solid"/>
+                    </a:lnTlToBr>
+                    <a:lnBlToTr w="12700" cmpd="sng">
+                      <a:noFill/>
+                      <a:prstDash val="solid"/>
+                    </a:lnBlToTr>
+                    <a:noFill/>
+                  </a:tcPr>
+                </a:tc>
+                <a:tc vMerge="1">
+                  <a:txBody>
+                    <a:bodyPr/>
+                    <a:lstStyle/>
+                    <a:p>
+                      <a:endParaRPr lang="en-GB" dirty="0"/>
+                    </a:p>
+                  </a:txBody>
+                  <a:tcPr>
+                    <a:lnL w="12700" cap="flat" cmpd="sng" algn="ctr">
+                      <a:solidFill>
+                        <a:schemeClr val="tx1"/>
+                      </a:solidFill>
+                      <a:prstDash val="solid"/>
+                      <a:round/>
+                      <a:headEnd type="none" w="med" len="med"/>
+                      <a:tailEnd type="none" w="med" len="med"/>
+                    </a:lnL>
+                    <a:lnR w="12700" cap="flat" cmpd="sng" algn="ctr">
+                      <a:solidFill>
+                        <a:schemeClr val="tx1"/>
+                      </a:solidFill>
+                      <a:prstDash val="solid"/>
+                      <a:round/>
+                      <a:headEnd type="none" w="med" len="med"/>
+                      <a:tailEnd type="none" w="med" len="med"/>
+                    </a:lnR>
+                    <a:lnT w="12700" cap="flat" cmpd="sng" algn="ctr">
+                      <a:solidFill>
+                        <a:schemeClr val="tx1"/>
+                      </a:solidFill>
+                      <a:prstDash val="solid"/>
+                      <a:round/>
+                      <a:headEnd type="none" w="med" len="med"/>
+                      <a:tailEnd type="none" w="med" len="med"/>
+                    </a:lnT>
+                    <a:lnB w="12700" cap="flat" cmpd="sng" algn="ctr">
+                      <a:solidFill>
+                        <a:schemeClr val="tx1"/>
+                      </a:solidFill>
+                      <a:prstDash val="solid"/>
+                      <a:round/>
+                      <a:headEnd type="none" w="med" len="med"/>
+                      <a:tailEnd type="none" w="med" len="med"/>
+                    </a:lnB>
+                    <a:noFill/>
+                  </a:tcPr>
+                </a:tc>
+                <a:extLst>
+                  <a:ext uri="{0D108BD9-81ED-4DB2-BD59-A6C34878D82A}">
+                    <a16:rowId xmlns:a16="http://schemas.microsoft.com/office/drawing/2014/main" val="1337221841"/>
+                  </a:ext>
+                </a:extLst>
+              </a:tr>
+              <a:tr h="540000">
+                <a:tc>
+                  <a:txBody>
+                    <a:bodyPr/>
+                    <a:lstStyle/>
+                    <a:p>
+                      <a:endParaRPr lang="en-GB" dirty="0"/>
+                    </a:p>
+                  </a:txBody>
+                  <a:tcPr>
+                    <a:lnL w="12700" cap="flat" cmpd="sng" algn="ctr">
+                      <a:noFill/>
+                      <a:prstDash val="solid"/>
+                      <a:round/>
+                      <a:headEnd type="none" w="med" len="med"/>
+                      <a:tailEnd type="none" w="med" len="med"/>
+                    </a:lnL>
+                    <a:lnR w="12700" cap="flat" cmpd="sng" algn="ctr">
+                      <a:noFill/>
+                      <a:prstDash val="solid"/>
+                      <a:round/>
+                      <a:headEnd type="none" w="med" len="med"/>
+                      <a:tailEnd type="none" w="med" len="med"/>
+                    </a:lnR>
+                    <a:lnT w="12700" cap="flat" cmpd="sng" algn="ctr">
+                      <a:noFill/>
+                      <a:prstDash val="solid"/>
+                      <a:round/>
+                      <a:headEnd type="none" w="med" len="med"/>
+                      <a:tailEnd type="none" w="med" len="med"/>
+                    </a:lnT>
+                    <a:lnB w="12700" cap="flat" cmpd="sng" algn="ctr">
+                      <a:noFill/>
+                      <a:prstDash val="solid"/>
+                      <a:round/>
+                      <a:headEnd type="none" w="med" len="med"/>
+                      <a:tailEnd type="none" w="med" len="med"/>
+                    </a:lnB>
+                    <a:lnTlToBr w="12700" cmpd="sng">
+                      <a:noFill/>
+                      <a:prstDash val="solid"/>
+                    </a:lnTlToBr>
+                    <a:lnBlToTr w="12700" cmpd="sng">
+                      <a:noFill/>
+                      <a:prstDash val="solid"/>
+                    </a:lnBlToTr>
+                    <a:blipFill>
+                      <a:blip r:embed="rId8">
+                        <a:extLst>
+                          <a:ext uri="{96DAC541-7B7A-43D3-8B79-37D633B846F1}">
+                            <asvg:svgBlip xmlns:asvg="http://schemas.microsoft.com/office/drawing/2016/SVG/main" r:embed="rId9"/>
+                          </a:ext>
+                        </a:extLst>
+                      </a:blip>
+                      <a:stretch>
+                        <a:fillRect/>
+                      </a:stretch>
+                    </a:blipFill>
+                  </a:tcPr>
+                </a:tc>
+                <a:tc rowSpan="2">
+                  <a:txBody>
+                    <a:bodyPr/>
+                    <a:lstStyle/>
+                    <a:p>
+                      <a:endParaRPr lang="en-GB" sz="2200" dirty="0"/>
+                    </a:p>
+                  </a:txBody>
+                  <a:tcPr marL="108000" marR="72000" marT="72000" marB="36000">
+                    <a:lnL w="12700" cap="flat" cmpd="sng" algn="ctr">
+                      <a:noFill/>
+                      <a:prstDash val="solid"/>
+                      <a:round/>
+                      <a:headEnd type="none" w="med" len="med"/>
+                      <a:tailEnd type="none" w="med" len="med"/>
+                    </a:lnL>
+                    <a:lnR w="12700" cap="flat" cmpd="sng" algn="ctr">
+                      <a:noFill/>
+                      <a:prstDash val="solid"/>
+                      <a:round/>
+                      <a:headEnd type="none" w="med" len="med"/>
+                      <a:tailEnd type="none" w="med" len="med"/>
+                    </a:lnR>
+                    <a:lnT w="12700" cap="flat" cmpd="sng" algn="ctr">
+                      <a:noFill/>
+                      <a:prstDash val="solid"/>
+                      <a:round/>
+                      <a:headEnd type="none" w="med" len="med"/>
+                      <a:tailEnd type="none" w="med" len="med"/>
+                    </a:lnT>
+                    <a:lnB w="12700" cap="flat" cmpd="sng" algn="ctr">
+                      <a:noFill/>
+                      <a:prstDash val="solid"/>
+                      <a:round/>
+                      <a:headEnd type="none" w="med" len="med"/>
+                      <a:tailEnd type="none" w="med" len="med"/>
+                    </a:lnB>
+                    <a:lnTlToBr w="12700" cmpd="sng">
+                      <a:noFill/>
+                      <a:prstDash val="solid"/>
+                    </a:lnTlToBr>
+                    <a:lnBlToTr w="12700" cmpd="sng">
+                      <a:noFill/>
+                      <a:prstDash val="solid"/>
+                    </a:lnBlToTr>
+                    <a:noFill/>
+                  </a:tcPr>
+                </a:tc>
+                <a:extLst>
+                  <a:ext uri="{0D108BD9-81ED-4DB2-BD59-A6C34878D82A}">
+                    <a16:rowId xmlns:a16="http://schemas.microsoft.com/office/drawing/2014/main" val="761621608"/>
+                  </a:ext>
+                </a:extLst>
+              </a:tr>
+              <a:tr h="0">
+                <a:tc>
+                  <a:txBody>
+                    <a:bodyPr/>
+                    <a:lstStyle/>
+                    <a:p>
+                      <a:endParaRPr lang="en-GB" sz="100" dirty="0"/>
+                    </a:p>
+                  </a:txBody>
+                  <a:tcPr>
+                    <a:lnL w="12700" cap="flat" cmpd="sng" algn="ctr">
+                      <a:noFill/>
+                      <a:prstDash val="solid"/>
+                      <a:round/>
+                      <a:headEnd type="none" w="med" len="med"/>
+                      <a:tailEnd type="none" w="med" len="med"/>
+                    </a:lnL>
+                    <a:lnR w="12700" cap="flat" cmpd="sng" algn="ctr">
+                      <a:noFill/>
+                      <a:prstDash val="solid"/>
+                      <a:round/>
+                      <a:headEnd type="none" w="med" len="med"/>
+                      <a:tailEnd type="none" w="med" len="med"/>
+                    </a:lnR>
+                    <a:lnT w="12700" cap="flat" cmpd="sng" algn="ctr">
+                      <a:noFill/>
+                      <a:prstDash val="solid"/>
+                      <a:round/>
+                      <a:headEnd type="none" w="med" len="med"/>
+                      <a:tailEnd type="none" w="med" len="med"/>
+                    </a:lnT>
+                    <a:lnB w="12700" cap="flat" cmpd="sng" algn="ctr">
+                      <a:noFill/>
+                      <a:prstDash val="solid"/>
+                      <a:round/>
+                      <a:headEnd type="none" w="med" len="med"/>
+                      <a:tailEnd type="none" w="med" len="med"/>
+                    </a:lnB>
+                    <a:lnTlToBr w="12700" cmpd="sng">
+                      <a:noFill/>
+                      <a:prstDash val="solid"/>
+                    </a:lnTlToBr>
+                    <a:lnBlToTr w="12700" cmpd="sng">
+                      <a:noFill/>
+                      <a:prstDash val="solid"/>
+                    </a:lnBlToTr>
+                    <a:noFill/>
+                  </a:tcPr>
+                </a:tc>
+                <a:tc vMerge="1">
+                  <a:txBody>
+                    <a:bodyPr/>
+                    <a:lstStyle/>
+                    <a:p>
+                      <a:endParaRPr lang="en-GB" dirty="0"/>
+                    </a:p>
+                  </a:txBody>
+                  <a:tcPr>
+                    <a:lnL w="12700" cap="flat" cmpd="sng" algn="ctr">
+                      <a:solidFill>
+                        <a:schemeClr val="tx1"/>
+                      </a:solidFill>
+                      <a:prstDash val="solid"/>
+                      <a:round/>
+                      <a:headEnd type="none" w="med" len="med"/>
+                      <a:tailEnd type="none" w="med" len="med"/>
+                    </a:lnL>
+                    <a:lnR w="12700" cap="flat" cmpd="sng" algn="ctr">
+                      <a:solidFill>
+                        <a:schemeClr val="tx1"/>
+                      </a:solidFill>
+                      <a:prstDash val="solid"/>
+                      <a:round/>
+                      <a:headEnd type="none" w="med" len="med"/>
+                      <a:tailEnd type="none" w="med" len="med"/>
+                    </a:lnR>
+                    <a:lnT w="12700" cap="flat" cmpd="sng" algn="ctr">
+                      <a:solidFill>
+                        <a:schemeClr val="tx1"/>
+                      </a:solidFill>
+                      <a:prstDash val="solid"/>
+                      <a:round/>
+                      <a:headEnd type="none" w="med" len="med"/>
+                      <a:tailEnd type="none" w="med" len="med"/>
+                    </a:lnT>
+                    <a:lnB w="12700" cap="flat" cmpd="sng" algn="ctr">
+                      <a:solidFill>
+                        <a:schemeClr val="tx1"/>
+                      </a:solidFill>
+                      <a:prstDash val="solid"/>
+                      <a:round/>
+                      <a:headEnd type="none" w="med" len="med"/>
+                      <a:tailEnd type="none" w="med" len="med"/>
+                    </a:lnB>
+                    <a:noFill/>
+                  </a:tcPr>
+                </a:tc>
+                <a:extLst>
+                  <a:ext uri="{0D108BD9-81ED-4DB2-BD59-A6C34878D82A}">
+                    <a16:rowId xmlns:a16="http://schemas.microsoft.com/office/drawing/2014/main" val="2666066417"/>
+                  </a:ext>
+                </a:extLst>
+              </a:tr>
+              <a:tr h="540000">
+                <a:tc>
+                  <a:txBody>
+                    <a:bodyPr/>
+                    <a:lstStyle/>
+                    <a:p>
+                      <a:endParaRPr lang="en-GB" dirty="0"/>
+                    </a:p>
+                  </a:txBody>
+                  <a:tcPr>
+                    <a:lnL w="12700" cap="flat" cmpd="sng" algn="ctr">
+                      <a:noFill/>
+                      <a:prstDash val="solid"/>
+                      <a:round/>
+                      <a:headEnd type="none" w="med" len="med"/>
+                      <a:tailEnd type="none" w="med" len="med"/>
+                    </a:lnL>
+                    <a:lnR w="12700" cap="flat" cmpd="sng" algn="ctr">
+                      <a:noFill/>
+                      <a:prstDash val="solid"/>
+                      <a:round/>
+                      <a:headEnd type="none" w="med" len="med"/>
+                      <a:tailEnd type="none" w="med" len="med"/>
+                    </a:lnR>
+                    <a:lnT w="12700" cap="flat" cmpd="sng" algn="ctr">
+                      <a:noFill/>
+                      <a:prstDash val="solid"/>
+                      <a:round/>
+                      <a:headEnd type="none" w="med" len="med"/>
+                      <a:tailEnd type="none" w="med" len="med"/>
+                    </a:lnT>
+                    <a:lnB w="12700" cap="flat" cmpd="sng" algn="ctr">
+                      <a:noFill/>
+                      <a:prstDash val="solid"/>
+                      <a:round/>
+                      <a:headEnd type="none" w="med" len="med"/>
+                      <a:tailEnd type="none" w="med" len="med"/>
+                    </a:lnB>
+                    <a:lnTlToBr w="12700" cmpd="sng">
+                      <a:noFill/>
+                      <a:prstDash val="solid"/>
+                    </a:lnTlToBr>
+                    <a:lnBlToTr w="12700" cmpd="sng">
+                      <a:noFill/>
+                      <a:prstDash val="solid"/>
+                    </a:lnBlToTr>
+                    <a:blipFill>
+                      <a:blip r:embed="rId10">
+                        <a:extLst>
+                          <a:ext uri="{96DAC541-7B7A-43D3-8B79-37D633B846F1}">
+                            <asvg:svgBlip xmlns:asvg="http://schemas.microsoft.com/office/drawing/2016/SVG/main" r:embed="rId11"/>
+                          </a:ext>
+                        </a:extLst>
+                      </a:blip>
+                      <a:stretch>
+                        <a:fillRect/>
+                      </a:stretch>
+                    </a:blipFill>
+                  </a:tcPr>
+                </a:tc>
+                <a:tc rowSpan="2">
+                  <a:txBody>
+                    <a:bodyPr/>
+                    <a:lstStyle/>
+                    <a:p>
+                      <a:endParaRPr lang="en-GB" sz="2200" dirty="0"/>
+                    </a:p>
+                  </a:txBody>
+                  <a:tcPr marL="108000" marR="72000" marT="72000" marB="36000">
+                    <a:lnL w="12700" cap="flat" cmpd="sng" algn="ctr">
+                      <a:noFill/>
+                      <a:prstDash val="solid"/>
+                      <a:round/>
+                      <a:headEnd type="none" w="med" len="med"/>
+                      <a:tailEnd type="none" w="med" len="med"/>
+                    </a:lnL>
+                    <a:lnR w="12700" cap="flat" cmpd="sng" algn="ctr">
+                      <a:noFill/>
+                      <a:prstDash val="solid"/>
+                      <a:round/>
+                      <a:headEnd type="none" w="med" len="med"/>
+                      <a:tailEnd type="none" w="med" len="med"/>
+                    </a:lnR>
+                    <a:lnT w="12700" cap="flat" cmpd="sng" algn="ctr">
+                      <a:noFill/>
+                      <a:prstDash val="solid"/>
+                      <a:round/>
+                      <a:headEnd type="none" w="med" len="med"/>
+                      <a:tailEnd type="none" w="med" len="med"/>
+                    </a:lnT>
+                    <a:lnB w="12700" cap="flat" cmpd="sng" algn="ctr">
+                      <a:noFill/>
+                      <a:prstDash val="solid"/>
+                      <a:round/>
+                      <a:headEnd type="none" w="med" len="med"/>
+                      <a:tailEnd type="none" w="med" len="med"/>
+                    </a:lnB>
+                    <a:lnTlToBr w="12700" cmpd="sng">
+                      <a:noFill/>
+                      <a:prstDash val="solid"/>
+                    </a:lnTlToBr>
+                    <a:lnBlToTr w="12700" cmpd="sng">
+                      <a:noFill/>
+                      <a:prstDash val="solid"/>
+                    </a:lnBlToTr>
+                    <a:noFill/>
+                  </a:tcPr>
+                </a:tc>
+                <a:extLst>
+                  <a:ext uri="{0D108BD9-81ED-4DB2-BD59-A6C34878D82A}">
+                    <a16:rowId xmlns:a16="http://schemas.microsoft.com/office/drawing/2014/main" val="3169105705"/>
+                  </a:ext>
+                </a:extLst>
+              </a:tr>
+              <a:tr h="0">
+                <a:tc>
+                  <a:txBody>
+                    <a:bodyPr/>
+                    <a:lstStyle/>
+                    <a:p>
+                      <a:endParaRPr lang="en-GB" sz="100" dirty="0"/>
+                    </a:p>
+                  </a:txBody>
+                  <a:tcPr>
+                    <a:lnL w="12700" cap="flat" cmpd="sng" algn="ctr">
+                      <a:noFill/>
+                      <a:prstDash val="solid"/>
+                      <a:round/>
+                      <a:headEnd type="none" w="med" len="med"/>
+                      <a:tailEnd type="none" w="med" len="med"/>
+                    </a:lnL>
+                    <a:lnR w="12700" cap="flat" cmpd="sng" algn="ctr">
+                      <a:noFill/>
+                      <a:prstDash val="solid"/>
+                      <a:round/>
+                      <a:headEnd type="none" w="med" len="med"/>
+                      <a:tailEnd type="none" w="med" len="med"/>
+                    </a:lnR>
+                    <a:lnT w="12700" cap="flat" cmpd="sng" algn="ctr">
+                      <a:noFill/>
+                      <a:prstDash val="solid"/>
+                      <a:round/>
+                      <a:headEnd type="none" w="med" len="med"/>
+                      <a:tailEnd type="none" w="med" len="med"/>
+                    </a:lnT>
+                    <a:lnB w="12700" cap="flat" cmpd="sng" algn="ctr">
+                      <a:noFill/>
+                      <a:prstDash val="solid"/>
+                      <a:round/>
+                      <a:headEnd type="none" w="med" len="med"/>
+                      <a:tailEnd type="none" w="med" len="med"/>
+                    </a:lnB>
+                    <a:lnTlToBr w="12700" cmpd="sng">
+                      <a:noFill/>
+                      <a:prstDash val="solid"/>
+                    </a:lnTlToBr>
+                    <a:lnBlToTr w="12700" cmpd="sng">
+                      <a:noFill/>
+                      <a:prstDash val="solid"/>
+                    </a:lnBlToTr>
+                    <a:noFill/>
+                  </a:tcPr>
+                </a:tc>
+                <a:tc vMerge="1">
+                  <a:txBody>
+                    <a:bodyPr/>
+                    <a:lstStyle/>
+                    <a:p>
+                      <a:endParaRPr lang="en-GB" dirty="0"/>
+                    </a:p>
+                  </a:txBody>
+                  <a:tcPr>
+                    <a:lnL w="12700" cap="flat" cmpd="sng" algn="ctr">
+                      <a:solidFill>
+                        <a:schemeClr val="tx1"/>
+                      </a:solidFill>
+                      <a:prstDash val="solid"/>
+                      <a:round/>
+                      <a:headEnd type="none" w="med" len="med"/>
+                      <a:tailEnd type="none" w="med" len="med"/>
+                    </a:lnL>
+                    <a:lnR w="12700" cap="flat" cmpd="sng" algn="ctr">
+                      <a:solidFill>
+                        <a:schemeClr val="tx1"/>
+                      </a:solidFill>
+                      <a:prstDash val="solid"/>
+                      <a:round/>
+                      <a:headEnd type="none" w="med" len="med"/>
+                      <a:tailEnd type="none" w="med" len="med"/>
+                    </a:lnR>
+                    <a:lnT w="12700" cap="flat" cmpd="sng" algn="ctr">
+                      <a:solidFill>
+                        <a:schemeClr val="tx1"/>
+                      </a:solidFill>
+                      <a:prstDash val="solid"/>
+                      <a:round/>
+                      <a:headEnd type="none" w="med" len="med"/>
+                      <a:tailEnd type="none" w="med" len="med"/>
+                    </a:lnT>
+                    <a:lnB w="12700" cap="flat" cmpd="sng" algn="ctr">
+                      <a:solidFill>
+                        <a:schemeClr val="tx1"/>
+                      </a:solidFill>
+                      <a:prstDash val="solid"/>
+                      <a:round/>
+                      <a:headEnd type="none" w="med" len="med"/>
+                      <a:tailEnd type="none" w="med" len="med"/>
+                    </a:lnB>
+                    <a:noFill/>
+                  </a:tcPr>
+                </a:tc>
+                <a:extLst>
+                  <a:ext uri="{0D108BD9-81ED-4DB2-BD59-A6C34878D82A}">
+                    <a16:rowId xmlns:a16="http://schemas.microsoft.com/office/drawing/2014/main" val="1835673635"/>
+                  </a:ext>
+                </a:extLst>
+              </a:tr>
+            </a:tbl>
+          </a:graphicData>
+        </a:graphic>
+      </p:graphicFrame>
+    </p:spTree>
+    <p:extLst>
+      <p:ext uri="{BB962C8B-B14F-4D97-AF65-F5344CB8AC3E}">
+        <p14:creationId xmlns:p14="http://schemas.microsoft.com/office/powerpoint/2010/main" val="1532941153"/>
+      </p:ext>
+    </p:extLst>
+  </p:cSld>
+  <p:clrMapOvr>
+    <a:masterClrMapping/>
+  </p:clrMapOvr>
+  <mc:AlternateContent xmlns:mc="http://schemas.openxmlformats.org/markup-compatibility/2006" xmlns:p159="http://schemas.microsoft.com/office/powerpoint/2015/09/main">
+    <mc:Choice Requires="p159">
+      <p:transition spd="slow">
+        <p159:morph option="byObject"/>
+      </p:transition>
+    </mc:Choice>
+    <mc:Fallback xmlns="">
+      <p:transition spd="slow">
+        <p:fade/>
+      </p:transition>
+    </mc:Fallback>
+  </mc:AlternateContent>
 </p:sldLayout>
 </file>
 
@@ -2964,7 +7408,7 @@
           </a:lstStyle>
           <a:p>
             <a:r>
-              <a:rPr lang="en-GB"/>
+              <a:rPr lang="en-GB" dirty="0"/>
               <a:t>Click to edit Master title style</a:t>
             </a:r>
             <a:endParaRPr lang="en-US" dirty="0"/>
@@ -2984,7 +7428,14 @@
         <p:spPr/>
         <p:txBody>
           <a:bodyPr/>
-          <a:lstStyle/>
+          <a:lstStyle>
+            <a:lvl2pPr marL="444500" indent="-244475">
+              <a:defRPr/>
+            </a:lvl2pPr>
+            <a:lvl3pPr marL="627063" indent="-242888">
+              <a:defRPr/>
+            </a:lvl3pPr>
+          </a:lstStyle>
           <a:p>
             <a:pPr lvl="0"/>
             <a:r>
@@ -3036,7 +7487,7 @@
           <a:p>
             <a:fld id="{783AA361-72A7-48BC-90E4-8B218E5E59E9}" type="datetime1">
               <a:rPr lang="en-GB" smtClean="0"/>
-              <a:t>11/07/2024</a:t>
+              <a:t>17/10/2024</a:t>
             </a:fld>
             <a:endParaRPr lang="en-GB"/>
           </a:p>
@@ -3110,6 +7561,326 @@
 </file>
 
 <file path=ppt/slideLayouts/slideLayout4.xml><?xml version="1.0" encoding="utf-8"?>
+<p:sldLayout xmlns:a="http://schemas.openxmlformats.org/drawingml/2006/main" xmlns:r="http://schemas.openxmlformats.org/officeDocument/2006/relationships" xmlns:p="http://schemas.openxmlformats.org/presentationml/2006/main" preserve="1" userDrawn="1">
+  <p:cSld name="Custom Layout">
+    <p:spTree>
+      <p:nvGrpSpPr>
+        <p:cNvPr id="1" name=""/>
+        <p:cNvGrpSpPr/>
+        <p:nvPr/>
+      </p:nvGrpSpPr>
+      <p:grpSpPr>
+        <a:xfrm>
+          <a:off x="0" y="0"/>
+          <a:ext cx="0" cy="0"/>
+          <a:chOff x="0" y="0"/>
+          <a:chExt cx="0" cy="0"/>
+        </a:xfrm>
+      </p:grpSpPr>
+      <p:sp>
+        <p:nvSpPr>
+          <p:cNvPr id="2" name="Title 1">
+            <a:extLst>
+              <a:ext uri="{FF2B5EF4-FFF2-40B4-BE49-F238E27FC236}">
+                <a16:creationId xmlns:a16="http://schemas.microsoft.com/office/drawing/2014/main" id="{09CE3F75-4629-998C-D4E2-8B503E840A60}"/>
+              </a:ext>
+            </a:extLst>
+          </p:cNvPr>
+          <p:cNvSpPr>
+            <a:spLocks noGrp="1"/>
+          </p:cNvSpPr>
+          <p:nvPr>
+            <p:ph type="title"/>
+          </p:nvPr>
+        </p:nvSpPr>
+        <p:spPr/>
+        <p:txBody>
+          <a:bodyPr/>
+          <a:lstStyle/>
+          <a:p>
+            <a:r>
+              <a:rPr lang="en-GB"/>
+              <a:t>Click to edit Master title style</a:t>
+            </a:r>
+          </a:p>
+        </p:txBody>
+      </p:sp>
+      <p:sp>
+        <p:nvSpPr>
+          <p:cNvPr id="3" name="Date Placeholder 2">
+            <a:extLst>
+              <a:ext uri="{FF2B5EF4-FFF2-40B4-BE49-F238E27FC236}">
+                <a16:creationId xmlns:a16="http://schemas.microsoft.com/office/drawing/2014/main" id="{57160149-4935-39AC-F9A6-3A67DF92E54A}"/>
+              </a:ext>
+            </a:extLst>
+          </p:cNvPr>
+          <p:cNvSpPr>
+            <a:spLocks noGrp="1"/>
+          </p:cNvSpPr>
+          <p:nvPr>
+            <p:ph type="dt" sz="half" idx="10"/>
+          </p:nvPr>
+        </p:nvSpPr>
+        <p:spPr/>
+        <p:txBody>
+          <a:bodyPr/>
+          <a:lstStyle/>
+          <a:p>
+            <a:fld id="{3B3E90F9-E64B-4EC0-8619-D03E9EF38A8A}" type="datetime1">
+              <a:rPr lang="en-GB" smtClean="0"/>
+              <a:t>17/10/2024</a:t>
+            </a:fld>
+            <a:endParaRPr lang="en-GB"/>
+          </a:p>
+        </p:txBody>
+      </p:sp>
+      <p:sp>
+        <p:nvSpPr>
+          <p:cNvPr id="4" name="Footer Placeholder 3">
+            <a:extLst>
+              <a:ext uri="{FF2B5EF4-FFF2-40B4-BE49-F238E27FC236}">
+                <a16:creationId xmlns:a16="http://schemas.microsoft.com/office/drawing/2014/main" id="{8DAF1058-E5AB-75EB-3440-399DB9E1D9B9}"/>
+              </a:ext>
+            </a:extLst>
+          </p:cNvPr>
+          <p:cNvSpPr>
+            <a:spLocks noGrp="1"/>
+          </p:cNvSpPr>
+          <p:nvPr>
+            <p:ph type="ftr" sz="quarter" idx="11"/>
+          </p:nvPr>
+        </p:nvSpPr>
+        <p:spPr/>
+        <p:txBody>
+          <a:bodyPr/>
+          <a:lstStyle/>
+          <a:p>
+            <a:endParaRPr lang="en-GB"/>
+          </a:p>
+        </p:txBody>
+      </p:sp>
+      <p:sp>
+        <p:nvSpPr>
+          <p:cNvPr id="5" name="Slide Number Placeholder 4">
+            <a:extLst>
+              <a:ext uri="{FF2B5EF4-FFF2-40B4-BE49-F238E27FC236}">
+                <a16:creationId xmlns:a16="http://schemas.microsoft.com/office/drawing/2014/main" id="{0A3AAE89-1CB8-B1D2-4FC2-01A5F9359E58}"/>
+              </a:ext>
+            </a:extLst>
+          </p:cNvPr>
+          <p:cNvSpPr>
+            <a:spLocks noGrp="1"/>
+          </p:cNvSpPr>
+          <p:nvPr>
+            <p:ph type="sldNum" sz="quarter" idx="12"/>
+          </p:nvPr>
+        </p:nvSpPr>
+        <p:spPr/>
+        <p:txBody>
+          <a:bodyPr/>
+          <a:lstStyle/>
+          <a:p>
+            <a:fld id="{9FAA51BB-2FC0-4DB8-B50E-F52D50E733B6}" type="slidenum">
+              <a:rPr lang="en-GB" smtClean="0"/>
+              <a:t>‹#›</a:t>
+            </a:fld>
+            <a:endParaRPr lang="en-GB"/>
+          </a:p>
+        </p:txBody>
+      </p:sp>
+    </p:spTree>
+    <p:extLst>
+      <p:ext uri="{BB962C8B-B14F-4D97-AF65-F5344CB8AC3E}">
+        <p14:creationId xmlns:p14="http://schemas.microsoft.com/office/powerpoint/2010/main" val="2900277239"/>
+      </p:ext>
+    </p:extLst>
+  </p:cSld>
+  <p:clrMapOvr>
+    <a:masterClrMapping/>
+  </p:clrMapOvr>
+</p:sldLayout>
+</file>
+
+<file path=ppt/slideLayouts/slideLayout5.xml><?xml version="1.0" encoding="utf-8"?>
+<p:sldLayout xmlns:a="http://schemas.openxmlformats.org/drawingml/2006/main" xmlns:r="http://schemas.openxmlformats.org/officeDocument/2006/relationships" xmlns:p="http://schemas.openxmlformats.org/presentationml/2006/main" showMasterSp="0" type="blank" preserve="1">
+  <p:cSld name="Blank">
+    <p:spTree>
+      <p:nvGrpSpPr>
+        <p:cNvPr id="1" name=""/>
+        <p:cNvGrpSpPr/>
+        <p:nvPr/>
+      </p:nvGrpSpPr>
+      <p:grpSpPr>
+        <a:xfrm>
+          <a:off x="0" y="0"/>
+          <a:ext cx="0" cy="0"/>
+          <a:chOff x="0" y="0"/>
+          <a:chExt cx="0" cy="0"/>
+        </a:xfrm>
+      </p:grpSpPr>
+      <p:sp>
+        <p:nvSpPr>
+          <p:cNvPr id="5" name="Rectangle 4"/>
+          <p:cNvSpPr/>
+          <p:nvPr/>
+        </p:nvSpPr>
+        <p:spPr>
+          <a:xfrm>
+            <a:off x="3175" y="6400800"/>
+            <a:ext cx="12188825" cy="457200"/>
+          </a:xfrm>
+          <a:prstGeom prst="rect">
+            <a:avLst/>
+          </a:prstGeom>
+          <a:solidFill>
+            <a:schemeClr val="accent2"/>
+          </a:solidFill>
+          <a:ln>
+            <a:noFill/>
+          </a:ln>
+        </p:spPr>
+        <p:style>
+          <a:lnRef idx="2">
+            <a:schemeClr val="accent1">
+              <a:shade val="50000"/>
+            </a:schemeClr>
+          </a:lnRef>
+          <a:fillRef idx="1">
+            <a:schemeClr val="accent1"/>
+          </a:fillRef>
+          <a:effectRef idx="0">
+            <a:schemeClr val="accent1"/>
+          </a:effectRef>
+          <a:fontRef idx="minor">
+            <a:schemeClr val="lt1"/>
+          </a:fontRef>
+        </p:style>
+      </p:sp>
+      <p:sp>
+        <p:nvSpPr>
+          <p:cNvPr id="6" name="Rectangle 5"/>
+          <p:cNvSpPr/>
+          <p:nvPr/>
+        </p:nvSpPr>
+        <p:spPr>
+          <a:xfrm>
+            <a:off x="15" y="6334316"/>
+            <a:ext cx="12188825" cy="64008"/>
+          </a:xfrm>
+          <a:prstGeom prst="rect">
+            <a:avLst/>
+          </a:prstGeom>
+          <a:solidFill>
+            <a:schemeClr val="accent1"/>
+          </a:solidFill>
+          <a:ln>
+            <a:noFill/>
+          </a:ln>
+        </p:spPr>
+        <p:style>
+          <a:lnRef idx="2">
+            <a:schemeClr val="accent1">
+              <a:shade val="50000"/>
+            </a:schemeClr>
+          </a:lnRef>
+          <a:fillRef idx="1">
+            <a:schemeClr val="accent1"/>
+          </a:fillRef>
+          <a:effectRef idx="0">
+            <a:schemeClr val="accent1"/>
+          </a:effectRef>
+          <a:fontRef idx="minor">
+            <a:schemeClr val="lt1"/>
+          </a:fontRef>
+        </p:style>
+      </p:sp>
+      <p:sp>
+        <p:nvSpPr>
+          <p:cNvPr id="7" name="Date Placeholder 6"/>
+          <p:cNvSpPr>
+            <a:spLocks noGrp="1"/>
+          </p:cNvSpPr>
+          <p:nvPr>
+            <p:ph type="dt" sz="half" idx="10"/>
+          </p:nvPr>
+        </p:nvSpPr>
+        <p:spPr/>
+        <p:txBody>
+          <a:bodyPr/>
+          <a:lstStyle/>
+          <a:p>
+            <a:fld id="{274932BC-C90A-4F3E-8CBF-DAC0F36B3CC6}" type="datetime1">
+              <a:rPr lang="en-GB" smtClean="0"/>
+              <a:t>17/10/2024</a:t>
+            </a:fld>
+            <a:endParaRPr lang="en-GB"/>
+          </a:p>
+        </p:txBody>
+      </p:sp>
+      <p:sp>
+        <p:nvSpPr>
+          <p:cNvPr id="8" name="Footer Placeholder 7"/>
+          <p:cNvSpPr>
+            <a:spLocks noGrp="1"/>
+          </p:cNvSpPr>
+          <p:nvPr>
+            <p:ph type="ftr" sz="quarter" idx="11"/>
+          </p:nvPr>
+        </p:nvSpPr>
+        <p:spPr/>
+        <p:txBody>
+          <a:bodyPr/>
+          <a:lstStyle>
+            <a:lvl1pPr>
+              <a:defRPr>
+                <a:solidFill>
+                  <a:srgbClr val="FFFFFF"/>
+                </a:solidFill>
+              </a:defRPr>
+            </a:lvl1pPr>
+          </a:lstStyle>
+          <a:p>
+            <a:endParaRPr lang="en-GB"/>
+          </a:p>
+        </p:txBody>
+      </p:sp>
+      <p:sp>
+        <p:nvSpPr>
+          <p:cNvPr id="9" name="Slide Number Placeholder 8"/>
+          <p:cNvSpPr>
+            <a:spLocks noGrp="1"/>
+          </p:cNvSpPr>
+          <p:nvPr>
+            <p:ph type="sldNum" sz="quarter" idx="12"/>
+          </p:nvPr>
+        </p:nvSpPr>
+        <p:spPr/>
+        <p:txBody>
+          <a:bodyPr/>
+          <a:lstStyle/>
+          <a:p>
+            <a:fld id="{9FAA51BB-2FC0-4DB8-B50E-F52D50E733B6}" type="slidenum">
+              <a:rPr lang="en-GB" smtClean="0"/>
+              <a:t>‹#›</a:t>
+            </a:fld>
+            <a:endParaRPr lang="en-GB"/>
+          </a:p>
+        </p:txBody>
+      </p:sp>
+    </p:spTree>
+    <p:extLst>
+      <p:ext uri="{BB962C8B-B14F-4D97-AF65-F5344CB8AC3E}">
+        <p14:creationId xmlns:p14="http://schemas.microsoft.com/office/powerpoint/2010/main" val="3269464527"/>
+      </p:ext>
+    </p:extLst>
+  </p:cSld>
+  <p:clrMapOvr>
+    <a:masterClrMapping/>
+  </p:clrMapOvr>
+</p:sldLayout>
+</file>
+
+<file path=ppt/slideLayouts/slideLayout6.xml><?xml version="1.0" encoding="utf-8"?>
 <p:sldLayout xmlns:a="http://schemas.openxmlformats.org/drawingml/2006/main" xmlns:r="http://schemas.openxmlformats.org/officeDocument/2006/relationships" xmlns:p="http://schemas.openxmlformats.org/presentationml/2006/main" showMasterSp="0" type="secHead" preserve="1">
   <p:cSld name="Section Header">
     <p:bg>
@@ -3391,7 +8162,7 @@
           <a:p>
             <a:fld id="{1260C664-CB3B-46B5-8866-4AA56CBF829E}" type="datetime1">
               <a:rPr lang="en-GB" smtClean="0"/>
-              <a:t>11/07/2024</a:t>
+              <a:t>17/10/2024</a:t>
             </a:fld>
             <a:endParaRPr lang="en-GB"/>
           </a:p>
@@ -3490,7 +8261,7 @@
 </p:sldLayout>
 </file>
 
-<file path=ppt/slideLayouts/slideLayout5.xml><?xml version="1.0" encoding="utf-8"?>
+<file path=ppt/slideLayouts/slideLayout7.xml><?xml version="1.0" encoding="utf-8"?>
 <p:sldLayout xmlns:a="http://schemas.openxmlformats.org/drawingml/2006/main" xmlns:r="http://schemas.openxmlformats.org/officeDocument/2006/relationships" xmlns:p="http://schemas.openxmlformats.org/presentationml/2006/main" showMasterSp="0" type="objTx" preserve="1">
   <p:cSld name="Content with Caption">
     <p:spTree>
@@ -3775,7 +8546,7 @@
           <a:p>
             <a:fld id="{6EEAF511-6669-42F7-9EC2-108A1AF2306A}" type="datetime1">
               <a:rPr lang="en-GB" smtClean="0"/>
-              <a:t>11/07/2024</a:t>
+              <a:t>17/10/2024</a:t>
             </a:fld>
             <a:endParaRPr lang="en-GB"/>
           </a:p>
@@ -3857,7 +8628,7 @@
 </p:sldLayout>
 </file>
 
-<file path=ppt/slideLayouts/slideLayout6.xml><?xml version="1.0" encoding="utf-8"?>
+<file path=ppt/slideLayouts/slideLayout8.xml><?xml version="1.0" encoding="utf-8"?>
 <p:sldLayout xmlns:a="http://schemas.openxmlformats.org/drawingml/2006/main" xmlns:r="http://schemas.openxmlformats.org/officeDocument/2006/relationships" xmlns:p="http://schemas.openxmlformats.org/presentationml/2006/main" showMasterSp="0" type="picTx" preserve="1">
   <p:cSld name="Picture with Caption">
     <p:spTree>
@@ -4157,7 +8928,7 @@
           <a:p>
             <a:fld id="{302DAC0A-9172-432B-93EC-FAE6E5E5BD42}" type="datetime1">
               <a:rPr lang="en-GB" smtClean="0"/>
-              <a:t>11/07/2024</a:t>
+              <a:t>17/10/2024</a:t>
             </a:fld>
             <a:endParaRPr lang="en-GB"/>
           </a:p>
@@ -4218,7 +8989,7 @@
 </p:sldLayout>
 </file>
 
-<file path=ppt/slideLayouts/slideLayout7.xml><?xml version="1.0" encoding="utf-8"?>
+<file path=ppt/slideLayouts/slideLayout9.xml><?xml version="1.0" encoding="utf-8"?>
 <p:sldLayout xmlns:a="http://schemas.openxmlformats.org/drawingml/2006/main" xmlns:r="http://schemas.openxmlformats.org/officeDocument/2006/relationships" xmlns:p="http://schemas.openxmlformats.org/presentationml/2006/main" type="twoObj" preserve="1">
   <p:cSld name="Two Content">
     <p:spTree>
@@ -4394,7 +9165,7 @@
           <a:p>
             <a:fld id="{6DBE1A90-CE3A-4EAB-9639-767BB307E937}" type="datetime1">
               <a:rPr lang="en-GB" smtClean="0"/>
-              <a:t>11/07/2024</a:t>
+              <a:t>17/10/2024</a:t>
             </a:fld>
             <a:endParaRPr lang="en-GB"/>
           </a:p>
@@ -4446,503 +9217,6 @@
     <p:extLst>
       <p:ext uri="{BB962C8B-B14F-4D97-AF65-F5344CB8AC3E}">
         <p14:creationId xmlns:p14="http://schemas.microsoft.com/office/powerpoint/2010/main" val="2000362926"/>
-      </p:ext>
-    </p:extLst>
-  </p:cSld>
-  <p:clrMapOvr>
-    <a:masterClrMapping/>
-  </p:clrMapOvr>
-</p:sldLayout>
-</file>
-
-<file path=ppt/slideLayouts/slideLayout8.xml><?xml version="1.0" encoding="utf-8"?>
-<p:sldLayout xmlns:a="http://schemas.openxmlformats.org/drawingml/2006/main" xmlns:r="http://schemas.openxmlformats.org/officeDocument/2006/relationships" xmlns:p="http://schemas.openxmlformats.org/presentationml/2006/main" type="twoTxTwoObj" preserve="1">
-  <p:cSld name="Comparison">
-    <p:spTree>
-      <p:nvGrpSpPr>
-        <p:cNvPr id="1" name=""/>
-        <p:cNvGrpSpPr/>
-        <p:nvPr/>
-      </p:nvGrpSpPr>
-      <p:grpSpPr>
-        <a:xfrm>
-          <a:off x="0" y="0"/>
-          <a:ext cx="0" cy="0"/>
-          <a:chOff x="0" y="0"/>
-          <a:chExt cx="0" cy="0"/>
-        </a:xfrm>
-      </p:grpSpPr>
-      <p:sp>
-        <p:nvSpPr>
-          <p:cNvPr id="10" name="Title 9"/>
-          <p:cNvSpPr>
-            <a:spLocks noGrp="1"/>
-          </p:cNvSpPr>
-          <p:nvPr>
-            <p:ph type="title"/>
-          </p:nvPr>
-        </p:nvSpPr>
-        <p:spPr>
-          <a:xfrm>
-            <a:off x="1097280" y="286603"/>
-            <a:ext cx="10058400" cy="1450757"/>
-          </a:xfrm>
-        </p:spPr>
-        <p:txBody>
-          <a:bodyPr/>
-          <a:lstStyle/>
-          <a:p>
-            <a:r>
-              <a:rPr lang="en-GB"/>
-              <a:t>Click to edit Master title style</a:t>
-            </a:r>
-            <a:endParaRPr lang="en-US" dirty="0"/>
-          </a:p>
-        </p:txBody>
-      </p:sp>
-      <p:sp>
-        <p:nvSpPr>
-          <p:cNvPr id="3" name="Text Placeholder 2"/>
-          <p:cNvSpPr>
-            <a:spLocks noGrp="1"/>
-          </p:cNvSpPr>
-          <p:nvPr>
-            <p:ph type="body" idx="1"/>
-          </p:nvPr>
-        </p:nvSpPr>
-        <p:spPr>
-          <a:xfrm>
-            <a:off x="1097280" y="1846052"/>
-            <a:ext cx="4937760" cy="736282"/>
-          </a:xfrm>
-        </p:spPr>
-        <p:txBody>
-          <a:bodyPr lIns="91440" rIns="91440" anchor="ctr">
-            <a:normAutofit/>
-          </a:bodyPr>
-          <a:lstStyle>
-            <a:lvl1pPr marL="0" indent="0">
-              <a:buNone/>
-              <a:defRPr sz="2000" b="0" cap="all" baseline="0">
-                <a:solidFill>
-                  <a:schemeClr val="tx2"/>
-                </a:solidFill>
-              </a:defRPr>
-            </a:lvl1pPr>
-            <a:lvl2pPr marL="457200" indent="0">
-              <a:buNone/>
-              <a:defRPr sz="2000" b="1"/>
-            </a:lvl2pPr>
-            <a:lvl3pPr marL="914400" indent="0">
-              <a:buNone/>
-              <a:defRPr sz="1800" b="1"/>
-            </a:lvl3pPr>
-            <a:lvl4pPr marL="1371600" indent="0">
-              <a:buNone/>
-              <a:defRPr sz="1600" b="1"/>
-            </a:lvl4pPr>
-            <a:lvl5pPr marL="1828800" indent="0">
-              <a:buNone/>
-              <a:defRPr sz="1600" b="1"/>
-            </a:lvl5pPr>
-            <a:lvl6pPr marL="2286000" indent="0">
-              <a:buNone/>
-              <a:defRPr sz="1600" b="1"/>
-            </a:lvl6pPr>
-            <a:lvl7pPr marL="2743200" indent="0">
-              <a:buNone/>
-              <a:defRPr sz="1600" b="1"/>
-            </a:lvl7pPr>
-            <a:lvl8pPr marL="3200400" indent="0">
-              <a:buNone/>
-              <a:defRPr sz="1600" b="1"/>
-            </a:lvl8pPr>
-            <a:lvl9pPr marL="3657600" indent="0">
-              <a:buNone/>
-              <a:defRPr sz="1600" b="1"/>
-            </a:lvl9pPr>
-          </a:lstStyle>
-          <a:p>
-            <a:pPr lvl="0"/>
-            <a:r>
-              <a:rPr lang="en-GB"/>
-              <a:t>Click to edit Master text styles</a:t>
-            </a:r>
-          </a:p>
-        </p:txBody>
-      </p:sp>
-      <p:sp>
-        <p:nvSpPr>
-          <p:cNvPr id="4" name="Content Placeholder 3"/>
-          <p:cNvSpPr>
-            <a:spLocks noGrp="1"/>
-          </p:cNvSpPr>
-          <p:nvPr>
-            <p:ph sz="half" idx="2"/>
-          </p:nvPr>
-        </p:nvSpPr>
-        <p:spPr>
-          <a:xfrm>
-            <a:off x="1097280" y="2582334"/>
-            <a:ext cx="4937760" cy="3378200"/>
-          </a:xfrm>
-        </p:spPr>
-        <p:txBody>
-          <a:bodyPr/>
-          <a:lstStyle/>
-          <a:p>
-            <a:pPr lvl="0"/>
-            <a:r>
-              <a:rPr lang="en-GB"/>
-              <a:t>Click to edit Master text styles</a:t>
-            </a:r>
-          </a:p>
-          <a:p>
-            <a:pPr lvl="1"/>
-            <a:r>
-              <a:rPr lang="en-GB"/>
-              <a:t>Second level</a:t>
-            </a:r>
-          </a:p>
-          <a:p>
-            <a:pPr lvl="2"/>
-            <a:r>
-              <a:rPr lang="en-GB"/>
-              <a:t>Third level</a:t>
-            </a:r>
-          </a:p>
-          <a:p>
-            <a:pPr lvl="3"/>
-            <a:r>
-              <a:rPr lang="en-GB"/>
-              <a:t>Fourth level</a:t>
-            </a:r>
-          </a:p>
-          <a:p>
-            <a:pPr lvl="4"/>
-            <a:r>
-              <a:rPr lang="en-GB"/>
-              <a:t>Fifth level</a:t>
-            </a:r>
-            <a:endParaRPr lang="en-US" dirty="0"/>
-          </a:p>
-        </p:txBody>
-      </p:sp>
-      <p:sp>
-        <p:nvSpPr>
-          <p:cNvPr id="5" name="Text Placeholder 4"/>
-          <p:cNvSpPr>
-            <a:spLocks noGrp="1"/>
-          </p:cNvSpPr>
-          <p:nvPr>
-            <p:ph type="body" sz="quarter" idx="3"/>
-          </p:nvPr>
-        </p:nvSpPr>
-        <p:spPr>
-          <a:xfrm>
-            <a:off x="6217920" y="1846052"/>
-            <a:ext cx="4937760" cy="736282"/>
-          </a:xfrm>
-        </p:spPr>
-        <p:txBody>
-          <a:bodyPr lIns="91440" rIns="91440" anchor="ctr">
-            <a:normAutofit/>
-          </a:bodyPr>
-          <a:lstStyle>
-            <a:lvl1pPr marL="0" indent="0">
-              <a:buNone/>
-              <a:defRPr sz="2000" b="0" cap="all" baseline="0">
-                <a:solidFill>
-                  <a:schemeClr val="tx2"/>
-                </a:solidFill>
-              </a:defRPr>
-            </a:lvl1pPr>
-            <a:lvl2pPr marL="457200" indent="0">
-              <a:buNone/>
-              <a:defRPr sz="2000" b="1"/>
-            </a:lvl2pPr>
-            <a:lvl3pPr marL="914400" indent="0">
-              <a:buNone/>
-              <a:defRPr sz="1800" b="1"/>
-            </a:lvl3pPr>
-            <a:lvl4pPr marL="1371600" indent="0">
-              <a:buNone/>
-              <a:defRPr sz="1600" b="1"/>
-            </a:lvl4pPr>
-            <a:lvl5pPr marL="1828800" indent="0">
-              <a:buNone/>
-              <a:defRPr sz="1600" b="1"/>
-            </a:lvl5pPr>
-            <a:lvl6pPr marL="2286000" indent="0">
-              <a:buNone/>
-              <a:defRPr sz="1600" b="1"/>
-            </a:lvl6pPr>
-            <a:lvl7pPr marL="2743200" indent="0">
-              <a:buNone/>
-              <a:defRPr sz="1600" b="1"/>
-            </a:lvl7pPr>
-            <a:lvl8pPr marL="3200400" indent="0">
-              <a:buNone/>
-              <a:defRPr sz="1600" b="1"/>
-            </a:lvl8pPr>
-            <a:lvl9pPr marL="3657600" indent="0">
-              <a:buNone/>
-              <a:defRPr sz="1600" b="1"/>
-            </a:lvl9pPr>
-          </a:lstStyle>
-          <a:p>
-            <a:pPr lvl="0"/>
-            <a:r>
-              <a:rPr lang="en-GB"/>
-              <a:t>Click to edit Master text styles</a:t>
-            </a:r>
-          </a:p>
-        </p:txBody>
-      </p:sp>
-      <p:sp>
-        <p:nvSpPr>
-          <p:cNvPr id="6" name="Content Placeholder 5"/>
-          <p:cNvSpPr>
-            <a:spLocks noGrp="1"/>
-          </p:cNvSpPr>
-          <p:nvPr>
-            <p:ph sz="quarter" idx="4"/>
-          </p:nvPr>
-        </p:nvSpPr>
-        <p:spPr>
-          <a:xfrm>
-            <a:off x="6217920" y="2582334"/>
-            <a:ext cx="4937760" cy="3378200"/>
-          </a:xfrm>
-        </p:spPr>
-        <p:txBody>
-          <a:bodyPr/>
-          <a:lstStyle/>
-          <a:p>
-            <a:pPr lvl="0"/>
-            <a:r>
-              <a:rPr lang="en-GB"/>
-              <a:t>Click to edit Master text styles</a:t>
-            </a:r>
-          </a:p>
-          <a:p>
-            <a:pPr lvl="1"/>
-            <a:r>
-              <a:rPr lang="en-GB"/>
-              <a:t>Second level</a:t>
-            </a:r>
-          </a:p>
-          <a:p>
-            <a:pPr lvl="2"/>
-            <a:r>
-              <a:rPr lang="en-GB"/>
-              <a:t>Third level</a:t>
-            </a:r>
-          </a:p>
-          <a:p>
-            <a:pPr lvl="3"/>
-            <a:r>
-              <a:rPr lang="en-GB"/>
-              <a:t>Fourth level</a:t>
-            </a:r>
-          </a:p>
-          <a:p>
-            <a:pPr lvl="4"/>
-            <a:r>
-              <a:rPr lang="en-GB"/>
-              <a:t>Fifth level</a:t>
-            </a:r>
-            <a:endParaRPr lang="en-US" dirty="0"/>
-          </a:p>
-        </p:txBody>
-      </p:sp>
-      <p:sp>
-        <p:nvSpPr>
-          <p:cNvPr id="7" name="Date Placeholder 6"/>
-          <p:cNvSpPr>
-            <a:spLocks noGrp="1"/>
-          </p:cNvSpPr>
-          <p:nvPr>
-            <p:ph type="dt" sz="half" idx="10"/>
-          </p:nvPr>
-        </p:nvSpPr>
-        <p:spPr/>
-        <p:txBody>
-          <a:bodyPr/>
-          <a:lstStyle/>
-          <a:p>
-            <a:fld id="{B1788611-C2AF-448C-92CB-E54AF547042B}" type="datetime1">
-              <a:rPr lang="en-GB" smtClean="0"/>
-              <a:t>11/07/2024</a:t>
-            </a:fld>
-            <a:endParaRPr lang="en-GB"/>
-          </a:p>
-        </p:txBody>
-      </p:sp>
-      <p:sp>
-        <p:nvSpPr>
-          <p:cNvPr id="8" name="Footer Placeholder 7"/>
-          <p:cNvSpPr>
-            <a:spLocks noGrp="1"/>
-          </p:cNvSpPr>
-          <p:nvPr>
-            <p:ph type="ftr" sz="quarter" idx="11"/>
-          </p:nvPr>
-        </p:nvSpPr>
-        <p:spPr/>
-        <p:txBody>
-          <a:bodyPr/>
-          <a:lstStyle/>
-          <a:p>
-            <a:endParaRPr lang="en-GB"/>
-          </a:p>
-        </p:txBody>
-      </p:sp>
-      <p:sp>
-        <p:nvSpPr>
-          <p:cNvPr id="9" name="Slide Number Placeholder 8"/>
-          <p:cNvSpPr>
-            <a:spLocks noGrp="1"/>
-          </p:cNvSpPr>
-          <p:nvPr>
-            <p:ph type="sldNum" sz="quarter" idx="12"/>
-          </p:nvPr>
-        </p:nvSpPr>
-        <p:spPr/>
-        <p:txBody>
-          <a:bodyPr/>
-          <a:lstStyle/>
-          <a:p>
-            <a:fld id="{9FAA51BB-2FC0-4DB8-B50E-F52D50E733B6}" type="slidenum">
-              <a:rPr lang="en-GB" smtClean="0"/>
-              <a:t>‹#›</a:t>
-            </a:fld>
-            <a:endParaRPr lang="en-GB"/>
-          </a:p>
-        </p:txBody>
-      </p:sp>
-    </p:spTree>
-    <p:extLst>
-      <p:ext uri="{BB962C8B-B14F-4D97-AF65-F5344CB8AC3E}">
-        <p14:creationId xmlns:p14="http://schemas.microsoft.com/office/powerpoint/2010/main" val="1048557662"/>
-      </p:ext>
-    </p:extLst>
-  </p:cSld>
-  <p:clrMapOvr>
-    <a:masterClrMapping/>
-  </p:clrMapOvr>
-</p:sldLayout>
-</file>
-
-<file path=ppt/slideLayouts/slideLayout9.xml><?xml version="1.0" encoding="utf-8"?>
-<p:sldLayout xmlns:a="http://schemas.openxmlformats.org/drawingml/2006/main" xmlns:r="http://schemas.openxmlformats.org/officeDocument/2006/relationships" xmlns:p="http://schemas.openxmlformats.org/presentationml/2006/main" type="titleOnly" preserve="1">
-  <p:cSld name="Title Only">
-    <p:spTree>
-      <p:nvGrpSpPr>
-        <p:cNvPr id="1" name=""/>
-        <p:cNvGrpSpPr/>
-        <p:nvPr/>
-      </p:nvGrpSpPr>
-      <p:grpSpPr>
-        <a:xfrm>
-          <a:off x="0" y="0"/>
-          <a:ext cx="0" cy="0"/>
-          <a:chOff x="0" y="0"/>
-          <a:chExt cx="0" cy="0"/>
-        </a:xfrm>
-      </p:grpSpPr>
-      <p:sp>
-        <p:nvSpPr>
-          <p:cNvPr id="2" name="Title 1"/>
-          <p:cNvSpPr>
-            <a:spLocks noGrp="1"/>
-          </p:cNvSpPr>
-          <p:nvPr>
-            <p:ph type="title"/>
-          </p:nvPr>
-        </p:nvSpPr>
-        <p:spPr/>
-        <p:txBody>
-          <a:bodyPr/>
-          <a:lstStyle/>
-          <a:p>
-            <a:r>
-              <a:rPr lang="en-GB"/>
-              <a:t>Click to edit Master title style</a:t>
-            </a:r>
-            <a:endParaRPr lang="en-US" dirty="0"/>
-          </a:p>
-        </p:txBody>
-      </p:sp>
-      <p:sp>
-        <p:nvSpPr>
-          <p:cNvPr id="3" name="Date Placeholder 2"/>
-          <p:cNvSpPr>
-            <a:spLocks noGrp="1"/>
-          </p:cNvSpPr>
-          <p:nvPr>
-            <p:ph type="dt" sz="half" idx="10"/>
-          </p:nvPr>
-        </p:nvSpPr>
-        <p:spPr/>
-        <p:txBody>
-          <a:bodyPr/>
-          <a:lstStyle/>
-          <a:p>
-            <a:fld id="{1E89F0B1-2348-4D8B-A08C-3EA3C02C3894}" type="datetime1">
-              <a:rPr lang="en-GB" smtClean="0"/>
-              <a:t>11/07/2024</a:t>
-            </a:fld>
-            <a:endParaRPr lang="en-GB"/>
-          </a:p>
-        </p:txBody>
-      </p:sp>
-      <p:sp>
-        <p:nvSpPr>
-          <p:cNvPr id="4" name="Footer Placeholder 3"/>
-          <p:cNvSpPr>
-            <a:spLocks noGrp="1"/>
-          </p:cNvSpPr>
-          <p:nvPr>
-            <p:ph type="ftr" sz="quarter" idx="11"/>
-          </p:nvPr>
-        </p:nvSpPr>
-        <p:spPr/>
-        <p:txBody>
-          <a:bodyPr/>
-          <a:lstStyle/>
-          <a:p>
-            <a:endParaRPr lang="en-GB"/>
-          </a:p>
-        </p:txBody>
-      </p:sp>
-      <p:sp>
-        <p:nvSpPr>
-          <p:cNvPr id="5" name="Slide Number Placeholder 4"/>
-          <p:cNvSpPr>
-            <a:spLocks noGrp="1"/>
-          </p:cNvSpPr>
-          <p:nvPr>
-            <p:ph type="sldNum" sz="quarter" idx="12"/>
-          </p:nvPr>
-        </p:nvSpPr>
-        <p:spPr/>
-        <p:txBody>
-          <a:bodyPr/>
-          <a:lstStyle/>
-          <a:p>
-            <a:fld id="{9FAA51BB-2FC0-4DB8-B50E-F52D50E733B6}" type="slidenum">
-              <a:rPr lang="en-GB" smtClean="0"/>
-              <a:t>‹#›</a:t>
-            </a:fld>
-            <a:endParaRPr lang="en-GB"/>
-          </a:p>
-        </p:txBody>
-      </p:sp>
-    </p:spTree>
-    <p:extLst>
-      <p:ext uri="{BB962C8B-B14F-4D97-AF65-F5344CB8AC3E}">
-        <p14:creationId xmlns:p14="http://schemas.microsoft.com/office/powerpoint/2010/main" val="1290176558"/>
       </p:ext>
     </p:extLst>
   </p:cSld>
@@ -5170,7 +9444,7 @@
           <a:p>
             <a:fld id="{ACE12B0A-2EE2-4D28-A08D-D43EE5C77762}" type="datetime1">
               <a:rPr lang="en-GB" smtClean="0"/>
-              <a:t>11/07/2024</a:t>
+              <a:t>17/10/2024</a:t>
             </a:fld>
             <a:endParaRPr lang="en-GB" dirty="0"/>
           </a:p>
@@ -5269,18 +9543,19 @@
   <p:clrMap bg1="lt1" tx1="dk1" bg2="lt2" tx2="dk2" accent1="accent1" accent2="accent2" accent3="accent3" accent4="accent4" accent5="accent5" accent6="accent6" hlink="hlink" folHlink="folHlink"/>
   <p:sldLayoutIdLst>
     <p:sldLayoutId id="2147483661" r:id="rId1"/>
-    <p:sldLayoutId id="2147483672" r:id="rId2"/>
+    <p:sldLayoutId id="2147483675" r:id="rId2"/>
     <p:sldLayoutId id="2147483662" r:id="rId3"/>
-    <p:sldLayoutId id="2147483663" r:id="rId4"/>
-    <p:sldLayoutId id="2147483668" r:id="rId5"/>
-    <p:sldLayoutId id="2147483669" r:id="rId6"/>
-    <p:sldLayoutId id="2147483664" r:id="rId7"/>
-    <p:sldLayoutId id="2147483665" r:id="rId8"/>
-    <p:sldLayoutId id="2147483666" r:id="rId9"/>
-    <p:sldLayoutId id="2147483667" r:id="rId10"/>
-    <p:sldLayoutId id="2147483670" r:id="rId11"/>
-    <p:sldLayoutId id="2147483671" r:id="rId12"/>
-    <p:sldLayoutId id="2147483673" r:id="rId13"/>
+    <p:sldLayoutId id="2147483672" r:id="rId4"/>
+    <p:sldLayoutId id="2147483667" r:id="rId5"/>
+    <p:sldLayoutId id="2147483663" r:id="rId6"/>
+    <p:sldLayoutId id="2147483668" r:id="rId7"/>
+    <p:sldLayoutId id="2147483669" r:id="rId8"/>
+    <p:sldLayoutId id="2147483664" r:id="rId9"/>
+    <p:sldLayoutId id="2147483665" r:id="rId10"/>
+    <p:sldLayoutId id="2147483673" r:id="rId11"/>
+    <p:sldLayoutId id="2147483677" r:id="rId12"/>
+    <p:sldLayoutId id="2147483674" r:id="rId13"/>
+    <p:sldLayoutId id="2147483676" r:id="rId14"/>
   </p:sldLayoutIdLst>
   <p:hf sldNum="0" hdr="0" ftr="0" dt="0"/>
   <p:txStyles>
@@ -5334,7 +9609,7 @@
           <a:cs typeface="+mn-cs"/>
         </a:defRPr>
       </a:lvl1pPr>
-      <a:lvl2pPr marL="384048" indent="-182880" algn="l" defTabSz="914400" rtl="0" eaLnBrk="1" latinLnBrk="0" hangingPunct="1">
+      <a:lvl2pPr marL="444500" indent="-244475" algn="l" defTabSz="914400" rtl="0" eaLnBrk="1" latinLnBrk="0" hangingPunct="1">
         <a:lnSpc>
           <a:spcPct val="90000"/>
         </a:lnSpc>
@@ -5362,7 +9637,7 @@
           <a:cs typeface="+mn-cs"/>
         </a:defRPr>
       </a:lvl2pPr>
-      <a:lvl3pPr marL="566928" indent="-182880" algn="l" defTabSz="914400" rtl="0" eaLnBrk="1" latinLnBrk="0" hangingPunct="1">
+      <a:lvl3pPr marL="627063" indent="-242888" algn="l" defTabSz="914400" rtl="0" eaLnBrk="1" latinLnBrk="0" hangingPunct="1">
         <a:lnSpc>
           <a:spcPct val="90000"/>
         </a:lnSpc>
